--- a/이사선-스마트 문화 앱 콘텐츠 설계.pptx
+++ b/이사선-스마트 문화 앱 콘텐츠 설계.pptx
@@ -10,10 +10,14 @@
     <p:sldId id="259" r:id="rId4"/>
     <p:sldId id="260" r:id="rId5"/>
     <p:sldId id="262" r:id="rId6"/>
-    <p:sldId id="261" r:id="rId7"/>
-    <p:sldId id="263" r:id="rId8"/>
-    <p:sldId id="264" r:id="rId9"/>
-    <p:sldId id="265" r:id="rId10"/>
+    <p:sldId id="267" r:id="rId7"/>
+    <p:sldId id="268" r:id="rId8"/>
+    <p:sldId id="269" r:id="rId9"/>
+    <p:sldId id="270" r:id="rId10"/>
+    <p:sldId id="261" r:id="rId11"/>
+    <p:sldId id="263" r:id="rId12"/>
+    <p:sldId id="264" r:id="rId13"/>
+    <p:sldId id="265" r:id="rId14"/>
   </p:sldIdLst>
   <p:sldSz cx="9144000" cy="6858000" type="screen4x3"/>
   <p:notesSz cx="6858000" cy="9144000"/>
@@ -112,6 +116,22 @@
       </a:defRPr>
     </a:lvl9pPr>
   </p:defaultTextStyle>
+  <p:extLst>
+    <p:ext uri="{EFAFB233-063F-42B5-8137-9DF3F51BA10A}">
+      <p15:sldGuideLst xmlns:p15="http://schemas.microsoft.com/office/powerpoint/2012/main">
+        <p15:guide id="1" orient="horz" pos="2160">
+          <p15:clr>
+            <a:srgbClr val="A4A3A4"/>
+          </p15:clr>
+        </p15:guide>
+        <p15:guide id="2" pos="2880">
+          <p15:clr>
+            <a:srgbClr val="A4A3A4"/>
+          </p15:clr>
+        </p15:guide>
+      </p15:sldGuideLst>
+    </p:ext>
+  </p:extLst>
 </p:presentation>
 </file>
 
@@ -153,10 +173,9 @@
           <a:lstStyle/>
           <a:p>
             <a:r>
-              <a:rPr lang="ko-KR" altLang="en-US" smtClean="0"/>
+              <a:rPr lang="ko-KR" altLang="en-US"/>
               <a:t>마스터 제목 스타일 편집</a:t>
             </a:r>
-            <a:endParaRPr lang="ko-KR" altLang="en-US"/>
           </a:p>
         </p:txBody>
       </p:sp>
@@ -272,10 +291,9 @@
           </a:lstStyle>
           <a:p>
             <a:r>
-              <a:rPr lang="ko-KR" altLang="en-US" smtClean="0"/>
+              <a:rPr lang="ko-KR" altLang="en-US"/>
               <a:t>마스터 부제목 스타일 편집</a:t>
             </a:r>
-            <a:endParaRPr lang="ko-KR" altLang="en-US"/>
           </a:p>
         </p:txBody>
       </p:sp>
@@ -296,7 +314,7 @@
           <a:p>
             <a:fld id="{65A24F1F-21FD-4309-87A9-D5868EA1E738}" type="datetimeFigureOut">
               <a:rPr lang="ko-KR" altLang="en-US" smtClean="0"/>
-              <a:t>2021-10-27</a:t>
+              <a:t>2021-10-28</a:t>
             </a:fld>
             <a:endParaRPr lang="ko-KR" altLang="en-US"/>
           </a:p>
@@ -390,10 +408,9 @@
           <a:lstStyle/>
           <a:p>
             <a:r>
-              <a:rPr lang="ko-KR" altLang="en-US" smtClean="0"/>
+              <a:rPr lang="ko-KR" altLang="en-US"/>
               <a:t>마스터 제목 스타일 편집</a:t>
             </a:r>
-            <a:endParaRPr lang="ko-KR" altLang="en-US"/>
           </a:p>
         </p:txBody>
       </p:sp>
@@ -414,38 +431,37 @@
           <a:p>
             <a:pPr lvl="0"/>
             <a:r>
-              <a:rPr lang="ko-KR" altLang="en-US" smtClean="0"/>
+              <a:rPr lang="ko-KR" altLang="en-US"/>
               <a:t>마스터 텍스트 스타일을 편집합니다</a:t>
             </a:r>
           </a:p>
           <a:p>
             <a:pPr lvl="1"/>
             <a:r>
-              <a:rPr lang="ko-KR" altLang="en-US" smtClean="0"/>
+              <a:rPr lang="ko-KR" altLang="en-US"/>
               <a:t>둘째 수준</a:t>
             </a:r>
           </a:p>
           <a:p>
             <a:pPr lvl="2"/>
             <a:r>
-              <a:rPr lang="ko-KR" altLang="en-US" smtClean="0"/>
+              <a:rPr lang="ko-KR" altLang="en-US"/>
               <a:t>셋째 수준</a:t>
             </a:r>
           </a:p>
           <a:p>
             <a:pPr lvl="3"/>
             <a:r>
-              <a:rPr lang="ko-KR" altLang="en-US" smtClean="0"/>
+              <a:rPr lang="ko-KR" altLang="en-US"/>
               <a:t>넷째 수준</a:t>
             </a:r>
           </a:p>
           <a:p>
             <a:pPr lvl="4"/>
             <a:r>
-              <a:rPr lang="ko-KR" altLang="en-US" smtClean="0"/>
+              <a:rPr lang="ko-KR" altLang="en-US"/>
               <a:t>다섯째 수준</a:t>
             </a:r>
-            <a:endParaRPr lang="ko-KR" altLang="en-US"/>
           </a:p>
         </p:txBody>
       </p:sp>
@@ -466,7 +482,7 @@
           <a:p>
             <a:fld id="{65A24F1F-21FD-4309-87A9-D5868EA1E738}" type="datetimeFigureOut">
               <a:rPr lang="ko-KR" altLang="en-US" smtClean="0"/>
-              <a:t>2021-10-27</a:t>
+              <a:t>2021-10-28</a:t>
             </a:fld>
             <a:endParaRPr lang="ko-KR" altLang="en-US"/>
           </a:p>
@@ -565,10 +581,9 @@
           <a:lstStyle/>
           <a:p>
             <a:r>
-              <a:rPr lang="ko-KR" altLang="en-US" smtClean="0"/>
+              <a:rPr lang="ko-KR" altLang="en-US"/>
               <a:t>마스터 제목 스타일 편집</a:t>
             </a:r>
-            <a:endParaRPr lang="ko-KR" altLang="en-US"/>
           </a:p>
         </p:txBody>
       </p:sp>
@@ -594,38 +609,37 @@
           <a:p>
             <a:pPr lvl="0"/>
             <a:r>
-              <a:rPr lang="ko-KR" altLang="en-US" smtClean="0"/>
+              <a:rPr lang="ko-KR" altLang="en-US"/>
               <a:t>마스터 텍스트 스타일을 편집합니다</a:t>
             </a:r>
           </a:p>
           <a:p>
             <a:pPr lvl="1"/>
             <a:r>
-              <a:rPr lang="ko-KR" altLang="en-US" smtClean="0"/>
+              <a:rPr lang="ko-KR" altLang="en-US"/>
               <a:t>둘째 수준</a:t>
             </a:r>
           </a:p>
           <a:p>
             <a:pPr lvl="2"/>
             <a:r>
-              <a:rPr lang="ko-KR" altLang="en-US" smtClean="0"/>
+              <a:rPr lang="ko-KR" altLang="en-US"/>
               <a:t>셋째 수준</a:t>
             </a:r>
           </a:p>
           <a:p>
             <a:pPr lvl="3"/>
             <a:r>
-              <a:rPr lang="ko-KR" altLang="en-US" smtClean="0"/>
+              <a:rPr lang="ko-KR" altLang="en-US"/>
               <a:t>넷째 수준</a:t>
             </a:r>
           </a:p>
           <a:p>
             <a:pPr lvl="4"/>
             <a:r>
-              <a:rPr lang="ko-KR" altLang="en-US" smtClean="0"/>
+              <a:rPr lang="ko-KR" altLang="en-US"/>
               <a:t>다섯째 수준</a:t>
             </a:r>
-            <a:endParaRPr lang="ko-KR" altLang="en-US"/>
           </a:p>
         </p:txBody>
       </p:sp>
@@ -646,7 +660,7 @@
           <a:p>
             <a:fld id="{65A24F1F-21FD-4309-87A9-D5868EA1E738}" type="datetimeFigureOut">
               <a:rPr lang="ko-KR" altLang="en-US" smtClean="0"/>
-              <a:t>2021-10-27</a:t>
+              <a:t>2021-10-28</a:t>
             </a:fld>
             <a:endParaRPr lang="ko-KR" altLang="en-US"/>
           </a:p>
@@ -740,10 +754,9 @@
           <a:lstStyle/>
           <a:p>
             <a:r>
-              <a:rPr lang="ko-KR" altLang="en-US" smtClean="0"/>
+              <a:rPr lang="ko-KR" altLang="en-US"/>
               <a:t>마스터 제목 스타일 편집</a:t>
             </a:r>
-            <a:endParaRPr lang="ko-KR" altLang="en-US"/>
           </a:p>
         </p:txBody>
       </p:sp>
@@ -764,38 +777,37 @@
           <a:p>
             <a:pPr lvl="0"/>
             <a:r>
-              <a:rPr lang="ko-KR" altLang="en-US" smtClean="0"/>
+              <a:rPr lang="ko-KR" altLang="en-US"/>
               <a:t>마스터 텍스트 스타일을 편집합니다</a:t>
             </a:r>
           </a:p>
           <a:p>
             <a:pPr lvl="1"/>
             <a:r>
-              <a:rPr lang="ko-KR" altLang="en-US" smtClean="0"/>
+              <a:rPr lang="ko-KR" altLang="en-US"/>
               <a:t>둘째 수준</a:t>
             </a:r>
           </a:p>
           <a:p>
             <a:pPr lvl="2"/>
             <a:r>
-              <a:rPr lang="ko-KR" altLang="en-US" smtClean="0"/>
+              <a:rPr lang="ko-KR" altLang="en-US"/>
               <a:t>셋째 수준</a:t>
             </a:r>
           </a:p>
           <a:p>
             <a:pPr lvl="3"/>
             <a:r>
-              <a:rPr lang="ko-KR" altLang="en-US" smtClean="0"/>
+              <a:rPr lang="ko-KR" altLang="en-US"/>
               <a:t>넷째 수준</a:t>
             </a:r>
           </a:p>
           <a:p>
             <a:pPr lvl="4"/>
             <a:r>
-              <a:rPr lang="ko-KR" altLang="en-US" smtClean="0"/>
+              <a:rPr lang="ko-KR" altLang="en-US"/>
               <a:t>다섯째 수준</a:t>
             </a:r>
-            <a:endParaRPr lang="ko-KR" altLang="en-US"/>
           </a:p>
         </p:txBody>
       </p:sp>
@@ -816,7 +828,7 @@
           <a:p>
             <a:fld id="{65A24F1F-21FD-4309-87A9-D5868EA1E738}" type="datetimeFigureOut">
               <a:rPr lang="ko-KR" altLang="en-US" smtClean="0"/>
-              <a:t>2021-10-27</a:t>
+              <a:t>2021-10-28</a:t>
             </a:fld>
             <a:endParaRPr lang="ko-KR" altLang="en-US"/>
           </a:p>
@@ -919,10 +931,9 @@
           </a:lstStyle>
           <a:p>
             <a:r>
-              <a:rPr lang="ko-KR" altLang="en-US" smtClean="0"/>
+              <a:rPr lang="ko-KR" altLang="en-US"/>
               <a:t>마스터 제목 스타일 편집</a:t>
             </a:r>
-            <a:endParaRPr lang="ko-KR" altLang="en-US"/>
           </a:p>
         </p:txBody>
       </p:sp>
@@ -1039,7 +1050,7 @@
           <a:p>
             <a:pPr lvl="0"/>
             <a:r>
-              <a:rPr lang="ko-KR" altLang="en-US" smtClean="0"/>
+              <a:rPr lang="ko-KR" altLang="en-US"/>
               <a:t>마스터 텍스트 스타일을 편집합니다</a:t>
             </a:r>
           </a:p>
@@ -1062,7 +1073,7 @@
           <a:p>
             <a:fld id="{65A24F1F-21FD-4309-87A9-D5868EA1E738}" type="datetimeFigureOut">
               <a:rPr lang="ko-KR" altLang="en-US" smtClean="0"/>
-              <a:t>2021-10-27</a:t>
+              <a:t>2021-10-28</a:t>
             </a:fld>
             <a:endParaRPr lang="ko-KR" altLang="en-US"/>
           </a:p>
@@ -1156,10 +1167,9 @@
           <a:lstStyle/>
           <a:p>
             <a:r>
-              <a:rPr lang="ko-KR" altLang="en-US" smtClean="0"/>
+              <a:rPr lang="ko-KR" altLang="en-US"/>
               <a:t>마스터 제목 스타일 편집</a:t>
             </a:r>
-            <a:endParaRPr lang="ko-KR" altLang="en-US"/>
           </a:p>
         </p:txBody>
       </p:sp>
@@ -1213,38 +1223,37 @@
           <a:p>
             <a:pPr lvl="0"/>
             <a:r>
-              <a:rPr lang="ko-KR" altLang="en-US" smtClean="0"/>
+              <a:rPr lang="ko-KR" altLang="en-US"/>
               <a:t>마스터 텍스트 스타일을 편집합니다</a:t>
             </a:r>
           </a:p>
           <a:p>
             <a:pPr lvl="1"/>
             <a:r>
-              <a:rPr lang="ko-KR" altLang="en-US" smtClean="0"/>
+              <a:rPr lang="ko-KR" altLang="en-US"/>
               <a:t>둘째 수준</a:t>
             </a:r>
           </a:p>
           <a:p>
             <a:pPr lvl="2"/>
             <a:r>
-              <a:rPr lang="ko-KR" altLang="en-US" smtClean="0"/>
+              <a:rPr lang="ko-KR" altLang="en-US"/>
               <a:t>셋째 수준</a:t>
             </a:r>
           </a:p>
           <a:p>
             <a:pPr lvl="3"/>
             <a:r>
-              <a:rPr lang="ko-KR" altLang="en-US" smtClean="0"/>
+              <a:rPr lang="ko-KR" altLang="en-US"/>
               <a:t>넷째 수준</a:t>
             </a:r>
           </a:p>
           <a:p>
             <a:pPr lvl="4"/>
             <a:r>
-              <a:rPr lang="ko-KR" altLang="en-US" smtClean="0"/>
+              <a:rPr lang="ko-KR" altLang="en-US"/>
               <a:t>다섯째 수준</a:t>
             </a:r>
-            <a:endParaRPr lang="ko-KR" altLang="en-US"/>
           </a:p>
         </p:txBody>
       </p:sp>
@@ -1298,38 +1307,37 @@
           <a:p>
             <a:pPr lvl="0"/>
             <a:r>
-              <a:rPr lang="ko-KR" altLang="en-US" smtClean="0"/>
+              <a:rPr lang="ko-KR" altLang="en-US"/>
               <a:t>마스터 텍스트 스타일을 편집합니다</a:t>
             </a:r>
           </a:p>
           <a:p>
             <a:pPr lvl="1"/>
             <a:r>
-              <a:rPr lang="ko-KR" altLang="en-US" smtClean="0"/>
+              <a:rPr lang="ko-KR" altLang="en-US"/>
               <a:t>둘째 수준</a:t>
             </a:r>
           </a:p>
           <a:p>
             <a:pPr lvl="2"/>
             <a:r>
-              <a:rPr lang="ko-KR" altLang="en-US" smtClean="0"/>
+              <a:rPr lang="ko-KR" altLang="en-US"/>
               <a:t>셋째 수준</a:t>
             </a:r>
           </a:p>
           <a:p>
             <a:pPr lvl="3"/>
             <a:r>
-              <a:rPr lang="ko-KR" altLang="en-US" smtClean="0"/>
+              <a:rPr lang="ko-KR" altLang="en-US"/>
               <a:t>넷째 수준</a:t>
             </a:r>
           </a:p>
           <a:p>
             <a:pPr lvl="4"/>
             <a:r>
-              <a:rPr lang="ko-KR" altLang="en-US" smtClean="0"/>
+              <a:rPr lang="ko-KR" altLang="en-US"/>
               <a:t>다섯째 수준</a:t>
             </a:r>
-            <a:endParaRPr lang="ko-KR" altLang="en-US"/>
           </a:p>
         </p:txBody>
       </p:sp>
@@ -1350,7 +1358,7 @@
           <a:p>
             <a:fld id="{65A24F1F-21FD-4309-87A9-D5868EA1E738}" type="datetimeFigureOut">
               <a:rPr lang="ko-KR" altLang="en-US" smtClean="0"/>
-              <a:t>2021-10-27</a:t>
+              <a:t>2021-10-28</a:t>
             </a:fld>
             <a:endParaRPr lang="ko-KR" altLang="en-US"/>
           </a:p>
@@ -1448,10 +1456,9 @@
           </a:lstStyle>
           <a:p>
             <a:r>
-              <a:rPr lang="ko-KR" altLang="en-US" smtClean="0"/>
+              <a:rPr lang="ko-KR" altLang="en-US"/>
               <a:t>마스터 제목 스타일 편집</a:t>
             </a:r>
-            <a:endParaRPr lang="ko-KR" altLang="en-US"/>
           </a:p>
         </p:txBody>
       </p:sp>
@@ -1514,7 +1521,7 @@
           <a:p>
             <a:pPr lvl="0"/>
             <a:r>
-              <a:rPr lang="ko-KR" altLang="en-US" smtClean="0"/>
+              <a:rPr lang="ko-KR" altLang="en-US"/>
               <a:t>마스터 텍스트 스타일을 편집합니다</a:t>
             </a:r>
           </a:p>
@@ -1570,38 +1577,37 @@
           <a:p>
             <a:pPr lvl="0"/>
             <a:r>
-              <a:rPr lang="ko-KR" altLang="en-US" smtClean="0"/>
+              <a:rPr lang="ko-KR" altLang="en-US"/>
               <a:t>마스터 텍스트 스타일을 편집합니다</a:t>
             </a:r>
           </a:p>
           <a:p>
             <a:pPr lvl="1"/>
             <a:r>
-              <a:rPr lang="ko-KR" altLang="en-US" smtClean="0"/>
+              <a:rPr lang="ko-KR" altLang="en-US"/>
               <a:t>둘째 수준</a:t>
             </a:r>
           </a:p>
           <a:p>
             <a:pPr lvl="2"/>
             <a:r>
-              <a:rPr lang="ko-KR" altLang="en-US" smtClean="0"/>
+              <a:rPr lang="ko-KR" altLang="en-US"/>
               <a:t>셋째 수준</a:t>
             </a:r>
           </a:p>
           <a:p>
             <a:pPr lvl="3"/>
             <a:r>
-              <a:rPr lang="ko-KR" altLang="en-US" smtClean="0"/>
+              <a:rPr lang="ko-KR" altLang="en-US"/>
               <a:t>넷째 수준</a:t>
             </a:r>
           </a:p>
           <a:p>
             <a:pPr lvl="4"/>
             <a:r>
-              <a:rPr lang="ko-KR" altLang="en-US" smtClean="0"/>
+              <a:rPr lang="ko-KR" altLang="en-US"/>
               <a:t>다섯째 수준</a:t>
             </a:r>
-            <a:endParaRPr lang="ko-KR" altLang="en-US"/>
           </a:p>
         </p:txBody>
       </p:sp>
@@ -1664,7 +1670,7 @@
           <a:p>
             <a:pPr lvl="0"/>
             <a:r>
-              <a:rPr lang="ko-KR" altLang="en-US" smtClean="0"/>
+              <a:rPr lang="ko-KR" altLang="en-US"/>
               <a:t>마스터 텍스트 스타일을 편집합니다</a:t>
             </a:r>
           </a:p>
@@ -1720,38 +1726,37 @@
           <a:p>
             <a:pPr lvl="0"/>
             <a:r>
-              <a:rPr lang="ko-KR" altLang="en-US" smtClean="0"/>
+              <a:rPr lang="ko-KR" altLang="en-US"/>
               <a:t>마스터 텍스트 스타일을 편집합니다</a:t>
             </a:r>
           </a:p>
           <a:p>
             <a:pPr lvl="1"/>
             <a:r>
-              <a:rPr lang="ko-KR" altLang="en-US" smtClean="0"/>
+              <a:rPr lang="ko-KR" altLang="en-US"/>
               <a:t>둘째 수준</a:t>
             </a:r>
           </a:p>
           <a:p>
             <a:pPr lvl="2"/>
             <a:r>
-              <a:rPr lang="ko-KR" altLang="en-US" smtClean="0"/>
+              <a:rPr lang="ko-KR" altLang="en-US"/>
               <a:t>셋째 수준</a:t>
             </a:r>
           </a:p>
           <a:p>
             <a:pPr lvl="3"/>
             <a:r>
-              <a:rPr lang="ko-KR" altLang="en-US" smtClean="0"/>
+              <a:rPr lang="ko-KR" altLang="en-US"/>
               <a:t>넷째 수준</a:t>
             </a:r>
           </a:p>
           <a:p>
             <a:pPr lvl="4"/>
             <a:r>
-              <a:rPr lang="ko-KR" altLang="en-US" smtClean="0"/>
+              <a:rPr lang="ko-KR" altLang="en-US"/>
               <a:t>다섯째 수준</a:t>
             </a:r>
-            <a:endParaRPr lang="ko-KR" altLang="en-US"/>
           </a:p>
         </p:txBody>
       </p:sp>
@@ -1772,7 +1777,7 @@
           <a:p>
             <a:fld id="{65A24F1F-21FD-4309-87A9-D5868EA1E738}" type="datetimeFigureOut">
               <a:rPr lang="ko-KR" altLang="en-US" smtClean="0"/>
-              <a:t>2021-10-27</a:t>
+              <a:t>2021-10-28</a:t>
             </a:fld>
             <a:endParaRPr lang="ko-KR" altLang="en-US"/>
           </a:p>
@@ -1866,10 +1871,9 @@
           <a:lstStyle/>
           <a:p>
             <a:r>
-              <a:rPr lang="ko-KR" altLang="en-US" smtClean="0"/>
+              <a:rPr lang="ko-KR" altLang="en-US"/>
               <a:t>마스터 제목 스타일 편집</a:t>
             </a:r>
-            <a:endParaRPr lang="ko-KR" altLang="en-US"/>
           </a:p>
         </p:txBody>
       </p:sp>
@@ -1890,7 +1894,7 @@
           <a:p>
             <a:fld id="{65A24F1F-21FD-4309-87A9-D5868EA1E738}" type="datetimeFigureOut">
               <a:rPr lang="ko-KR" altLang="en-US" smtClean="0"/>
-              <a:t>2021-10-27</a:t>
+              <a:t>2021-10-28</a:t>
             </a:fld>
             <a:endParaRPr lang="ko-KR" altLang="en-US"/>
           </a:p>
@@ -1985,7 +1989,7 @@
           <a:p>
             <a:fld id="{65A24F1F-21FD-4309-87A9-D5868EA1E738}" type="datetimeFigureOut">
               <a:rPr lang="ko-KR" altLang="en-US" smtClean="0"/>
-              <a:t>2021-10-27</a:t>
+              <a:t>2021-10-28</a:t>
             </a:fld>
             <a:endParaRPr lang="ko-KR" altLang="en-US"/>
           </a:p>
@@ -2088,10 +2092,9 @@
           </a:lstStyle>
           <a:p>
             <a:r>
-              <a:rPr lang="ko-KR" altLang="en-US" smtClean="0"/>
+              <a:rPr lang="ko-KR" altLang="en-US"/>
               <a:t>마스터 제목 스타일 편집</a:t>
             </a:r>
-            <a:endParaRPr lang="ko-KR" altLang="en-US"/>
           </a:p>
         </p:txBody>
       </p:sp>
@@ -2145,38 +2148,37 @@
           <a:p>
             <a:pPr lvl="0"/>
             <a:r>
-              <a:rPr lang="ko-KR" altLang="en-US" smtClean="0"/>
+              <a:rPr lang="ko-KR" altLang="en-US"/>
               <a:t>마스터 텍스트 스타일을 편집합니다</a:t>
             </a:r>
           </a:p>
           <a:p>
             <a:pPr lvl="1"/>
             <a:r>
-              <a:rPr lang="ko-KR" altLang="en-US" smtClean="0"/>
+              <a:rPr lang="ko-KR" altLang="en-US"/>
               <a:t>둘째 수준</a:t>
             </a:r>
           </a:p>
           <a:p>
             <a:pPr lvl="2"/>
             <a:r>
-              <a:rPr lang="ko-KR" altLang="en-US" smtClean="0"/>
+              <a:rPr lang="ko-KR" altLang="en-US"/>
               <a:t>셋째 수준</a:t>
             </a:r>
           </a:p>
           <a:p>
             <a:pPr lvl="3"/>
             <a:r>
-              <a:rPr lang="ko-KR" altLang="en-US" smtClean="0"/>
+              <a:rPr lang="ko-KR" altLang="en-US"/>
               <a:t>넷째 수준</a:t>
             </a:r>
           </a:p>
           <a:p>
             <a:pPr lvl="4"/>
             <a:r>
-              <a:rPr lang="ko-KR" altLang="en-US" smtClean="0"/>
+              <a:rPr lang="ko-KR" altLang="en-US"/>
               <a:t>다섯째 수준</a:t>
             </a:r>
-            <a:endParaRPr lang="ko-KR" altLang="en-US"/>
           </a:p>
         </p:txBody>
       </p:sp>
@@ -2239,7 +2241,7 @@
           <a:p>
             <a:pPr lvl="0"/>
             <a:r>
-              <a:rPr lang="ko-KR" altLang="en-US" smtClean="0"/>
+              <a:rPr lang="ko-KR" altLang="en-US"/>
               <a:t>마스터 텍스트 스타일을 편집합니다</a:t>
             </a:r>
           </a:p>
@@ -2262,7 +2264,7 @@
           <a:p>
             <a:fld id="{65A24F1F-21FD-4309-87A9-D5868EA1E738}" type="datetimeFigureOut">
               <a:rPr lang="ko-KR" altLang="en-US" smtClean="0"/>
-              <a:t>2021-10-27</a:t>
+              <a:t>2021-10-28</a:t>
             </a:fld>
             <a:endParaRPr lang="ko-KR" altLang="en-US"/>
           </a:p>
@@ -2365,10 +2367,9 @@
           </a:lstStyle>
           <a:p>
             <a:r>
-              <a:rPr lang="ko-KR" altLang="en-US" smtClean="0"/>
+              <a:rPr lang="ko-KR" altLang="en-US"/>
               <a:t>마스터 제목 스타일 편집</a:t>
             </a:r>
-            <a:endParaRPr lang="ko-KR" altLang="en-US"/>
           </a:p>
         </p:txBody>
       </p:sp>
@@ -2492,7 +2493,7 @@
           <a:p>
             <a:pPr lvl="0"/>
             <a:r>
-              <a:rPr lang="ko-KR" altLang="en-US" smtClean="0"/>
+              <a:rPr lang="ko-KR" altLang="en-US"/>
               <a:t>마스터 텍스트 스타일을 편집합니다</a:t>
             </a:r>
           </a:p>
@@ -2515,7 +2516,7 @@
           <a:p>
             <a:fld id="{65A24F1F-21FD-4309-87A9-D5868EA1E738}" type="datetimeFigureOut">
               <a:rPr lang="ko-KR" altLang="en-US" smtClean="0"/>
-              <a:t>2021-10-27</a:t>
+              <a:t>2021-10-28</a:t>
             </a:fld>
             <a:endParaRPr lang="ko-KR" altLang="en-US"/>
           </a:p>
@@ -2624,10 +2625,9 @@
           <a:lstStyle/>
           <a:p>
             <a:r>
-              <a:rPr lang="ko-KR" altLang="en-US" smtClean="0"/>
+              <a:rPr lang="ko-KR" altLang="en-US"/>
               <a:t>마스터 제목 스타일 편집</a:t>
             </a:r>
-            <a:endParaRPr lang="ko-KR" altLang="en-US"/>
           </a:p>
         </p:txBody>
       </p:sp>
@@ -2658,38 +2658,37 @@
           <a:p>
             <a:pPr lvl="0"/>
             <a:r>
-              <a:rPr lang="ko-KR" altLang="en-US" smtClean="0"/>
+              <a:rPr lang="ko-KR" altLang="en-US"/>
               <a:t>마스터 텍스트 스타일을 편집합니다</a:t>
             </a:r>
           </a:p>
           <a:p>
             <a:pPr lvl="1"/>
             <a:r>
-              <a:rPr lang="ko-KR" altLang="en-US" smtClean="0"/>
+              <a:rPr lang="ko-KR" altLang="en-US"/>
               <a:t>둘째 수준</a:t>
             </a:r>
           </a:p>
           <a:p>
             <a:pPr lvl="2"/>
             <a:r>
-              <a:rPr lang="ko-KR" altLang="en-US" smtClean="0"/>
+              <a:rPr lang="ko-KR" altLang="en-US"/>
               <a:t>셋째 수준</a:t>
             </a:r>
           </a:p>
           <a:p>
             <a:pPr lvl="3"/>
             <a:r>
-              <a:rPr lang="ko-KR" altLang="en-US" smtClean="0"/>
+              <a:rPr lang="ko-KR" altLang="en-US"/>
               <a:t>넷째 수준</a:t>
             </a:r>
           </a:p>
           <a:p>
             <a:pPr lvl="4"/>
             <a:r>
-              <a:rPr lang="ko-KR" altLang="en-US" smtClean="0"/>
+              <a:rPr lang="ko-KR" altLang="en-US"/>
               <a:t>다섯째 수준</a:t>
             </a:r>
-            <a:endParaRPr lang="ko-KR" altLang="en-US"/>
           </a:p>
         </p:txBody>
       </p:sp>
@@ -2728,7 +2727,7 @@
           <a:p>
             <a:fld id="{65A24F1F-21FD-4309-87A9-D5868EA1E738}" type="datetimeFigureOut">
               <a:rPr lang="ko-KR" altLang="en-US" smtClean="0"/>
-              <a:t>2021-10-27</a:t>
+              <a:t>2021-10-28</a:t>
             </a:fld>
             <a:endParaRPr lang="ko-KR" altLang="en-US"/>
           </a:p>
@@ -3108,7 +3107,7 @@
           <p:cNvPr id="2" name="제목 1">
             <a:extLst>
               <a:ext uri="{FF2B5EF4-FFF2-40B4-BE49-F238E27FC236}">
-                <a16:creationId xmlns:a16="http://schemas.microsoft.com/office/drawing/2014/main" xmlns="" id="{47B339F2-6A20-4A30-9887-7BFB73CA1E8C}"/>
+                <a16:creationId xmlns:a16="http://schemas.microsoft.com/office/drawing/2014/main" id="{47B339F2-6A20-4A30-9887-7BFB73CA1E8C}"/>
               </a:ext>
             </a:extLst>
           </p:cNvPr>
@@ -3143,7 +3142,7 @@
           <p:cNvPr id="15" name="TextBox 14">
             <a:extLst>
               <a:ext uri="{FF2B5EF4-FFF2-40B4-BE49-F238E27FC236}">
-                <a16:creationId xmlns:a16="http://schemas.microsoft.com/office/drawing/2014/main" xmlns="" id="{ADE634CD-E2B1-4EDD-A9D0-00BAE4DB0E8D}"/>
+                <a16:creationId xmlns:a16="http://schemas.microsoft.com/office/drawing/2014/main" id="{ADE634CD-E2B1-4EDD-A9D0-00BAE4DB0E8D}"/>
               </a:ext>
             </a:extLst>
           </p:cNvPr>
@@ -3231,17 +3230,10 @@
   <p:clrMapOvr>
     <a:masterClrMapping/>
   </p:clrMapOvr>
-  <p:timing>
-    <p:tnLst>
-      <p:par>
-        <p:cTn id="1" dur="indefinite" restart="never" nodeType="tmRoot"/>
-      </p:par>
-    </p:tnLst>
-  </p:timing>
 </p:sld>
 </file>
 
-<file path=ppt/slides/slide2.xml><?xml version="1.0" encoding="utf-8"?>
+<file path=ppt/slides/slide10.xml><?xml version="1.0" encoding="utf-8"?>
 <p:sld xmlns:a="http://schemas.openxmlformats.org/drawingml/2006/main" xmlns:r="http://schemas.openxmlformats.org/officeDocument/2006/relationships" xmlns:p="http://schemas.openxmlformats.org/presentationml/2006/main">
   <p:cSld>
     <p:spTree>
@@ -3263,7 +3255,7 @@
           <p:cNvPr id="2" name="제목 1">
             <a:extLst>
               <a:ext uri="{FF2B5EF4-FFF2-40B4-BE49-F238E27FC236}">
-                <a16:creationId xmlns:a16="http://schemas.microsoft.com/office/drawing/2014/main" xmlns="" id="{47B339F2-6A20-4A30-9887-7BFB73CA1E8C}"/>
+                <a16:creationId xmlns:a16="http://schemas.microsoft.com/office/drawing/2014/main" id="{47B339F2-6A20-4A30-9887-7BFB73CA1E8C}"/>
               </a:ext>
             </a:extLst>
           </p:cNvPr>
@@ -3280,2146 +3272,13 @@
           <a:lstStyle/>
           <a:p>
             <a:r>
-              <a:rPr lang="ko-KR" altLang="en-US" b="1" i="0" dirty="0">
-                <a:solidFill>
-                  <a:srgbClr val="202124"/>
-                </a:solidFill>
-                <a:effectLst/>
-                <a:latin typeface="Google Sans"/>
-              </a:rPr>
-              <a:t>무드보드</a:t>
-            </a:r>
-            <a:endParaRPr lang="ko-KR" altLang="en-US" b="1" dirty="0"/>
-          </a:p>
-        </p:txBody>
-      </p:sp>
-      <p:sp>
-        <p:nvSpPr>
-          <p:cNvPr id="4" name="TextBox 3">
-            <a:extLst>
-              <a:ext uri="{FF2B5EF4-FFF2-40B4-BE49-F238E27FC236}">
-                <a16:creationId xmlns:a16="http://schemas.microsoft.com/office/drawing/2014/main" xmlns="" id="{8237C4CB-4216-4872-B8DD-413584D35DD2}"/>
-              </a:ext>
-            </a:extLst>
-          </p:cNvPr>
-          <p:cNvSpPr txBox="1"/>
-          <p:nvPr/>
-        </p:nvSpPr>
-        <p:spPr>
-          <a:xfrm>
-            <a:off x="10390" y="1307798"/>
-            <a:ext cx="9133610" cy="1015663"/>
-          </a:xfrm>
-          <a:prstGeom prst="rect">
-            <a:avLst/>
-          </a:prstGeom>
-          <a:solidFill>
-            <a:schemeClr val="tx2">
-              <a:lumMod val="40000"/>
-              <a:lumOff val="60000"/>
-            </a:schemeClr>
-          </a:solidFill>
-        </p:spPr>
-        <p:txBody>
-          <a:bodyPr wrap="square" rtlCol="0">
-            <a:spAutoFit/>
-          </a:bodyPr>
-          <a:lstStyle/>
-          <a:p>
-            <a:pPr algn="ctr"/>
-            <a:r>
-              <a:rPr lang="en-US" altLang="ko-KR" sz="6000" b="1" dirty="0"/>
-              <a:t>Color</a:t>
-            </a:r>
-            <a:endParaRPr lang="ko-KR" altLang="en-US" sz="6000" b="1" dirty="0"/>
-          </a:p>
-        </p:txBody>
-      </p:sp>
-      <p:sp>
-        <p:nvSpPr>
-          <p:cNvPr id="26" name="TextBox 25">
-            <a:extLst>
-              <a:ext uri="{FF2B5EF4-FFF2-40B4-BE49-F238E27FC236}">
-                <a16:creationId xmlns:a16="http://schemas.microsoft.com/office/drawing/2014/main" xmlns="" id="{C920BFD4-F974-4CAF-87D5-9E2AE912ACA4}"/>
-              </a:ext>
-            </a:extLst>
-          </p:cNvPr>
-          <p:cNvSpPr txBox="1"/>
-          <p:nvPr/>
-        </p:nvSpPr>
-        <p:spPr>
-          <a:xfrm>
-            <a:off x="4233257" y="2984269"/>
-            <a:ext cx="685800" cy="369332"/>
-          </a:xfrm>
-          <a:prstGeom prst="rect">
-            <a:avLst/>
-          </a:prstGeom>
-          <a:noFill/>
-        </p:spPr>
-        <p:txBody>
-          <a:bodyPr wrap="square" rtlCol="0">
-            <a:spAutoFit/>
-          </a:bodyPr>
-          <a:lstStyle/>
-          <a:p>
-            <a:endParaRPr lang="ko-KR" altLang="en-US" dirty="0"/>
-          </a:p>
-        </p:txBody>
-      </p:sp>
-      <p:sp>
-        <p:nvSpPr>
-          <p:cNvPr id="3" name="직사각형 2"/>
-          <p:cNvSpPr/>
-          <p:nvPr/>
-        </p:nvSpPr>
-        <p:spPr>
-          <a:xfrm>
-            <a:off x="2286000" y="2967335"/>
-            <a:ext cx="4572000" cy="923330"/>
-          </a:xfrm>
-          <a:prstGeom prst="rect">
-            <a:avLst/>
-          </a:prstGeom>
-        </p:spPr>
-        <p:txBody>
-          <a:bodyPr>
-            <a:spAutoFit/>
-          </a:bodyPr>
-          <a:lstStyle/>
-          <a:p>
-            <a:r>
-              <a:rPr lang="ko-KR" altLang="en-US" dirty="0" smtClean="0"/>
-              <a:t/>
-            </a:r>
-            <a:br>
-              <a:rPr lang="ko-KR" altLang="en-US" dirty="0" smtClean="0"/>
-            </a:br>
-            <a:r>
-              <a:rPr lang="ko-KR" altLang="en-US" dirty="0" smtClean="0"/>
-              <a:t/>
-            </a:r>
-            <a:br>
-              <a:rPr lang="ko-KR" altLang="en-US" dirty="0" smtClean="0"/>
-            </a:br>
-            <a:endParaRPr lang="ko-KR" altLang="en-US" dirty="0"/>
-          </a:p>
-        </p:txBody>
-      </p:sp>
-      <p:sp>
-        <p:nvSpPr>
-          <p:cNvPr id="5" name="직사각형 4"/>
-          <p:cNvSpPr/>
-          <p:nvPr/>
-        </p:nvSpPr>
-        <p:spPr>
-          <a:xfrm>
-            <a:off x="2286000" y="2967335"/>
-            <a:ext cx="4572000" cy="923330"/>
-          </a:xfrm>
-          <a:prstGeom prst="rect">
-            <a:avLst/>
-          </a:prstGeom>
-        </p:spPr>
-        <p:txBody>
-          <a:bodyPr>
-            <a:spAutoFit/>
-          </a:bodyPr>
-          <a:lstStyle/>
-          <a:p>
-            <a:r>
-              <a:rPr lang="ko-KR" altLang="en-US" dirty="0" smtClean="0"/>
-              <a:t/>
-            </a:r>
-            <a:br>
-              <a:rPr lang="ko-KR" altLang="en-US" dirty="0" smtClean="0"/>
-            </a:br>
-            <a:r>
-              <a:rPr lang="ko-KR" altLang="en-US" dirty="0" smtClean="0"/>
-              <a:t/>
-            </a:r>
-            <a:br>
-              <a:rPr lang="ko-KR" altLang="en-US" dirty="0" smtClean="0"/>
-            </a:br>
-            <a:endParaRPr lang="ko-KR" altLang="en-US" dirty="0"/>
-          </a:p>
-        </p:txBody>
-      </p:sp>
-      <p:sp>
-        <p:nvSpPr>
-          <p:cNvPr id="6" name="직사각형 5"/>
-          <p:cNvSpPr/>
-          <p:nvPr/>
-        </p:nvSpPr>
-        <p:spPr>
-          <a:xfrm>
-            <a:off x="2286000" y="2967335"/>
-            <a:ext cx="4572000" cy="923330"/>
-          </a:xfrm>
-          <a:prstGeom prst="rect">
-            <a:avLst/>
-          </a:prstGeom>
-        </p:spPr>
-        <p:txBody>
-          <a:bodyPr>
-            <a:spAutoFit/>
-          </a:bodyPr>
-          <a:lstStyle/>
-          <a:p>
-            <a:r>
-              <a:rPr lang="ko-KR" altLang="en-US" dirty="0" smtClean="0"/>
-              <a:t/>
-            </a:r>
-            <a:br>
-              <a:rPr lang="ko-KR" altLang="en-US" dirty="0" smtClean="0"/>
-            </a:br>
-            <a:r>
-              <a:rPr lang="ko-KR" altLang="en-US" dirty="0" smtClean="0"/>
-              <a:t/>
-            </a:r>
-            <a:br>
-              <a:rPr lang="ko-KR" altLang="en-US" dirty="0" smtClean="0"/>
-            </a:br>
-            <a:endParaRPr lang="ko-KR" altLang="en-US" dirty="0"/>
-          </a:p>
-        </p:txBody>
-      </p:sp>
-      <p:sp>
-        <p:nvSpPr>
-          <p:cNvPr id="7" name="TextBox 6"/>
-          <p:cNvSpPr txBox="1"/>
-          <p:nvPr/>
-        </p:nvSpPr>
-        <p:spPr>
-          <a:xfrm>
-            <a:off x="2782491" y="4551216"/>
-            <a:ext cx="1368152" cy="369332"/>
-          </a:xfrm>
-          <a:prstGeom prst="rect">
-            <a:avLst/>
-          </a:prstGeom>
-          <a:noFill/>
-        </p:spPr>
-        <p:txBody>
-          <a:bodyPr wrap="square" rtlCol="0">
-            <a:spAutoFit/>
-          </a:bodyPr>
-          <a:lstStyle/>
-          <a:p>
-            <a:pPr algn="ctr"/>
-            <a:r>
-              <a:rPr lang="en-US" altLang="ko-KR" dirty="0" smtClean="0"/>
-              <a:t>#92CAFF</a:t>
-            </a:r>
-            <a:endParaRPr lang="ko-KR" altLang="en-US" dirty="0"/>
-          </a:p>
-        </p:txBody>
-      </p:sp>
-      <p:sp>
-        <p:nvSpPr>
-          <p:cNvPr id="8" name="직사각형 7"/>
-          <p:cNvSpPr/>
-          <p:nvPr/>
-        </p:nvSpPr>
-        <p:spPr>
-          <a:xfrm>
-            <a:off x="2782491" y="3399088"/>
-            <a:ext cx="1368152" cy="1152128"/>
-          </a:xfrm>
-          <a:prstGeom prst="rect">
-            <a:avLst/>
-          </a:prstGeom>
-          <a:solidFill>
-            <a:srgbClr val="92CAFF"/>
-          </a:solidFill>
-          <a:ln>
-            <a:solidFill>
-              <a:schemeClr val="accent1"/>
-            </a:solidFill>
-          </a:ln>
-        </p:spPr>
-        <p:style>
-          <a:lnRef idx="2">
-            <a:schemeClr val="accent1">
-              <a:shade val="50000"/>
-            </a:schemeClr>
-          </a:lnRef>
-          <a:fillRef idx="1">
-            <a:schemeClr val="accent1"/>
-          </a:fillRef>
-          <a:effectRef idx="0">
-            <a:schemeClr val="accent1"/>
-          </a:effectRef>
-          <a:fontRef idx="minor">
-            <a:schemeClr val="lt1"/>
-          </a:fontRef>
-        </p:style>
-        <p:txBody>
-          <a:bodyPr rtlCol="0" anchor="ctr"/>
-          <a:lstStyle/>
-          <a:p>
-            <a:pPr algn="ctr"/>
-            <a:endParaRPr lang="ko-KR" altLang="en-US"/>
-          </a:p>
-        </p:txBody>
-      </p:sp>
-      <p:sp>
-        <p:nvSpPr>
-          <p:cNvPr id="21" name="직사각형 20"/>
-          <p:cNvSpPr/>
-          <p:nvPr/>
-        </p:nvSpPr>
-        <p:spPr>
-          <a:xfrm>
-            <a:off x="4150643" y="3399088"/>
-            <a:ext cx="1368152" cy="1152128"/>
-          </a:xfrm>
-          <a:prstGeom prst="rect">
-            <a:avLst/>
-          </a:prstGeom>
-          <a:solidFill>
-            <a:srgbClr val="000000"/>
-          </a:solidFill>
-          <a:ln>
-            <a:solidFill>
-              <a:schemeClr val="accent1"/>
-            </a:solidFill>
-          </a:ln>
-        </p:spPr>
-        <p:style>
-          <a:lnRef idx="2">
-            <a:schemeClr val="accent1">
-              <a:shade val="50000"/>
-            </a:schemeClr>
-          </a:lnRef>
-          <a:fillRef idx="1">
-            <a:schemeClr val="accent1"/>
-          </a:fillRef>
-          <a:effectRef idx="0">
-            <a:schemeClr val="accent1"/>
-          </a:effectRef>
-          <a:fontRef idx="minor">
-            <a:schemeClr val="lt1"/>
-          </a:fontRef>
-        </p:style>
-        <p:txBody>
-          <a:bodyPr rtlCol="0" anchor="ctr"/>
-          <a:lstStyle/>
-          <a:p>
-            <a:pPr algn="ctr"/>
-            <a:endParaRPr lang="ko-KR" altLang="en-US"/>
-          </a:p>
-        </p:txBody>
-      </p:sp>
-      <p:sp>
-        <p:nvSpPr>
-          <p:cNvPr id="23" name="직사각형 22"/>
-          <p:cNvSpPr/>
-          <p:nvPr/>
-        </p:nvSpPr>
-        <p:spPr>
-          <a:xfrm>
-            <a:off x="5518795" y="3399088"/>
-            <a:ext cx="1368152" cy="1152128"/>
-          </a:xfrm>
-          <a:prstGeom prst="rect">
-            <a:avLst/>
-          </a:prstGeom>
-          <a:noFill/>
-          <a:ln>
-            <a:solidFill>
-              <a:schemeClr val="accent1"/>
-            </a:solidFill>
-          </a:ln>
-        </p:spPr>
-        <p:style>
-          <a:lnRef idx="2">
-            <a:schemeClr val="accent1">
-              <a:shade val="50000"/>
-            </a:schemeClr>
-          </a:lnRef>
-          <a:fillRef idx="1">
-            <a:schemeClr val="accent1"/>
-          </a:fillRef>
-          <a:effectRef idx="0">
-            <a:schemeClr val="accent1"/>
-          </a:effectRef>
-          <a:fontRef idx="minor">
-            <a:schemeClr val="lt1"/>
-          </a:fontRef>
-        </p:style>
-        <p:txBody>
-          <a:bodyPr rtlCol="0" anchor="ctr"/>
-          <a:lstStyle/>
-          <a:p>
-            <a:pPr algn="ctr"/>
-            <a:endParaRPr lang="ko-KR" altLang="en-US"/>
-          </a:p>
-        </p:txBody>
-      </p:sp>
-      <p:sp>
-        <p:nvSpPr>
-          <p:cNvPr id="28" name="TextBox 27"/>
-          <p:cNvSpPr txBox="1"/>
-          <p:nvPr/>
-        </p:nvSpPr>
-        <p:spPr>
-          <a:xfrm>
-            <a:off x="4156530" y="4551216"/>
-            <a:ext cx="1368152" cy="369332"/>
-          </a:xfrm>
-          <a:prstGeom prst="rect">
-            <a:avLst/>
-          </a:prstGeom>
-          <a:noFill/>
-        </p:spPr>
-        <p:txBody>
-          <a:bodyPr wrap="square" rtlCol="0">
-            <a:spAutoFit/>
-          </a:bodyPr>
-          <a:lstStyle/>
-          <a:p>
-            <a:pPr algn="ctr"/>
-            <a:r>
-              <a:rPr lang="en-US" altLang="ko-KR" dirty="0" smtClean="0"/>
-              <a:t>#000000</a:t>
-            </a:r>
-            <a:endParaRPr lang="ko-KR" altLang="en-US" dirty="0"/>
-          </a:p>
-        </p:txBody>
-      </p:sp>
-      <p:sp>
-        <p:nvSpPr>
-          <p:cNvPr id="29" name="TextBox 28"/>
-          <p:cNvSpPr txBox="1"/>
-          <p:nvPr/>
-        </p:nvSpPr>
-        <p:spPr>
-          <a:xfrm>
-            <a:off x="5524682" y="4553919"/>
-            <a:ext cx="1368152" cy="369332"/>
-          </a:xfrm>
-          <a:prstGeom prst="rect">
-            <a:avLst/>
-          </a:prstGeom>
-          <a:noFill/>
-        </p:spPr>
-        <p:txBody>
-          <a:bodyPr wrap="square" rtlCol="0">
-            <a:spAutoFit/>
-          </a:bodyPr>
-          <a:lstStyle/>
-          <a:p>
-            <a:pPr algn="ctr"/>
-            <a:r>
-              <a:rPr lang="en-US" altLang="ko-KR" dirty="0" smtClean="0"/>
-              <a:t>#FFFFFF</a:t>
-            </a:r>
-            <a:endParaRPr lang="ko-KR" altLang="en-US" dirty="0"/>
-          </a:p>
-        </p:txBody>
-      </p:sp>
-    </p:spTree>
-    <p:extLst>
-      <p:ext uri="{BB962C8B-B14F-4D97-AF65-F5344CB8AC3E}">
-        <p14:creationId xmlns:p14="http://schemas.microsoft.com/office/powerpoint/2010/main" val="741924826"/>
-      </p:ext>
-    </p:extLst>
-  </p:cSld>
-  <p:clrMapOvr>
-    <a:masterClrMapping/>
-  </p:clrMapOvr>
-  <p:timing>
-    <p:tnLst>
-      <p:par>
-        <p:cTn id="1" dur="indefinite" restart="never" nodeType="tmRoot"/>
-      </p:par>
-    </p:tnLst>
-  </p:timing>
-</p:sld>
-</file>
-
-<file path=ppt/slides/slide3.xml><?xml version="1.0" encoding="utf-8"?>
-<p:sld xmlns:a="http://schemas.openxmlformats.org/drawingml/2006/main" xmlns:r="http://schemas.openxmlformats.org/officeDocument/2006/relationships" xmlns:p="http://schemas.openxmlformats.org/presentationml/2006/main">
-  <p:cSld>
-    <p:spTree>
-      <p:nvGrpSpPr>
-        <p:cNvPr id="1" name=""/>
-        <p:cNvGrpSpPr/>
-        <p:nvPr/>
-      </p:nvGrpSpPr>
-      <p:grpSpPr>
-        <a:xfrm>
-          <a:off x="0" y="0"/>
-          <a:ext cx="0" cy="0"/>
-          <a:chOff x="0" y="0"/>
-          <a:chExt cx="0" cy="0"/>
-        </a:xfrm>
-      </p:grpSpPr>
-      <p:sp>
-        <p:nvSpPr>
-          <p:cNvPr id="2" name="제목 1">
-            <a:extLst>
-              <a:ext uri="{FF2B5EF4-FFF2-40B4-BE49-F238E27FC236}">
-                <a16:creationId xmlns:a16="http://schemas.microsoft.com/office/drawing/2014/main" xmlns="" id="{47B339F2-6A20-4A30-9887-7BFB73CA1E8C}"/>
-              </a:ext>
-            </a:extLst>
-          </p:cNvPr>
-          <p:cNvSpPr>
-            <a:spLocks noGrp="1"/>
-          </p:cNvSpPr>
-          <p:nvPr>
-            <p:ph type="title"/>
-          </p:nvPr>
-        </p:nvSpPr>
-        <p:spPr/>
-        <p:txBody>
-          <a:bodyPr/>
-          <a:lstStyle/>
-          <a:p>
-            <a:r>
-              <a:rPr lang="ko-KR" altLang="en-US" b="1" i="0" dirty="0">
-                <a:solidFill>
-                  <a:srgbClr val="202124"/>
-                </a:solidFill>
-                <a:effectLst/>
-                <a:latin typeface="Google Sans"/>
-              </a:rPr>
-              <a:t>무드보드</a:t>
-            </a:r>
-            <a:endParaRPr lang="ko-KR" altLang="en-US" b="1" dirty="0"/>
-          </a:p>
-        </p:txBody>
-      </p:sp>
-      <p:sp>
-        <p:nvSpPr>
-          <p:cNvPr id="4" name="TextBox 3">
-            <a:extLst>
-              <a:ext uri="{FF2B5EF4-FFF2-40B4-BE49-F238E27FC236}">
-                <a16:creationId xmlns:a16="http://schemas.microsoft.com/office/drawing/2014/main" xmlns="" id="{8237C4CB-4216-4872-B8DD-413584D35DD2}"/>
-              </a:ext>
-            </a:extLst>
-          </p:cNvPr>
-          <p:cNvSpPr txBox="1"/>
-          <p:nvPr/>
-        </p:nvSpPr>
-        <p:spPr>
-          <a:xfrm>
-            <a:off x="10390" y="1307798"/>
-            <a:ext cx="9133610" cy="1015663"/>
-          </a:xfrm>
-          <a:prstGeom prst="rect">
-            <a:avLst/>
-          </a:prstGeom>
-          <a:solidFill>
-            <a:schemeClr val="tx2">
-              <a:lumMod val="40000"/>
-              <a:lumOff val="60000"/>
-            </a:schemeClr>
-          </a:solidFill>
-        </p:spPr>
-        <p:txBody>
-          <a:bodyPr wrap="square" rtlCol="0">
-            <a:spAutoFit/>
-          </a:bodyPr>
-          <a:lstStyle/>
-          <a:p>
-            <a:pPr algn="ctr"/>
-            <a:r>
-              <a:rPr lang="en-US" altLang="ko-KR" sz="6000" b="1" dirty="0"/>
-              <a:t>Fonts</a:t>
-            </a:r>
-            <a:endParaRPr lang="ko-KR" altLang="en-US" sz="6000" b="1" dirty="0"/>
-          </a:p>
-        </p:txBody>
-      </p:sp>
-      <p:sp>
-        <p:nvSpPr>
-          <p:cNvPr id="3" name="TextBox 2"/>
-          <p:cNvSpPr txBox="1"/>
-          <p:nvPr/>
-        </p:nvSpPr>
-        <p:spPr>
-          <a:xfrm>
-            <a:off x="1118350" y="3006022"/>
-            <a:ext cx="2690162" cy="1015663"/>
-          </a:xfrm>
-          <a:prstGeom prst="rect">
-            <a:avLst/>
-          </a:prstGeom>
-          <a:noFill/>
-        </p:spPr>
-        <p:txBody>
-          <a:bodyPr wrap="square" rtlCol="0">
-            <a:spAutoFit/>
-          </a:bodyPr>
-          <a:lstStyle/>
-          <a:p>
-            <a:r>
-              <a:rPr lang="en-US" altLang="ko-KR" sz="6000" dirty="0" smtClean="0">
-                <a:latin typeface="Noto Sans KR" pitchFamily="34" charset="-127"/>
-                <a:ea typeface="Noto Sans KR" pitchFamily="34" charset="-127"/>
-              </a:rPr>
-              <a:t>HOME</a:t>
-            </a:r>
-            <a:endParaRPr lang="ko-KR" altLang="en-US" sz="6000" dirty="0">
-              <a:latin typeface="Noto Sans KR" pitchFamily="34" charset="-127"/>
-              <a:ea typeface="Noto Sans KR" pitchFamily="34" charset="-127"/>
-            </a:endParaRPr>
-          </a:p>
-        </p:txBody>
-      </p:sp>
-      <p:sp>
-        <p:nvSpPr>
-          <p:cNvPr id="13" name="TextBox 12"/>
-          <p:cNvSpPr txBox="1"/>
-          <p:nvPr/>
-        </p:nvSpPr>
-        <p:spPr>
-          <a:xfrm>
-            <a:off x="4434409" y="3236855"/>
-            <a:ext cx="1465466" cy="553998"/>
-          </a:xfrm>
-          <a:prstGeom prst="rect">
-            <a:avLst/>
-          </a:prstGeom>
-          <a:noFill/>
-        </p:spPr>
-        <p:txBody>
-          <a:bodyPr wrap="none" rtlCol="0">
-            <a:spAutoFit/>
-          </a:bodyPr>
-          <a:lstStyle/>
-          <a:p>
-            <a:r>
-              <a:rPr lang="en-US" altLang="ko-KR" sz="3000" dirty="0" smtClean="0">
-                <a:latin typeface="Noto Sans KR" pitchFamily="34" charset="-127"/>
-                <a:ea typeface="Noto Sans KR" pitchFamily="34" charset="-127"/>
-              </a:rPr>
-              <a:t>ABOUT</a:t>
-            </a:r>
-            <a:endParaRPr lang="ko-KR" altLang="en-US" sz="3000" dirty="0">
-              <a:latin typeface="Noto Sans KR" pitchFamily="34" charset="-127"/>
-              <a:ea typeface="Noto Sans KR" pitchFamily="34" charset="-127"/>
-            </a:endParaRPr>
-          </a:p>
-        </p:txBody>
-      </p:sp>
-      <p:sp>
-        <p:nvSpPr>
-          <p:cNvPr id="14" name="TextBox 13"/>
-          <p:cNvSpPr txBox="1"/>
-          <p:nvPr/>
-        </p:nvSpPr>
-        <p:spPr>
-          <a:xfrm>
-            <a:off x="6300192" y="3313799"/>
-            <a:ext cx="1585434" cy="400110"/>
-          </a:xfrm>
-          <a:prstGeom prst="rect">
-            <a:avLst/>
-          </a:prstGeom>
-          <a:noFill/>
-        </p:spPr>
-        <p:txBody>
-          <a:bodyPr wrap="none" rtlCol="0">
-            <a:spAutoFit/>
-          </a:bodyPr>
-          <a:lstStyle/>
-          <a:p>
-            <a:r>
-              <a:rPr lang="en-US" altLang="ko-KR" sz="2000" dirty="0" smtClean="0">
-                <a:latin typeface="Noto Sans KR" pitchFamily="34" charset="-127"/>
-                <a:ea typeface="Noto Sans KR" pitchFamily="34" charset="-127"/>
-              </a:rPr>
-              <a:t>PORTFOLIO</a:t>
-            </a:r>
-            <a:endParaRPr lang="ko-KR" altLang="en-US" sz="2000" dirty="0">
-              <a:latin typeface="Noto Sans KR" pitchFamily="34" charset="-127"/>
-              <a:ea typeface="Noto Sans KR" pitchFamily="34" charset="-127"/>
-            </a:endParaRPr>
-          </a:p>
-        </p:txBody>
-      </p:sp>
-      <p:sp>
-        <p:nvSpPr>
-          <p:cNvPr id="6" name="TextBox 5"/>
-          <p:cNvSpPr txBox="1"/>
-          <p:nvPr/>
-        </p:nvSpPr>
-        <p:spPr>
-          <a:xfrm>
-            <a:off x="1781901" y="4598258"/>
-            <a:ext cx="1361270" cy="630942"/>
-          </a:xfrm>
-          <a:prstGeom prst="rect">
-            <a:avLst/>
-          </a:prstGeom>
-          <a:noFill/>
-        </p:spPr>
-        <p:txBody>
-          <a:bodyPr wrap="none" rtlCol="0">
-            <a:spAutoFit/>
-          </a:bodyPr>
-          <a:lstStyle/>
-          <a:p>
-            <a:r>
-              <a:rPr lang="en-US" altLang="ko-KR" sz="3500" dirty="0" smtClean="0">
-                <a:latin typeface="Noto Sans KR" pitchFamily="34" charset="-127"/>
-                <a:ea typeface="Noto Sans KR" pitchFamily="34" charset="-127"/>
-              </a:rPr>
-              <a:t>SKILL</a:t>
-            </a:r>
-            <a:endParaRPr lang="ko-KR" altLang="en-US" sz="3500" dirty="0">
-              <a:latin typeface="Noto Sans KR" pitchFamily="34" charset="-127"/>
-              <a:ea typeface="Noto Sans KR" pitchFamily="34" charset="-127"/>
-            </a:endParaRPr>
-          </a:p>
-        </p:txBody>
-      </p:sp>
-      <p:sp>
-        <p:nvSpPr>
-          <p:cNvPr id="7" name="TextBox 6"/>
-          <p:cNvSpPr txBox="1"/>
-          <p:nvPr/>
-        </p:nvSpPr>
-        <p:spPr>
-          <a:xfrm>
-            <a:off x="4932040" y="4705980"/>
-            <a:ext cx="2460032" cy="707886"/>
-          </a:xfrm>
-          <a:prstGeom prst="rect">
-            <a:avLst/>
-          </a:prstGeom>
-          <a:noFill/>
-        </p:spPr>
-        <p:txBody>
-          <a:bodyPr wrap="none" rtlCol="0">
-            <a:spAutoFit/>
-          </a:bodyPr>
-          <a:lstStyle/>
-          <a:p>
-            <a:r>
-              <a:rPr lang="en-US" altLang="ko-KR" sz="4000" dirty="0" smtClean="0">
-                <a:latin typeface="Noto Sans KR" pitchFamily="34" charset="-127"/>
-                <a:ea typeface="Noto Sans KR" pitchFamily="34" charset="-127"/>
-              </a:rPr>
-              <a:t>CONTACT</a:t>
-            </a:r>
-            <a:endParaRPr lang="ko-KR" altLang="en-US" sz="4000" dirty="0">
-              <a:latin typeface="Noto Sans KR" pitchFamily="34" charset="-127"/>
-              <a:ea typeface="Noto Sans KR" pitchFamily="34" charset="-127"/>
-            </a:endParaRPr>
-          </a:p>
-        </p:txBody>
-      </p:sp>
-    </p:spTree>
-    <p:extLst>
-      <p:ext uri="{BB962C8B-B14F-4D97-AF65-F5344CB8AC3E}">
-        <p14:creationId xmlns:p14="http://schemas.microsoft.com/office/powerpoint/2010/main" val="22836780"/>
-      </p:ext>
-    </p:extLst>
-  </p:cSld>
-  <p:clrMapOvr>
-    <a:masterClrMapping/>
-  </p:clrMapOvr>
-  <p:timing>
-    <p:tnLst>
-      <p:par>
-        <p:cTn id="1" dur="indefinite" restart="never" nodeType="tmRoot"/>
-      </p:par>
-    </p:tnLst>
-  </p:timing>
-</p:sld>
-</file>
-
-<file path=ppt/slides/slide4.xml><?xml version="1.0" encoding="utf-8"?>
-<p:sld xmlns:a="http://schemas.openxmlformats.org/drawingml/2006/main" xmlns:r="http://schemas.openxmlformats.org/officeDocument/2006/relationships" xmlns:p="http://schemas.openxmlformats.org/presentationml/2006/main">
-  <p:cSld>
-    <p:spTree>
-      <p:nvGrpSpPr>
-        <p:cNvPr id="1" name=""/>
-        <p:cNvGrpSpPr/>
-        <p:nvPr/>
-      </p:nvGrpSpPr>
-      <p:grpSpPr>
-        <a:xfrm>
-          <a:off x="0" y="0"/>
-          <a:ext cx="0" cy="0"/>
-          <a:chOff x="0" y="0"/>
-          <a:chExt cx="0" cy="0"/>
-        </a:xfrm>
-      </p:grpSpPr>
-      <p:sp>
-        <p:nvSpPr>
-          <p:cNvPr id="2" name="제목 1">
-            <a:extLst>
-              <a:ext uri="{FF2B5EF4-FFF2-40B4-BE49-F238E27FC236}">
-                <a16:creationId xmlns:a16="http://schemas.microsoft.com/office/drawing/2014/main" xmlns="" id="{47B339F2-6A20-4A30-9887-7BFB73CA1E8C}"/>
-              </a:ext>
-            </a:extLst>
-          </p:cNvPr>
-          <p:cNvSpPr>
-            <a:spLocks noGrp="1"/>
-          </p:cNvSpPr>
-          <p:nvPr>
-            <p:ph type="title"/>
-          </p:nvPr>
-        </p:nvSpPr>
-        <p:spPr/>
-        <p:txBody>
-          <a:bodyPr/>
-          <a:lstStyle/>
-          <a:p>
-            <a:r>
-              <a:rPr lang="ko-KR" altLang="en-US" b="1" i="0" dirty="0">
-                <a:solidFill>
-                  <a:srgbClr val="202124"/>
-                </a:solidFill>
-                <a:effectLst/>
-                <a:latin typeface="Google Sans"/>
-              </a:rPr>
-              <a:t>무드보드</a:t>
-            </a:r>
-            <a:endParaRPr lang="ko-KR" altLang="en-US" b="1" dirty="0"/>
-          </a:p>
-        </p:txBody>
-      </p:sp>
-      <p:sp>
-        <p:nvSpPr>
-          <p:cNvPr id="4" name="TextBox 3">
-            <a:extLst>
-              <a:ext uri="{FF2B5EF4-FFF2-40B4-BE49-F238E27FC236}">
-                <a16:creationId xmlns:a16="http://schemas.microsoft.com/office/drawing/2014/main" xmlns="" id="{8237C4CB-4216-4872-B8DD-413584D35DD2}"/>
-              </a:ext>
-            </a:extLst>
-          </p:cNvPr>
-          <p:cNvSpPr txBox="1"/>
-          <p:nvPr/>
-        </p:nvSpPr>
-        <p:spPr>
-          <a:xfrm>
-            <a:off x="10390" y="1307798"/>
-            <a:ext cx="9133610" cy="1015663"/>
-          </a:xfrm>
-          <a:prstGeom prst="rect">
-            <a:avLst/>
-          </a:prstGeom>
-          <a:solidFill>
-            <a:schemeClr val="tx2">
-              <a:lumMod val="40000"/>
-              <a:lumOff val="60000"/>
-            </a:schemeClr>
-          </a:solidFill>
-        </p:spPr>
-        <p:txBody>
-          <a:bodyPr wrap="square" rtlCol="0">
-            <a:spAutoFit/>
-          </a:bodyPr>
-          <a:lstStyle/>
-          <a:p>
-            <a:pPr algn="ctr"/>
-            <a:r>
-              <a:rPr lang="en-US" altLang="ko-KR" sz="6000" b="1" dirty="0"/>
-              <a:t>Icons</a:t>
-            </a:r>
-            <a:endParaRPr lang="ko-KR" altLang="en-US" sz="6000" b="1" dirty="0"/>
-          </a:p>
-        </p:txBody>
-      </p:sp>
-      <p:sp>
-        <p:nvSpPr>
-          <p:cNvPr id="26" name="TextBox 25">
-            <a:extLst>
-              <a:ext uri="{FF2B5EF4-FFF2-40B4-BE49-F238E27FC236}">
-                <a16:creationId xmlns:a16="http://schemas.microsoft.com/office/drawing/2014/main" xmlns="" id="{C920BFD4-F974-4CAF-87D5-9E2AE912ACA4}"/>
-              </a:ext>
-            </a:extLst>
-          </p:cNvPr>
-          <p:cNvSpPr txBox="1"/>
-          <p:nvPr/>
-        </p:nvSpPr>
-        <p:spPr>
-          <a:xfrm>
-            <a:off x="3887540" y="2796167"/>
-            <a:ext cx="685800" cy="369332"/>
-          </a:xfrm>
-          <a:prstGeom prst="rect">
-            <a:avLst/>
-          </a:prstGeom>
-          <a:noFill/>
-        </p:spPr>
-        <p:txBody>
-          <a:bodyPr wrap="square" rtlCol="0">
-            <a:spAutoFit/>
-          </a:bodyPr>
-          <a:lstStyle/>
-          <a:p>
-            <a:endParaRPr lang="ko-KR" altLang="en-US" dirty="0"/>
-          </a:p>
-        </p:txBody>
-      </p:sp>
-      <p:pic>
-        <p:nvPicPr>
-          <p:cNvPr id="19" name="Picture 3" descr="C:\Users\12-19\Downloads\skills_illustrator.png"/>
-          <p:cNvPicPr>
-            <a:picLocks noChangeAspect="1" noChangeArrowheads="1"/>
-          </p:cNvPicPr>
-          <p:nvPr/>
-        </p:nvPicPr>
-        <p:blipFill>
-          <a:blip r:embed="rId2">
-            <a:extLst>
-              <a:ext uri="{28A0092B-C50C-407E-A947-70E740481C1C}">
-                <a14:useLocalDpi xmlns:a14="http://schemas.microsoft.com/office/drawing/2010/main" val="0"/>
-              </a:ext>
-            </a:extLst>
-          </a:blip>
-          <a:srcRect/>
-          <a:stretch>
-            <a:fillRect/>
-          </a:stretch>
-        </p:blipFill>
-        <p:spPr bwMode="auto">
-          <a:xfrm>
-            <a:off x="1187624" y="2796167"/>
-            <a:ext cx="1429274" cy="1429274"/>
-          </a:xfrm>
-          <a:prstGeom prst="rect">
-            <a:avLst/>
-          </a:prstGeom>
-          <a:noFill/>
-          <a:extLst>
-            <a:ext uri="{909E8E84-426E-40DD-AFC4-6F175D3DCCD1}">
-              <a14:hiddenFill xmlns:a14="http://schemas.microsoft.com/office/drawing/2010/main">
-                <a:solidFill>
-                  <a:srgbClr val="FFFFFF"/>
-                </a:solidFill>
-              </a14:hiddenFill>
-            </a:ext>
-          </a:extLst>
-        </p:spPr>
-      </p:pic>
-      <p:pic>
-        <p:nvPicPr>
-          <p:cNvPr id="20" name="Picture 4" descr="C:\Users\12-19\Downloads\skills_photoshop.png"/>
-          <p:cNvPicPr>
-            <a:picLocks noChangeAspect="1" noChangeArrowheads="1"/>
-          </p:cNvPicPr>
-          <p:nvPr/>
-        </p:nvPicPr>
-        <p:blipFill>
-          <a:blip r:embed="rId3">
-            <a:extLst>
-              <a:ext uri="{28A0092B-C50C-407E-A947-70E740481C1C}">
-                <a14:useLocalDpi xmlns:a14="http://schemas.microsoft.com/office/drawing/2010/main" val="0"/>
-              </a:ext>
-            </a:extLst>
-          </a:blip>
-          <a:srcRect/>
-          <a:stretch>
-            <a:fillRect/>
-          </a:stretch>
-        </p:blipFill>
-        <p:spPr bwMode="auto">
-          <a:xfrm>
-            <a:off x="2976249" y="2796167"/>
-            <a:ext cx="1451381" cy="1451383"/>
-          </a:xfrm>
-          <a:prstGeom prst="rect">
-            <a:avLst/>
-          </a:prstGeom>
-          <a:noFill/>
-          <a:extLst>
-            <a:ext uri="{909E8E84-426E-40DD-AFC4-6F175D3DCCD1}">
-              <a14:hiddenFill xmlns:a14="http://schemas.microsoft.com/office/drawing/2010/main">
-                <a:solidFill>
-                  <a:srgbClr val="FFFFFF"/>
-                </a:solidFill>
-              </a14:hiddenFill>
-            </a:ext>
-          </a:extLst>
-        </p:spPr>
-      </p:pic>
-      <p:pic>
-        <p:nvPicPr>
-          <p:cNvPr id="21" name="Picture 5" descr="C:\Users\12-19\Downloads\skills_jquery.png"/>
-          <p:cNvPicPr>
-            <a:picLocks noChangeAspect="1" noChangeArrowheads="1"/>
-          </p:cNvPicPr>
-          <p:nvPr/>
-        </p:nvPicPr>
-        <p:blipFill>
-          <a:blip r:embed="rId4">
-            <a:extLst>
-              <a:ext uri="{28A0092B-C50C-407E-A947-70E740481C1C}">
-                <a14:useLocalDpi xmlns:a14="http://schemas.microsoft.com/office/drawing/2010/main" val="0"/>
-              </a:ext>
-            </a:extLst>
-          </a:blip>
-          <a:srcRect/>
-          <a:stretch>
-            <a:fillRect/>
-          </a:stretch>
-        </p:blipFill>
-        <p:spPr bwMode="auto">
-          <a:xfrm>
-            <a:off x="1187624" y="4512128"/>
-            <a:ext cx="1431540" cy="1431540"/>
-          </a:xfrm>
-          <a:prstGeom prst="rect">
-            <a:avLst/>
-          </a:prstGeom>
-          <a:noFill/>
-          <a:extLst>
-            <a:ext uri="{909E8E84-426E-40DD-AFC4-6F175D3DCCD1}">
-              <a14:hiddenFill xmlns:a14="http://schemas.microsoft.com/office/drawing/2010/main">
-                <a:solidFill>
-                  <a:srgbClr val="FFFFFF"/>
-                </a:solidFill>
-              </a14:hiddenFill>
-            </a:ext>
-          </a:extLst>
-        </p:spPr>
-      </p:pic>
-      <p:pic>
-        <p:nvPicPr>
-          <p:cNvPr id="22" name="Picture 6" descr="C:\Users\12-19\Downloads\skills_js.png"/>
-          <p:cNvPicPr>
-            <a:picLocks noChangeAspect="1" noChangeArrowheads="1"/>
-          </p:cNvPicPr>
-          <p:nvPr/>
-        </p:nvPicPr>
-        <p:blipFill>
-          <a:blip r:embed="rId5">
-            <a:extLst>
-              <a:ext uri="{28A0092B-C50C-407E-A947-70E740481C1C}">
-                <a14:useLocalDpi xmlns:a14="http://schemas.microsoft.com/office/drawing/2010/main" val="0"/>
-              </a:ext>
-            </a:extLst>
-          </a:blip>
-          <a:srcRect/>
-          <a:stretch>
-            <a:fillRect/>
-          </a:stretch>
-        </p:blipFill>
-        <p:spPr bwMode="auto">
-          <a:xfrm>
-            <a:off x="4794637" y="4512128"/>
-            <a:ext cx="1431540" cy="1431540"/>
-          </a:xfrm>
-          <a:prstGeom prst="rect">
-            <a:avLst/>
-          </a:prstGeom>
-          <a:noFill/>
-          <a:extLst>
-            <a:ext uri="{909E8E84-426E-40DD-AFC4-6F175D3DCCD1}">
-              <a14:hiddenFill xmlns:a14="http://schemas.microsoft.com/office/drawing/2010/main">
-                <a:solidFill>
-                  <a:srgbClr val="FFFFFF"/>
-                </a:solidFill>
-              </a14:hiddenFill>
-            </a:ext>
-          </a:extLst>
-        </p:spPr>
-      </p:pic>
-      <p:pic>
-        <p:nvPicPr>
-          <p:cNvPr id="23" name="Picture 8" descr="C:\Users\12-19\Downloads\skills_css3.png"/>
-          <p:cNvPicPr>
-            <a:picLocks noChangeAspect="1" noChangeArrowheads="1"/>
-          </p:cNvPicPr>
-          <p:nvPr/>
-        </p:nvPicPr>
-        <p:blipFill>
-          <a:blip r:embed="rId6">
-            <a:extLst>
-              <a:ext uri="{28A0092B-C50C-407E-A947-70E740481C1C}">
-                <a14:useLocalDpi xmlns:a14="http://schemas.microsoft.com/office/drawing/2010/main" val="0"/>
-              </a:ext>
-            </a:extLst>
-          </a:blip>
-          <a:srcRect/>
-          <a:stretch>
-            <a:fillRect/>
-          </a:stretch>
-        </p:blipFill>
-        <p:spPr bwMode="auto">
-          <a:xfrm>
-            <a:off x="6588224" y="4512128"/>
-            <a:ext cx="1457107" cy="1457107"/>
-          </a:xfrm>
-          <a:prstGeom prst="rect">
-            <a:avLst/>
-          </a:prstGeom>
-          <a:noFill/>
-          <a:extLst>
-            <a:ext uri="{909E8E84-426E-40DD-AFC4-6F175D3DCCD1}">
-              <a14:hiddenFill xmlns:a14="http://schemas.microsoft.com/office/drawing/2010/main">
-                <a:solidFill>
-                  <a:srgbClr val="FFFFFF"/>
-                </a:solidFill>
-              </a14:hiddenFill>
-            </a:ext>
-          </a:extLst>
-        </p:spPr>
-      </p:pic>
-      <p:pic>
-        <p:nvPicPr>
-          <p:cNvPr id="24" name="Picture 9" descr="C:\Users\12-19\Downloads\skills_html5.png"/>
-          <p:cNvPicPr>
-            <a:picLocks noChangeAspect="1" noChangeArrowheads="1"/>
-          </p:cNvPicPr>
-          <p:nvPr/>
-        </p:nvPicPr>
-        <p:blipFill>
-          <a:blip r:embed="rId7">
-            <a:extLst>
-              <a:ext uri="{28A0092B-C50C-407E-A947-70E740481C1C}">
-                <a14:useLocalDpi xmlns:a14="http://schemas.microsoft.com/office/drawing/2010/main" val="0"/>
-              </a:ext>
-            </a:extLst>
-          </a:blip>
-          <a:srcRect/>
-          <a:stretch>
-            <a:fillRect/>
-          </a:stretch>
-        </p:blipFill>
-        <p:spPr bwMode="auto">
-          <a:xfrm>
-            <a:off x="2981210" y="4512128"/>
-            <a:ext cx="1451381" cy="1451383"/>
-          </a:xfrm>
-          <a:prstGeom prst="rect">
-            <a:avLst/>
-          </a:prstGeom>
-          <a:noFill/>
-          <a:extLst>
-            <a:ext uri="{909E8E84-426E-40DD-AFC4-6F175D3DCCD1}">
-              <a14:hiddenFill xmlns:a14="http://schemas.microsoft.com/office/drawing/2010/main">
-                <a:solidFill>
-                  <a:srgbClr val="FFFFFF"/>
-                </a:solidFill>
-              </a14:hiddenFill>
-            </a:ext>
-          </a:extLst>
-        </p:spPr>
-      </p:pic>
-      <p:pic>
-        <p:nvPicPr>
-          <p:cNvPr id="25" name="Picture 10" descr="C:\Users\12-19\Downloads\다운로드.png"/>
-          <p:cNvPicPr>
-            <a:picLocks noChangeAspect="1" noChangeArrowheads="1"/>
-          </p:cNvPicPr>
-          <p:nvPr/>
-        </p:nvPicPr>
-        <p:blipFill>
-          <a:blip r:embed="rId8">
-            <a:extLst>
-              <a:ext uri="{28A0092B-C50C-407E-A947-70E740481C1C}">
-                <a14:useLocalDpi xmlns:a14="http://schemas.microsoft.com/office/drawing/2010/main" val="0"/>
-              </a:ext>
-            </a:extLst>
-          </a:blip>
-          <a:srcRect/>
-          <a:stretch>
-            <a:fillRect/>
-          </a:stretch>
-        </p:blipFill>
-        <p:spPr bwMode="auto">
-          <a:xfrm>
-            <a:off x="4786981" y="2796167"/>
-            <a:ext cx="1441892" cy="1410134"/>
-          </a:xfrm>
-          <a:prstGeom prst="rect">
-            <a:avLst/>
-          </a:prstGeom>
-          <a:noFill/>
-          <a:extLst>
-            <a:ext uri="{909E8E84-426E-40DD-AFC4-6F175D3DCCD1}">
-              <a14:hiddenFill xmlns:a14="http://schemas.microsoft.com/office/drawing/2010/main">
-                <a:solidFill>
-                  <a:srgbClr val="FFFFFF"/>
-                </a:solidFill>
-              </a14:hiddenFill>
-            </a:ext>
-          </a:extLst>
-        </p:spPr>
-      </p:pic>
-      <p:pic>
-        <p:nvPicPr>
-          <p:cNvPr id="27" name="Picture 11" descr="C:\Users\12-19\Downloads\다운로드 (2).png"/>
-          <p:cNvPicPr>
-            <a:picLocks noChangeAspect="1" noChangeArrowheads="1"/>
-          </p:cNvPicPr>
-          <p:nvPr/>
-        </p:nvPicPr>
-        <p:blipFill>
-          <a:blip r:embed="rId9">
-            <a:extLst>
-              <a:ext uri="{28A0092B-C50C-407E-A947-70E740481C1C}">
-                <a14:useLocalDpi xmlns:a14="http://schemas.microsoft.com/office/drawing/2010/main" val="0"/>
-              </a:ext>
-            </a:extLst>
-          </a:blip>
-          <a:srcRect/>
-          <a:stretch>
-            <a:fillRect/>
-          </a:stretch>
-        </p:blipFill>
-        <p:spPr bwMode="auto">
-          <a:xfrm>
-            <a:off x="6588224" y="2796167"/>
-            <a:ext cx="1429274" cy="1429274"/>
-          </a:xfrm>
-          <a:prstGeom prst="rect">
-            <a:avLst/>
-          </a:prstGeom>
-          <a:noFill/>
-          <a:extLst>
-            <a:ext uri="{909E8E84-426E-40DD-AFC4-6F175D3DCCD1}">
-              <a14:hiddenFill xmlns:a14="http://schemas.microsoft.com/office/drawing/2010/main">
-                <a:solidFill>
-                  <a:srgbClr val="FFFFFF"/>
-                </a:solidFill>
-              </a14:hiddenFill>
-            </a:ext>
-          </a:extLst>
-        </p:spPr>
-      </p:pic>
-    </p:spTree>
-    <p:extLst>
-      <p:ext uri="{BB962C8B-B14F-4D97-AF65-F5344CB8AC3E}">
-        <p14:creationId xmlns:p14="http://schemas.microsoft.com/office/powerpoint/2010/main" val="2279710310"/>
-      </p:ext>
-    </p:extLst>
-  </p:cSld>
-  <p:clrMapOvr>
-    <a:masterClrMapping/>
-  </p:clrMapOvr>
-  <p:timing>
-    <p:tnLst>
-      <p:par>
-        <p:cTn id="1" dur="indefinite" restart="never" nodeType="tmRoot"/>
-      </p:par>
-    </p:tnLst>
-  </p:timing>
-</p:sld>
-</file>
-
-<file path=ppt/slides/slide5.xml><?xml version="1.0" encoding="utf-8"?>
-<p:sld xmlns:a="http://schemas.openxmlformats.org/drawingml/2006/main" xmlns:r="http://schemas.openxmlformats.org/officeDocument/2006/relationships" xmlns:p="http://schemas.openxmlformats.org/presentationml/2006/main">
-  <p:cSld>
-    <p:spTree>
-      <p:nvGrpSpPr>
-        <p:cNvPr id="1" name=""/>
-        <p:cNvGrpSpPr/>
-        <p:nvPr/>
-      </p:nvGrpSpPr>
-      <p:grpSpPr>
-        <a:xfrm>
-          <a:off x="0" y="0"/>
-          <a:ext cx="0" cy="0"/>
-          <a:chOff x="0" y="0"/>
-          <a:chExt cx="0" cy="0"/>
-        </a:xfrm>
-      </p:grpSpPr>
-      <p:sp>
-        <p:nvSpPr>
-          <p:cNvPr id="2" name="제목 1">
-            <a:extLst>
-              <a:ext uri="{FF2B5EF4-FFF2-40B4-BE49-F238E27FC236}">
-                <a16:creationId xmlns:a16="http://schemas.microsoft.com/office/drawing/2014/main" xmlns="" id="{47B339F2-6A20-4A30-9887-7BFB73CA1E8C}"/>
-              </a:ext>
-            </a:extLst>
-          </p:cNvPr>
-          <p:cNvSpPr>
-            <a:spLocks noGrp="1"/>
-          </p:cNvSpPr>
-          <p:nvPr>
-            <p:ph type="title"/>
-          </p:nvPr>
-        </p:nvSpPr>
-        <p:spPr/>
-        <p:txBody>
-          <a:bodyPr/>
-          <a:lstStyle/>
-          <a:p>
-            <a:r>
-              <a:rPr lang="ko-KR" altLang="en-US" b="1" i="0" dirty="0">
-                <a:solidFill>
-                  <a:srgbClr val="202124"/>
-                </a:solidFill>
-                <a:effectLst/>
-                <a:latin typeface="Google Sans"/>
-              </a:rPr>
-              <a:t>무드보드</a:t>
-            </a:r>
-            <a:endParaRPr lang="ko-KR" altLang="en-US" b="1" dirty="0"/>
-          </a:p>
-        </p:txBody>
-      </p:sp>
-      <p:sp>
-        <p:nvSpPr>
-          <p:cNvPr id="26" name="TextBox 25">
-            <a:extLst>
-              <a:ext uri="{FF2B5EF4-FFF2-40B4-BE49-F238E27FC236}">
-                <a16:creationId xmlns:a16="http://schemas.microsoft.com/office/drawing/2014/main" xmlns="" id="{C920BFD4-F974-4CAF-87D5-9E2AE912ACA4}"/>
-              </a:ext>
-            </a:extLst>
-          </p:cNvPr>
-          <p:cNvSpPr txBox="1"/>
-          <p:nvPr/>
-        </p:nvSpPr>
-        <p:spPr>
-          <a:xfrm>
-            <a:off x="3887540" y="2796167"/>
-            <a:ext cx="685800" cy="369332"/>
-          </a:xfrm>
-          <a:prstGeom prst="rect">
-            <a:avLst/>
-          </a:prstGeom>
-          <a:noFill/>
-        </p:spPr>
-        <p:txBody>
-          <a:bodyPr wrap="square" rtlCol="0">
-            <a:spAutoFit/>
-          </a:bodyPr>
-          <a:lstStyle/>
-          <a:p>
-            <a:endParaRPr lang="ko-KR" altLang="en-US" dirty="0"/>
-          </a:p>
-        </p:txBody>
-      </p:sp>
-      <p:grpSp>
-        <p:nvGrpSpPr>
-          <p:cNvPr id="18" name="그룹 17"/>
-          <p:cNvGrpSpPr/>
-          <p:nvPr/>
-        </p:nvGrpSpPr>
-        <p:grpSpPr>
-          <a:xfrm>
-            <a:off x="2618002" y="1404749"/>
-            <a:ext cx="3834234" cy="4752528"/>
-            <a:chOff x="683568" y="1468314"/>
-            <a:chExt cx="3834234" cy="4752528"/>
-          </a:xfrm>
-        </p:grpSpPr>
-        <p:pic>
-          <p:nvPicPr>
-            <p:cNvPr id="19" name="Picture 3" descr="C:\Users\12-19\Downloads\underwater-g4aaeef3ea_1280.jpg"/>
-            <p:cNvPicPr>
-              <a:picLocks noChangeAspect="1" noChangeArrowheads="1"/>
-            </p:cNvPicPr>
-            <p:nvPr/>
-          </p:nvPicPr>
-          <p:blipFill>
-            <a:blip r:embed="rId2">
-              <a:extLst>
-                <a:ext uri="{28A0092B-C50C-407E-A947-70E740481C1C}">
-                  <a14:useLocalDpi xmlns:a14="http://schemas.microsoft.com/office/drawing/2010/main" val="0"/>
-                </a:ext>
-              </a:extLst>
-            </a:blip>
-            <a:srcRect/>
-            <a:stretch>
-              <a:fillRect/>
-            </a:stretch>
-          </p:blipFill>
-          <p:spPr bwMode="auto">
-            <a:xfrm>
-              <a:off x="701378" y="1468314"/>
-              <a:ext cx="3816424" cy="4752528"/>
-            </a:xfrm>
-            <a:prstGeom prst="rect">
-              <a:avLst/>
-            </a:prstGeom>
-            <a:noFill/>
-            <a:extLst>
-              <a:ext uri="{909E8E84-426E-40DD-AFC4-6F175D3DCCD1}">
-                <a14:hiddenFill xmlns:a14="http://schemas.microsoft.com/office/drawing/2010/main">
-                  <a:solidFill>
-                    <a:srgbClr val="FFFFFF"/>
-                  </a:solidFill>
-                </a14:hiddenFill>
-              </a:ext>
-            </a:extLst>
-          </p:spPr>
-        </p:pic>
-        <p:sp>
-          <p:nvSpPr>
-            <p:cNvPr id="20" name="직사각형 19"/>
-            <p:cNvSpPr/>
-            <p:nvPr/>
-          </p:nvSpPr>
-          <p:spPr>
-            <a:xfrm>
-              <a:off x="683568" y="1604303"/>
-              <a:ext cx="900100" cy="246221"/>
-            </a:xfrm>
-            <a:prstGeom prst="rect">
-              <a:avLst/>
-            </a:prstGeom>
-            <a:noFill/>
-          </p:spPr>
-          <p:txBody>
-            <a:bodyPr wrap="square" lIns="91440" tIns="45720" rIns="91440" bIns="45720">
-              <a:spAutoFit/>
-            </a:bodyPr>
-            <a:lstStyle/>
-            <a:p>
-              <a:pPr algn="ctr"/>
-              <a:r>
-                <a:rPr lang="en-US" altLang="ko-KR" sz="1000" b="0" cap="none" spc="0" dirty="0" smtClean="0">
-                  <a:ln w="18415" cmpd="sng">
-                    <a:solidFill>
-                      <a:srgbClr val="FFFFFF"/>
-                    </a:solidFill>
-                    <a:prstDash val="solid"/>
-                  </a:ln>
-                  <a:solidFill>
-                    <a:srgbClr val="FFFFFF"/>
-                  </a:solidFill>
-                  <a:effectLst>
-                    <a:outerShdw blurRad="63500" dir="3600000" algn="tl" rotWithShape="0">
-                      <a:srgbClr val="000000">
-                        <a:alpha val="70000"/>
-                      </a:srgbClr>
-                    </a:outerShdw>
-                  </a:effectLst>
-                </a:rPr>
-                <a:t>HOME</a:t>
-              </a:r>
-              <a:endParaRPr lang="en-US" altLang="ko-KR" sz="1000" b="0" cap="none" spc="0" dirty="0">
-                <a:ln w="18415" cmpd="sng">
-                  <a:solidFill>
-                    <a:srgbClr val="FFFFFF"/>
-                  </a:solidFill>
-                  <a:prstDash val="solid"/>
-                </a:ln>
-                <a:solidFill>
-                  <a:srgbClr val="FFFFFF"/>
-                </a:solidFill>
-                <a:effectLst>
-                  <a:outerShdw blurRad="63500" dir="3600000" algn="tl" rotWithShape="0">
-                    <a:srgbClr val="000000">
-                      <a:alpha val="70000"/>
-                    </a:srgbClr>
-                  </a:outerShdw>
-                </a:effectLst>
-              </a:endParaRPr>
-            </a:p>
-          </p:txBody>
-        </p:sp>
-        <p:sp>
-          <p:nvSpPr>
-            <p:cNvPr id="21" name="직사각형 20"/>
-            <p:cNvSpPr/>
-            <p:nvPr/>
-          </p:nvSpPr>
-          <p:spPr>
-            <a:xfrm>
-              <a:off x="1397991" y="1604303"/>
-              <a:ext cx="900100" cy="246221"/>
-            </a:xfrm>
-            <a:prstGeom prst="rect">
-              <a:avLst/>
-            </a:prstGeom>
-            <a:noFill/>
-          </p:spPr>
-          <p:txBody>
-            <a:bodyPr wrap="square" lIns="91440" tIns="45720" rIns="91440" bIns="45720">
-              <a:spAutoFit/>
-            </a:bodyPr>
-            <a:lstStyle/>
-            <a:p>
-              <a:pPr algn="ctr"/>
-              <a:r>
-                <a:rPr lang="en-US" altLang="ko-KR" sz="1000" b="0" cap="none" spc="0" dirty="0" smtClean="0">
-                  <a:ln w="18415" cmpd="sng">
-                    <a:solidFill>
-                      <a:srgbClr val="FFFFFF"/>
-                    </a:solidFill>
-                    <a:prstDash val="solid"/>
-                  </a:ln>
-                  <a:solidFill>
-                    <a:srgbClr val="FFFFFF"/>
-                  </a:solidFill>
-                  <a:effectLst>
-                    <a:outerShdw blurRad="63500" dir="3600000" algn="tl" rotWithShape="0">
-                      <a:srgbClr val="000000">
-                        <a:alpha val="70000"/>
-                      </a:srgbClr>
-                    </a:outerShdw>
-                  </a:effectLst>
-                </a:rPr>
-                <a:t>ABOUT</a:t>
-              </a:r>
-              <a:endParaRPr lang="en-US" altLang="ko-KR" sz="1000" b="0" cap="none" spc="0" dirty="0">
-                <a:ln w="18415" cmpd="sng">
-                  <a:solidFill>
-                    <a:srgbClr val="FFFFFF"/>
-                  </a:solidFill>
-                  <a:prstDash val="solid"/>
-                </a:ln>
-                <a:solidFill>
-                  <a:srgbClr val="FFFFFF"/>
-                </a:solidFill>
-                <a:effectLst>
-                  <a:outerShdw blurRad="63500" dir="3600000" algn="tl" rotWithShape="0">
-                    <a:srgbClr val="000000">
-                      <a:alpha val="70000"/>
-                    </a:srgbClr>
-                  </a:outerShdw>
-                </a:effectLst>
-              </a:endParaRPr>
-            </a:p>
-          </p:txBody>
-        </p:sp>
-        <p:sp>
-          <p:nvSpPr>
-            <p:cNvPr id="22" name="직사각형 21"/>
-            <p:cNvSpPr/>
-            <p:nvPr/>
-          </p:nvSpPr>
-          <p:spPr>
-            <a:xfrm>
-              <a:off x="2112414" y="1604303"/>
-              <a:ext cx="900100" cy="246221"/>
-            </a:xfrm>
-            <a:prstGeom prst="rect">
-              <a:avLst/>
-            </a:prstGeom>
-            <a:noFill/>
-          </p:spPr>
-          <p:txBody>
-            <a:bodyPr wrap="square" lIns="91440" tIns="45720" rIns="91440" bIns="45720">
-              <a:spAutoFit/>
-            </a:bodyPr>
-            <a:lstStyle/>
-            <a:p>
-              <a:pPr algn="ctr"/>
-              <a:r>
-                <a:rPr lang="en-US" altLang="ko-KR" sz="1000" b="0" cap="none" spc="0" dirty="0" smtClean="0">
-                  <a:ln w="18415" cmpd="sng">
-                    <a:solidFill>
-                      <a:srgbClr val="FFFFFF"/>
-                    </a:solidFill>
-                    <a:prstDash val="solid"/>
-                  </a:ln>
-                  <a:solidFill>
-                    <a:srgbClr val="FFFFFF"/>
-                  </a:solidFill>
-                  <a:effectLst>
-                    <a:outerShdw blurRad="63500" dir="3600000" algn="tl" rotWithShape="0">
-                      <a:srgbClr val="000000">
-                        <a:alpha val="70000"/>
-                      </a:srgbClr>
-                    </a:outerShdw>
-                  </a:effectLst>
-                </a:rPr>
-                <a:t>HOME</a:t>
-              </a:r>
-              <a:endParaRPr lang="en-US" altLang="ko-KR" sz="1000" b="0" cap="none" spc="0" dirty="0">
-                <a:ln w="18415" cmpd="sng">
-                  <a:solidFill>
-                    <a:srgbClr val="FFFFFF"/>
-                  </a:solidFill>
-                  <a:prstDash val="solid"/>
-                </a:ln>
-                <a:solidFill>
-                  <a:srgbClr val="FFFFFF"/>
-                </a:solidFill>
-                <a:effectLst>
-                  <a:outerShdw blurRad="63500" dir="3600000" algn="tl" rotWithShape="0">
-                    <a:srgbClr val="000000">
-                      <a:alpha val="70000"/>
-                    </a:srgbClr>
-                  </a:outerShdw>
-                </a:effectLst>
-              </a:endParaRPr>
-            </a:p>
-          </p:txBody>
-        </p:sp>
-        <p:sp>
-          <p:nvSpPr>
-            <p:cNvPr id="23" name="직사각형 22"/>
-            <p:cNvSpPr/>
-            <p:nvPr/>
-          </p:nvSpPr>
-          <p:spPr>
-            <a:xfrm>
-              <a:off x="2826837" y="1604303"/>
-              <a:ext cx="900100" cy="246221"/>
-            </a:xfrm>
-            <a:prstGeom prst="rect">
-              <a:avLst/>
-            </a:prstGeom>
-            <a:noFill/>
-          </p:spPr>
-          <p:txBody>
-            <a:bodyPr wrap="square" lIns="91440" tIns="45720" rIns="91440" bIns="45720">
-              <a:spAutoFit/>
-            </a:bodyPr>
-            <a:lstStyle/>
-            <a:p>
-              <a:pPr algn="ctr"/>
-              <a:r>
-                <a:rPr lang="en-US" altLang="ko-KR" sz="1000" dirty="0" smtClean="0">
-                  <a:ln w="18415" cmpd="sng">
-                    <a:solidFill>
-                      <a:srgbClr val="FFFFFF"/>
-                    </a:solidFill>
-                    <a:prstDash val="solid"/>
-                  </a:ln>
-                  <a:solidFill>
-                    <a:srgbClr val="FFFFFF"/>
-                  </a:solidFill>
-                  <a:effectLst>
-                    <a:outerShdw blurRad="63500" dir="3600000" algn="tl" rotWithShape="0">
-                      <a:srgbClr val="000000">
-                        <a:alpha val="70000"/>
-                      </a:srgbClr>
-                    </a:outerShdw>
-                  </a:effectLst>
-                </a:rPr>
-                <a:t>PORTFOLIO</a:t>
-              </a:r>
-              <a:endParaRPr lang="en-US" altLang="ko-KR" sz="1000" b="0" cap="none" spc="0" dirty="0">
-                <a:ln w="18415" cmpd="sng">
-                  <a:solidFill>
-                    <a:srgbClr val="FFFFFF"/>
-                  </a:solidFill>
-                  <a:prstDash val="solid"/>
-                </a:ln>
-                <a:solidFill>
-                  <a:srgbClr val="FFFFFF"/>
-                </a:solidFill>
-                <a:effectLst>
-                  <a:outerShdw blurRad="63500" dir="3600000" algn="tl" rotWithShape="0">
-                    <a:srgbClr val="000000">
-                      <a:alpha val="70000"/>
-                    </a:srgbClr>
-                  </a:outerShdw>
-                </a:effectLst>
-              </a:endParaRPr>
-            </a:p>
-          </p:txBody>
-        </p:sp>
-        <p:sp>
-          <p:nvSpPr>
-            <p:cNvPr id="24" name="직사각형 23"/>
-            <p:cNvSpPr/>
-            <p:nvPr/>
-          </p:nvSpPr>
-          <p:spPr>
-            <a:xfrm>
-              <a:off x="3541262" y="1604303"/>
-              <a:ext cx="900100" cy="246221"/>
-            </a:xfrm>
-            <a:prstGeom prst="rect">
-              <a:avLst/>
-            </a:prstGeom>
-            <a:noFill/>
-          </p:spPr>
-          <p:txBody>
-            <a:bodyPr wrap="square" lIns="91440" tIns="45720" rIns="91440" bIns="45720">
-              <a:spAutoFit/>
-            </a:bodyPr>
-            <a:lstStyle/>
-            <a:p>
-              <a:pPr algn="ctr"/>
-              <a:r>
-                <a:rPr lang="en-US" altLang="ko-KR" sz="1000" dirty="0" smtClean="0">
-                  <a:ln w="18415" cmpd="sng">
-                    <a:solidFill>
-                      <a:srgbClr val="FFFFFF"/>
-                    </a:solidFill>
-                    <a:prstDash val="solid"/>
-                  </a:ln>
-                  <a:solidFill>
-                    <a:srgbClr val="FFFFFF"/>
-                  </a:solidFill>
-                  <a:effectLst>
-                    <a:outerShdw blurRad="63500" dir="3600000" algn="tl" rotWithShape="0">
-                      <a:srgbClr val="000000">
-                        <a:alpha val="70000"/>
-                      </a:srgbClr>
-                    </a:outerShdw>
-                  </a:effectLst>
-                </a:rPr>
-                <a:t>CONTACT</a:t>
-              </a:r>
-              <a:endParaRPr lang="en-US" altLang="ko-KR" sz="1000" b="0" cap="none" spc="0" dirty="0">
-                <a:ln w="18415" cmpd="sng">
-                  <a:solidFill>
-                    <a:srgbClr val="FFFFFF"/>
-                  </a:solidFill>
-                  <a:prstDash val="solid"/>
-                </a:ln>
-                <a:solidFill>
-                  <a:srgbClr val="FFFFFF"/>
-                </a:solidFill>
-                <a:effectLst>
-                  <a:outerShdw blurRad="63500" dir="3600000" algn="tl" rotWithShape="0">
-                    <a:srgbClr val="000000">
-                      <a:alpha val="70000"/>
-                    </a:srgbClr>
-                  </a:outerShdw>
-                </a:effectLst>
-              </a:endParaRPr>
-            </a:p>
-          </p:txBody>
-        </p:sp>
-        <p:sp>
-          <p:nvSpPr>
-            <p:cNvPr id="25" name="직사각형 24"/>
-            <p:cNvSpPr/>
-            <p:nvPr/>
-          </p:nvSpPr>
-          <p:spPr>
-            <a:xfrm>
-              <a:off x="989410" y="2420888"/>
-              <a:ext cx="3240360" cy="3096344"/>
-            </a:xfrm>
-            <a:prstGeom prst="rect">
-              <a:avLst/>
-            </a:prstGeom>
-            <a:solidFill>
-              <a:schemeClr val="bg1">
-                <a:lumMod val="85000"/>
-              </a:schemeClr>
-            </a:solidFill>
-          </p:spPr>
-          <p:style>
-            <a:lnRef idx="2">
-              <a:schemeClr val="accent1">
-                <a:shade val="50000"/>
-              </a:schemeClr>
-            </a:lnRef>
-            <a:fillRef idx="1">
-              <a:schemeClr val="accent1"/>
-            </a:fillRef>
-            <a:effectRef idx="0">
-              <a:schemeClr val="accent1"/>
-            </a:effectRef>
-            <a:fontRef idx="minor">
-              <a:schemeClr val="lt1"/>
-            </a:fontRef>
-          </p:style>
-          <p:txBody>
-            <a:bodyPr rtlCol="0" anchor="ctr"/>
-            <a:lstStyle/>
-            <a:p>
-              <a:pPr algn="ctr"/>
-              <a:endParaRPr lang="ko-KR" altLang="en-US"/>
-            </a:p>
-          </p:txBody>
-        </p:sp>
-      </p:grpSp>
-      <p:pic>
-        <p:nvPicPr>
-          <p:cNvPr id="28" name="Picture 3" descr="C:\Users\12-19\Downloads\skills_illustrator.png"/>
-          <p:cNvPicPr>
-            <a:picLocks noChangeAspect="1" noChangeArrowheads="1"/>
-          </p:cNvPicPr>
-          <p:nvPr/>
-        </p:nvPicPr>
-        <p:blipFill>
-          <a:blip r:embed="rId3" cstate="print">
-            <a:extLst>
-              <a:ext uri="{28A0092B-C50C-407E-A947-70E740481C1C}">
-                <a14:useLocalDpi xmlns:a14="http://schemas.microsoft.com/office/drawing/2010/main" val="0"/>
-              </a:ext>
-            </a:extLst>
-          </a:blip>
-          <a:srcRect/>
-          <a:stretch>
-            <a:fillRect/>
-          </a:stretch>
-        </p:blipFill>
-        <p:spPr bwMode="auto">
-          <a:xfrm>
-            <a:off x="3553744" y="2704609"/>
-            <a:ext cx="577820" cy="577820"/>
-          </a:xfrm>
-          <a:prstGeom prst="rect">
-            <a:avLst/>
-          </a:prstGeom>
-          <a:noFill/>
-          <a:extLst>
-            <a:ext uri="{909E8E84-426E-40DD-AFC4-6F175D3DCCD1}">
-              <a14:hiddenFill xmlns:a14="http://schemas.microsoft.com/office/drawing/2010/main">
-                <a:solidFill>
-                  <a:srgbClr val="FFFFFF"/>
-                </a:solidFill>
-              </a14:hiddenFill>
-            </a:ext>
-          </a:extLst>
-        </p:spPr>
-      </p:pic>
-      <p:pic>
-        <p:nvPicPr>
-          <p:cNvPr id="29" name="Picture 4" descr="C:\Users\12-19\Downloads\skills_photoshop.png"/>
-          <p:cNvPicPr>
-            <a:picLocks noChangeAspect="1" noChangeArrowheads="1"/>
-          </p:cNvPicPr>
-          <p:nvPr/>
-        </p:nvPicPr>
-        <p:blipFill>
-          <a:blip r:embed="rId4" cstate="print">
-            <a:extLst>
-              <a:ext uri="{28A0092B-C50C-407E-A947-70E740481C1C}">
-                <a14:useLocalDpi xmlns:a14="http://schemas.microsoft.com/office/drawing/2010/main" val="0"/>
-              </a:ext>
-            </a:extLst>
-          </a:blip>
-          <a:srcRect/>
-          <a:stretch>
-            <a:fillRect/>
-          </a:stretch>
-        </p:blipFill>
-        <p:spPr bwMode="auto">
-          <a:xfrm>
-            <a:off x="3549275" y="3283926"/>
-            <a:ext cx="586757" cy="586758"/>
-          </a:xfrm>
-          <a:prstGeom prst="rect">
-            <a:avLst/>
-          </a:prstGeom>
-          <a:noFill/>
-          <a:extLst>
-            <a:ext uri="{909E8E84-426E-40DD-AFC4-6F175D3DCCD1}">
-              <a14:hiddenFill xmlns:a14="http://schemas.microsoft.com/office/drawing/2010/main">
-                <a:solidFill>
-                  <a:srgbClr val="FFFFFF"/>
-                </a:solidFill>
-              </a14:hiddenFill>
-            </a:ext>
-          </a:extLst>
-        </p:spPr>
-      </p:pic>
-      <p:pic>
-        <p:nvPicPr>
-          <p:cNvPr id="30" name="Picture 5" descr="C:\Users\12-19\Downloads\skills_jquery.png"/>
-          <p:cNvPicPr>
-            <a:picLocks noChangeAspect="1" noChangeArrowheads="1"/>
-          </p:cNvPicPr>
-          <p:nvPr/>
-        </p:nvPicPr>
-        <p:blipFill>
-          <a:blip r:embed="rId5" cstate="print">
-            <a:extLst>
-              <a:ext uri="{28A0092B-C50C-407E-A947-70E740481C1C}">
-                <a14:useLocalDpi xmlns:a14="http://schemas.microsoft.com/office/drawing/2010/main" val="0"/>
-              </a:ext>
-            </a:extLst>
-          </a:blip>
-          <a:srcRect/>
-          <a:stretch>
-            <a:fillRect/>
-          </a:stretch>
-        </p:blipFill>
-        <p:spPr bwMode="auto">
-          <a:xfrm>
-            <a:off x="4868531" y="2691465"/>
-            <a:ext cx="578736" cy="578736"/>
-          </a:xfrm>
-          <a:prstGeom prst="rect">
-            <a:avLst/>
-          </a:prstGeom>
-          <a:noFill/>
-          <a:extLst>
-            <a:ext uri="{909E8E84-426E-40DD-AFC4-6F175D3DCCD1}">
-              <a14:hiddenFill xmlns:a14="http://schemas.microsoft.com/office/drawing/2010/main">
-                <a:solidFill>
-                  <a:srgbClr val="FFFFFF"/>
-                </a:solidFill>
-              </a14:hiddenFill>
-            </a:ext>
-          </a:extLst>
-        </p:spPr>
-      </p:pic>
-      <p:pic>
-        <p:nvPicPr>
-          <p:cNvPr id="31" name="Picture 6" descr="C:\Users\12-19\Downloads\skills_js.png"/>
-          <p:cNvPicPr>
-            <a:picLocks noChangeAspect="1" noChangeArrowheads="1"/>
-          </p:cNvPicPr>
-          <p:nvPr/>
-        </p:nvPicPr>
-        <p:blipFill>
-          <a:blip r:embed="rId6" cstate="print">
-            <a:extLst>
-              <a:ext uri="{28A0092B-C50C-407E-A947-70E740481C1C}">
-                <a14:useLocalDpi xmlns:a14="http://schemas.microsoft.com/office/drawing/2010/main" val="0"/>
-              </a:ext>
-            </a:extLst>
-          </a:blip>
-          <a:srcRect/>
-          <a:stretch>
-            <a:fillRect/>
-          </a:stretch>
-        </p:blipFill>
-        <p:spPr bwMode="auto">
-          <a:xfrm>
-            <a:off x="4850481" y="3875240"/>
-            <a:ext cx="578736" cy="578736"/>
-          </a:xfrm>
-          <a:prstGeom prst="rect">
-            <a:avLst/>
-          </a:prstGeom>
-          <a:noFill/>
-          <a:extLst>
-            <a:ext uri="{909E8E84-426E-40DD-AFC4-6F175D3DCCD1}">
-              <a14:hiddenFill xmlns:a14="http://schemas.microsoft.com/office/drawing/2010/main">
-                <a:solidFill>
-                  <a:srgbClr val="FFFFFF"/>
-                </a:solidFill>
-              </a14:hiddenFill>
-            </a:ext>
-          </a:extLst>
-        </p:spPr>
-      </p:pic>
-      <p:pic>
-        <p:nvPicPr>
-          <p:cNvPr id="32" name="Picture 8" descr="C:\Users\12-19\Downloads\skills_css3.png"/>
-          <p:cNvPicPr>
-            <a:picLocks noChangeAspect="1" noChangeArrowheads="1"/>
-          </p:cNvPicPr>
-          <p:nvPr/>
-        </p:nvPicPr>
-        <p:blipFill>
-          <a:blip r:embed="rId7" cstate="print">
-            <a:extLst>
-              <a:ext uri="{28A0092B-C50C-407E-A947-70E740481C1C}">
-                <a14:useLocalDpi xmlns:a14="http://schemas.microsoft.com/office/drawing/2010/main" val="0"/>
-              </a:ext>
-            </a:extLst>
-          </a:blip>
-          <a:srcRect/>
-          <a:stretch>
-            <a:fillRect/>
-          </a:stretch>
-        </p:blipFill>
-        <p:spPr bwMode="auto">
-          <a:xfrm>
-            <a:off x="4843085" y="4449649"/>
-            <a:ext cx="589072" cy="589072"/>
-          </a:xfrm>
-          <a:prstGeom prst="rect">
-            <a:avLst/>
-          </a:prstGeom>
-          <a:noFill/>
-          <a:extLst>
-            <a:ext uri="{909E8E84-426E-40DD-AFC4-6F175D3DCCD1}">
-              <a14:hiddenFill xmlns:a14="http://schemas.microsoft.com/office/drawing/2010/main">
-                <a:solidFill>
-                  <a:srgbClr val="FFFFFF"/>
-                </a:solidFill>
-              </a14:hiddenFill>
-            </a:ext>
-          </a:extLst>
-        </p:spPr>
-      </p:pic>
-      <p:pic>
-        <p:nvPicPr>
-          <p:cNvPr id="33" name="Picture 9" descr="C:\Users\12-19\Downloads\skills_html5.png"/>
-          <p:cNvPicPr>
-            <a:picLocks noChangeAspect="1" noChangeArrowheads="1"/>
-          </p:cNvPicPr>
-          <p:nvPr/>
-        </p:nvPicPr>
-        <p:blipFill>
-          <a:blip r:embed="rId8" cstate="print">
-            <a:extLst>
-              <a:ext uri="{28A0092B-C50C-407E-A947-70E740481C1C}">
-                <a14:useLocalDpi xmlns:a14="http://schemas.microsoft.com/office/drawing/2010/main" val="0"/>
-              </a:ext>
-            </a:extLst>
-          </a:blip>
-          <a:srcRect/>
-          <a:stretch>
-            <a:fillRect/>
-          </a:stretch>
-        </p:blipFill>
-        <p:spPr bwMode="auto">
-          <a:xfrm>
-            <a:off x="4860510" y="3270201"/>
-            <a:ext cx="586757" cy="586758"/>
-          </a:xfrm>
-          <a:prstGeom prst="rect">
-            <a:avLst/>
-          </a:prstGeom>
-          <a:noFill/>
-          <a:extLst>
-            <a:ext uri="{909E8E84-426E-40DD-AFC4-6F175D3DCCD1}">
-              <a14:hiddenFill xmlns:a14="http://schemas.microsoft.com/office/drawing/2010/main">
-                <a:solidFill>
-                  <a:srgbClr val="FFFFFF"/>
-                </a:solidFill>
-              </a14:hiddenFill>
-            </a:ext>
-          </a:extLst>
-        </p:spPr>
-      </p:pic>
-      <p:pic>
-        <p:nvPicPr>
-          <p:cNvPr id="34" name="Picture 10" descr="C:\Users\12-19\Downloads\다운로드.png"/>
-          <p:cNvPicPr>
-            <a:picLocks noChangeAspect="1" noChangeArrowheads="1"/>
-          </p:cNvPicPr>
-          <p:nvPr/>
-        </p:nvPicPr>
-        <p:blipFill>
-          <a:blip r:embed="rId9" cstate="print">
-            <a:extLst>
-              <a:ext uri="{28A0092B-C50C-407E-A947-70E740481C1C}">
-                <a14:useLocalDpi xmlns:a14="http://schemas.microsoft.com/office/drawing/2010/main" val="0"/>
-              </a:ext>
-            </a:extLst>
-          </a:blip>
-          <a:srcRect/>
-          <a:stretch>
-            <a:fillRect/>
-          </a:stretch>
-        </p:blipFill>
-        <p:spPr bwMode="auto">
-          <a:xfrm>
-            <a:off x="3557031" y="3879567"/>
-            <a:ext cx="582921" cy="570082"/>
-          </a:xfrm>
-          <a:prstGeom prst="rect">
-            <a:avLst/>
-          </a:prstGeom>
-          <a:noFill/>
-          <a:extLst>
-            <a:ext uri="{909E8E84-426E-40DD-AFC4-6F175D3DCCD1}">
-              <a14:hiddenFill xmlns:a14="http://schemas.microsoft.com/office/drawing/2010/main">
-                <a:solidFill>
-                  <a:srgbClr val="FFFFFF"/>
-                </a:solidFill>
-              </a14:hiddenFill>
-            </a:ext>
-          </a:extLst>
-        </p:spPr>
-      </p:pic>
-      <p:pic>
-        <p:nvPicPr>
-          <p:cNvPr id="35" name="Picture 11" descr="C:\Users\12-19\Downloads\다운로드 (2).png"/>
-          <p:cNvPicPr>
-            <a:picLocks noChangeAspect="1" noChangeArrowheads="1"/>
-          </p:cNvPicPr>
-          <p:nvPr/>
-        </p:nvPicPr>
-        <p:blipFill>
-          <a:blip r:embed="rId10" cstate="print">
-            <a:extLst>
-              <a:ext uri="{28A0092B-C50C-407E-A947-70E740481C1C}">
-                <a14:useLocalDpi xmlns:a14="http://schemas.microsoft.com/office/drawing/2010/main" val="0"/>
-              </a:ext>
-            </a:extLst>
-          </a:blip>
-          <a:srcRect/>
-          <a:stretch>
-            <a:fillRect/>
-          </a:stretch>
-        </p:blipFill>
-        <p:spPr bwMode="auto">
-          <a:xfrm>
-            <a:off x="3562132" y="4474533"/>
-            <a:ext cx="577820" cy="577820"/>
-          </a:xfrm>
-          <a:prstGeom prst="rect">
-            <a:avLst/>
-          </a:prstGeom>
-          <a:noFill/>
-          <a:extLst>
-            <a:ext uri="{909E8E84-426E-40DD-AFC4-6F175D3DCCD1}">
-              <a14:hiddenFill xmlns:a14="http://schemas.microsoft.com/office/drawing/2010/main">
-                <a:solidFill>
-                  <a:srgbClr val="FFFFFF"/>
-                </a:solidFill>
-              </a14:hiddenFill>
-            </a:ext>
-          </a:extLst>
-        </p:spPr>
-      </p:pic>
-    </p:spTree>
-    <p:extLst>
-      <p:ext uri="{BB962C8B-B14F-4D97-AF65-F5344CB8AC3E}">
-        <p14:creationId xmlns:p14="http://schemas.microsoft.com/office/powerpoint/2010/main" val="3162797934"/>
-      </p:ext>
-    </p:extLst>
-  </p:cSld>
-  <p:clrMapOvr>
-    <a:masterClrMapping/>
-  </p:clrMapOvr>
-  <p:timing>
-    <p:tnLst>
-      <p:par>
-        <p:cTn id="1" dur="indefinite" restart="never" nodeType="tmRoot"/>
-      </p:par>
-    </p:tnLst>
-  </p:timing>
-</p:sld>
-</file>
-
-<file path=ppt/slides/slide6.xml><?xml version="1.0" encoding="utf-8"?>
-<p:sld xmlns:a="http://schemas.openxmlformats.org/drawingml/2006/main" xmlns:r="http://schemas.openxmlformats.org/officeDocument/2006/relationships" xmlns:p="http://schemas.openxmlformats.org/presentationml/2006/main">
-  <p:cSld>
-    <p:spTree>
-      <p:nvGrpSpPr>
-        <p:cNvPr id="1" name=""/>
-        <p:cNvGrpSpPr/>
-        <p:nvPr/>
-      </p:nvGrpSpPr>
-      <p:grpSpPr>
-        <a:xfrm>
-          <a:off x="0" y="0"/>
-          <a:ext cx="0" cy="0"/>
-          <a:chOff x="0" y="0"/>
-          <a:chExt cx="0" cy="0"/>
-        </a:xfrm>
-      </p:grpSpPr>
-      <p:sp>
-        <p:nvSpPr>
-          <p:cNvPr id="2" name="제목 1">
-            <a:extLst>
-              <a:ext uri="{FF2B5EF4-FFF2-40B4-BE49-F238E27FC236}">
-                <a16:creationId xmlns:a16="http://schemas.microsoft.com/office/drawing/2014/main" xmlns="" id="{47B339F2-6A20-4A30-9887-7BFB73CA1E8C}"/>
-              </a:ext>
-            </a:extLst>
-          </p:cNvPr>
-          <p:cNvSpPr>
-            <a:spLocks noGrp="1"/>
-          </p:cNvSpPr>
-          <p:nvPr>
-            <p:ph type="title"/>
-          </p:nvPr>
-        </p:nvSpPr>
-        <p:spPr/>
-        <p:txBody>
-          <a:bodyPr/>
-          <a:lstStyle/>
-          <a:p>
-            <a:r>
-              <a:rPr lang="ko-KR" altLang="en-US" b="1" dirty="0" smtClean="0">
-                <a:solidFill>
-                  <a:srgbClr val="202124"/>
-                </a:solidFill>
-                <a:latin typeface="Google Sans"/>
-              </a:rPr>
-              <a:t>와이어프레</a:t>
-            </a:r>
-            <a:r>
               <a:rPr lang="ko-KR" altLang="en-US" b="1" dirty="0">
                 <a:solidFill>
                   <a:srgbClr val="202124"/>
                 </a:solidFill>
                 <a:latin typeface="Google Sans"/>
               </a:rPr>
-              <a:t>임</a:t>
+              <a:t>와이어프레임</a:t>
             </a:r>
             <a:endParaRPr lang="ko-KR" altLang="en-US" b="1" dirty="0"/>
           </a:p>
@@ -6813,7 +4672,7 @@
           <a:lstStyle/>
           <a:p>
             <a:r>
-              <a:rPr lang="en-US" altLang="ko-KR" dirty="0" smtClean="0"/>
+              <a:rPr lang="en-US" altLang="ko-KR" dirty="0"/>
               <a:t>ABOUT</a:t>
             </a:r>
             <a:endParaRPr lang="ko-KR" altLang="en-US" dirty="0"/>
@@ -6830,17 +4689,10 @@
   <p:clrMapOvr>
     <a:masterClrMapping/>
   </p:clrMapOvr>
-  <p:timing>
-    <p:tnLst>
-      <p:par>
-        <p:cTn id="1" dur="indefinite" restart="never" nodeType="tmRoot"/>
-      </p:par>
-    </p:tnLst>
-  </p:timing>
 </p:sld>
 </file>
 
-<file path=ppt/slides/slide7.xml><?xml version="1.0" encoding="utf-8"?>
+<file path=ppt/slides/slide11.xml><?xml version="1.0" encoding="utf-8"?>
 <p:sld xmlns:a="http://schemas.openxmlformats.org/drawingml/2006/main" xmlns:r="http://schemas.openxmlformats.org/officeDocument/2006/relationships" xmlns:p="http://schemas.openxmlformats.org/presentationml/2006/main">
   <p:cSld>
     <p:spTree>
@@ -6862,7 +4714,7 @@
           <p:cNvPr id="2" name="제목 1">
             <a:extLst>
               <a:ext uri="{FF2B5EF4-FFF2-40B4-BE49-F238E27FC236}">
-                <a16:creationId xmlns:a16="http://schemas.microsoft.com/office/drawing/2014/main" xmlns="" id="{47B339F2-6A20-4A30-9887-7BFB73CA1E8C}"/>
+                <a16:creationId xmlns:a16="http://schemas.microsoft.com/office/drawing/2014/main" id="{47B339F2-6A20-4A30-9887-7BFB73CA1E8C}"/>
               </a:ext>
             </a:extLst>
           </p:cNvPr>
@@ -6879,22 +4731,13 @@
           <a:lstStyle/>
           <a:p>
             <a:r>
-              <a:rPr lang="ko-KR" altLang="en-US" b="1" dirty="0" smtClean="0">
-                <a:solidFill>
-                  <a:srgbClr val="202124"/>
-                </a:solidFill>
-                <a:latin typeface="Google Sans"/>
-              </a:rPr>
-              <a:t>와이어프레</a:t>
-            </a:r>
-            <a:r>
               <a:rPr lang="ko-KR" altLang="en-US" b="1" dirty="0">
                 <a:solidFill>
                   <a:srgbClr val="202124"/>
                 </a:solidFill>
                 <a:latin typeface="Google Sans"/>
               </a:rPr>
-              <a:t>임</a:t>
+              <a:t>와이어프레임</a:t>
             </a:r>
             <a:endParaRPr lang="ko-KR" altLang="en-US" b="1" dirty="0"/>
           </a:p>
@@ -8123,7 +5966,7 @@
           <a:lstStyle/>
           <a:p>
             <a:r>
-              <a:rPr lang="en-US" altLang="ko-KR" dirty="0" smtClean="0"/>
+              <a:rPr lang="en-US" altLang="ko-KR" dirty="0"/>
               <a:t>PORTFOLIO</a:t>
             </a:r>
             <a:endParaRPr lang="ko-KR" altLang="en-US" dirty="0"/>
@@ -8153,7 +5996,7 @@
           <a:lstStyle/>
           <a:p>
             <a:r>
-              <a:rPr lang="en-US" altLang="ko-KR" dirty="0" smtClean="0"/>
+              <a:rPr lang="en-US" altLang="ko-KR" dirty="0"/>
               <a:t>SKILL</a:t>
             </a:r>
             <a:endParaRPr lang="ko-KR" altLang="en-US" dirty="0"/>
@@ -8940,17 +6783,10 @@
   <p:clrMapOvr>
     <a:masterClrMapping/>
   </p:clrMapOvr>
-  <p:timing>
-    <p:tnLst>
-      <p:par>
-        <p:cTn id="1" dur="indefinite" restart="never" nodeType="tmRoot"/>
-      </p:par>
-    </p:tnLst>
-  </p:timing>
 </p:sld>
 </file>
 
-<file path=ppt/slides/slide8.xml><?xml version="1.0" encoding="utf-8"?>
+<file path=ppt/slides/slide12.xml><?xml version="1.0" encoding="utf-8"?>
 <p:sld xmlns:a="http://schemas.openxmlformats.org/drawingml/2006/main" xmlns:r="http://schemas.openxmlformats.org/officeDocument/2006/relationships" xmlns:p="http://schemas.openxmlformats.org/presentationml/2006/main">
   <p:cSld>
     <p:spTree>
@@ -8972,7 +6808,7 @@
           <p:cNvPr id="2" name="제목 1">
             <a:extLst>
               <a:ext uri="{FF2B5EF4-FFF2-40B4-BE49-F238E27FC236}">
-                <a16:creationId xmlns:a16="http://schemas.microsoft.com/office/drawing/2014/main" xmlns="" id="{47B339F2-6A20-4A30-9887-7BFB73CA1E8C}"/>
+                <a16:creationId xmlns:a16="http://schemas.microsoft.com/office/drawing/2014/main" id="{47B339F2-6A20-4A30-9887-7BFB73CA1E8C}"/>
               </a:ext>
             </a:extLst>
           </p:cNvPr>
@@ -8989,22 +6825,13 @@
           <a:lstStyle/>
           <a:p>
             <a:r>
-              <a:rPr lang="ko-KR" altLang="en-US" b="1" dirty="0" smtClean="0">
-                <a:solidFill>
-                  <a:srgbClr val="202124"/>
-                </a:solidFill>
-                <a:latin typeface="Google Sans"/>
-              </a:rPr>
-              <a:t>와이어프레</a:t>
-            </a:r>
-            <a:r>
               <a:rPr lang="ko-KR" altLang="en-US" b="1" dirty="0">
                 <a:solidFill>
                   <a:srgbClr val="202124"/>
                 </a:solidFill>
                 <a:latin typeface="Google Sans"/>
               </a:rPr>
-              <a:t>임</a:t>
+              <a:t>와이어프레임</a:t>
             </a:r>
             <a:endParaRPr lang="ko-KR" altLang="en-US" b="1" dirty="0"/>
           </a:p>
@@ -9503,7 +7330,7 @@
           <a:lstStyle/>
           <a:p>
             <a:r>
-              <a:rPr lang="en-US" altLang="ko-KR" dirty="0" smtClean="0"/>
+              <a:rPr lang="en-US" altLang="ko-KR" dirty="0"/>
               <a:t>CONTACT</a:t>
             </a:r>
             <a:endParaRPr lang="ko-KR" altLang="en-US" dirty="0"/>
@@ -9730,17 +7557,10 @@
   <p:clrMapOvr>
     <a:masterClrMapping/>
   </p:clrMapOvr>
-  <p:timing>
-    <p:tnLst>
-      <p:par>
-        <p:cTn id="1" dur="indefinite" restart="never" nodeType="tmRoot"/>
-      </p:par>
-    </p:tnLst>
-  </p:timing>
 </p:sld>
 </file>
 
-<file path=ppt/slides/slide9.xml><?xml version="1.0" encoding="utf-8"?>
+<file path=ppt/slides/slide13.xml><?xml version="1.0" encoding="utf-8"?>
 <p:sld xmlns:a="http://schemas.openxmlformats.org/drawingml/2006/main" xmlns:r="http://schemas.openxmlformats.org/officeDocument/2006/relationships" xmlns:p="http://schemas.openxmlformats.org/presentationml/2006/main">
   <p:cSld>
     <p:spTree>
@@ -9845,12 +7665,48 @@
                 <a:tableStyleId>{5C22544A-7EE6-4342-B048-85BDC9FD1C3A}</a:tableStyleId>
               </a:tblPr>
               <a:tblGrid>
-                <a:gridCol w="752271"/>
-                <a:gridCol w="922994"/>
-                <a:gridCol w="116840"/>
-                <a:gridCol w="1731923"/>
-                <a:gridCol w="1955904"/>
-                <a:gridCol w="2933857"/>
+                <a:gridCol w="752271">
+                  <a:extLst>
+                    <a:ext uri="{9D8B030D-6E8A-4147-A177-3AD203B41FA5}">
+                      <a16:colId xmlns:a16="http://schemas.microsoft.com/office/drawing/2014/main" val="20000"/>
+                    </a:ext>
+                  </a:extLst>
+                </a:gridCol>
+                <a:gridCol w="922994">
+                  <a:extLst>
+                    <a:ext uri="{9D8B030D-6E8A-4147-A177-3AD203B41FA5}">
+                      <a16:colId xmlns:a16="http://schemas.microsoft.com/office/drawing/2014/main" val="20001"/>
+                    </a:ext>
+                  </a:extLst>
+                </a:gridCol>
+                <a:gridCol w="116840">
+                  <a:extLst>
+                    <a:ext uri="{9D8B030D-6E8A-4147-A177-3AD203B41FA5}">
+                      <a16:colId xmlns:a16="http://schemas.microsoft.com/office/drawing/2014/main" val="20002"/>
+                    </a:ext>
+                  </a:extLst>
+                </a:gridCol>
+                <a:gridCol w="1731923">
+                  <a:extLst>
+                    <a:ext uri="{9D8B030D-6E8A-4147-A177-3AD203B41FA5}">
+                      <a16:colId xmlns:a16="http://schemas.microsoft.com/office/drawing/2014/main" val="20003"/>
+                    </a:ext>
+                  </a:extLst>
+                </a:gridCol>
+                <a:gridCol w="1955904">
+                  <a:extLst>
+                    <a:ext uri="{9D8B030D-6E8A-4147-A177-3AD203B41FA5}">
+                      <a16:colId xmlns:a16="http://schemas.microsoft.com/office/drawing/2014/main" val="20004"/>
+                    </a:ext>
+                  </a:extLst>
+                </a:gridCol>
+                <a:gridCol w="2933857">
+                  <a:extLst>
+                    <a:ext uri="{9D8B030D-6E8A-4147-A177-3AD203B41FA5}">
+                      <a16:colId xmlns:a16="http://schemas.microsoft.com/office/drawing/2014/main" val="20005"/>
+                    </a:ext>
+                  </a:extLst>
+                </a:gridCol>
               </a:tblGrid>
               <a:tr h="495997">
                 <a:tc gridSpan="6">
@@ -9876,18 +7732,18 @@
                         <a:defRPr/>
                       </a:pPr>
                       <a:r>
-                        <a:rPr lang="ko-KR" altLang="en-US" dirty="0" err="1" smtClean="0"/>
+                        <a:rPr lang="ko-KR" altLang="en-US" dirty="0" err="1"/>
                         <a:t>이사선포트폴리오</a:t>
                       </a:r>
                       <a:r>
-                        <a:rPr lang="ko-KR" altLang="en-US" dirty="0" smtClean="0"/>
+                        <a:rPr lang="ko-KR" altLang="en-US" dirty="0"/>
                         <a:t> 프로젝트 </a:t>
                       </a:r>
                       <a:r>
-                        <a:rPr lang="ko-KR" altLang="en-US" dirty="0" err="1" smtClean="0"/>
+                        <a:rPr lang="ko-KR" altLang="en-US" dirty="0" err="1"/>
                         <a:t>기획안</a:t>
                       </a:r>
-                      <a:endParaRPr lang="ko-KR" altLang="en-US" dirty="0" smtClean="0"/>
+                      <a:endParaRPr lang="ko-KR" altLang="en-US" dirty="0"/>
                     </a:p>
                   </a:txBody>
                   <a:tcPr/>
@@ -9947,6 +7803,11 @@
                   </a:txBody>
                   <a:tcPr/>
                 </a:tc>
+                <a:extLst>
+                  <a:ext uri="{0D108BD9-81ED-4DB2-BD59-A6C34878D82A}">
+                    <a16:rowId xmlns:a16="http://schemas.microsoft.com/office/drawing/2014/main" val="10000"/>
+                  </a:ext>
+                </a:extLst>
               </a:tr>
               <a:tr h="407370">
                 <a:tc gridSpan="6">
@@ -9956,27 +7817,27 @@
                     <a:p>
                       <a:pPr latinLnBrk="1"/>
                       <a:r>
-                        <a:rPr lang="ko-KR" altLang="en-US" dirty="0" smtClean="0"/>
+                        <a:rPr lang="ko-KR" altLang="en-US" dirty="0"/>
                         <a:t>프로젝트 제작 팀 정보</a:t>
                       </a:r>
                       <a:r>
-                        <a:rPr lang="en-US" altLang="ko-KR" dirty="0" smtClean="0"/>
+                        <a:rPr lang="en-US" altLang="ko-KR" dirty="0"/>
                         <a:t>(</a:t>
                       </a:r>
                       <a:r>
-                        <a:rPr lang="ko-KR" altLang="en-US" dirty="0" err="1" smtClean="0"/>
+                        <a:rPr lang="ko-KR" altLang="en-US" dirty="0" err="1"/>
                         <a:t>팀명</a:t>
                       </a:r>
                       <a:r>
-                        <a:rPr lang="en-US" altLang="ko-KR" dirty="0" smtClean="0"/>
+                        <a:rPr lang="en-US" altLang="ko-KR" dirty="0"/>
                         <a:t>: </a:t>
                       </a:r>
                       <a:r>
-                        <a:rPr lang="ko-KR" altLang="en-US" dirty="0" err="1" smtClean="0"/>
+                        <a:rPr lang="ko-KR" altLang="en-US" dirty="0" err="1"/>
                         <a:t>저스트화이팅</a:t>
                       </a:r>
                       <a:r>
-                        <a:rPr lang="en-US" altLang="ko-KR" dirty="0" smtClean="0"/>
+                        <a:rPr lang="en-US" altLang="ko-KR" dirty="0"/>
                         <a:t>)</a:t>
                       </a:r>
                       <a:endParaRPr lang="ko-KR" altLang="en-US" dirty="0"/>
@@ -10046,6 +7907,11 @@
                   </a:txBody>
                   <a:tcPr/>
                 </a:tc>
+                <a:extLst>
+                  <a:ext uri="{0D108BD9-81ED-4DB2-BD59-A6C34878D82A}">
+                    <a16:rowId xmlns:a16="http://schemas.microsoft.com/office/drawing/2014/main" val="10001"/>
+                  </a:ext>
+                </a:extLst>
               </a:tr>
               <a:tr h="407370">
                 <a:tc>
@@ -10055,10 +7921,9 @@
                     <a:p>
                       <a:pPr latinLnBrk="1"/>
                       <a:r>
-                        <a:rPr lang="ko-KR" altLang="en-US" dirty="0" smtClean="0"/>
+                        <a:rPr lang="ko-KR" altLang="en-US" dirty="0"/>
                         <a:t>학번</a:t>
                       </a:r>
-                      <a:endParaRPr lang="ko-KR" altLang="en-US" dirty="0"/>
                     </a:p>
                   </a:txBody>
                   <a:tcPr>
@@ -10077,10 +7942,9 @@
                     <a:p>
                       <a:pPr latinLnBrk="1"/>
                       <a:r>
-                        <a:rPr lang="ko-KR" altLang="en-US" dirty="0" smtClean="0"/>
+                        <a:rPr lang="ko-KR" altLang="en-US" dirty="0"/>
                         <a:t>이름 </a:t>
                       </a:r>
-                      <a:endParaRPr lang="ko-KR" altLang="en-US" dirty="0"/>
                     </a:p>
                   </a:txBody>
                   <a:tcPr>
@@ -10110,10 +7974,9 @@
                     <a:p>
                       <a:pPr latinLnBrk="1"/>
                       <a:r>
-                        <a:rPr lang="ko-KR" altLang="en-US" dirty="0" smtClean="0"/>
+                        <a:rPr lang="ko-KR" altLang="en-US" dirty="0"/>
                         <a:t>휴대전화</a:t>
                       </a:r>
-                      <a:endParaRPr lang="ko-KR" altLang="en-US" dirty="0"/>
                     </a:p>
                   </a:txBody>
                   <a:tcPr>
@@ -10132,14 +7995,13 @@
                     <a:p>
                       <a:pPr latinLnBrk="1"/>
                       <a:r>
-                        <a:rPr lang="ko-KR" altLang="en-US" dirty="0" err="1" smtClean="0"/>
+                        <a:rPr lang="ko-KR" altLang="en-US" dirty="0" err="1"/>
                         <a:t>이메일</a:t>
                       </a:r>
                       <a:r>
-                        <a:rPr lang="ko-KR" altLang="en-US" dirty="0" smtClean="0"/>
+                        <a:rPr lang="ko-KR" altLang="en-US" dirty="0"/>
                         <a:t> </a:t>
                       </a:r>
-                      <a:endParaRPr lang="ko-KR" altLang="en-US" dirty="0"/>
                     </a:p>
                   </a:txBody>
                   <a:tcPr>
@@ -10158,10 +8020,9 @@
                     <a:p>
                       <a:pPr latinLnBrk="1"/>
                       <a:r>
-                        <a:rPr lang="ko-KR" altLang="en-US" dirty="0" smtClean="0"/>
+                        <a:rPr lang="ko-KR" altLang="en-US" dirty="0"/>
                         <a:t>역할</a:t>
                       </a:r>
-                      <a:endParaRPr lang="ko-KR" altLang="en-US" dirty="0"/>
                     </a:p>
                   </a:txBody>
                   <a:tcPr>
@@ -10173,6 +8034,11 @@
                     </a:solidFill>
                   </a:tcPr>
                 </a:tc>
+                <a:extLst>
+                  <a:ext uri="{0D108BD9-81ED-4DB2-BD59-A6C34878D82A}">
+                    <a16:rowId xmlns:a16="http://schemas.microsoft.com/office/drawing/2014/main" val="10002"/>
+                  </a:ext>
+                </a:extLst>
               </a:tr>
               <a:tr h="407370">
                 <a:tc>
@@ -10182,7 +8048,7 @@
                     <a:p>
                       <a:pPr latinLnBrk="1"/>
                       <a:r>
-                        <a:rPr lang="en-US" altLang="ko-KR" sz="1500" dirty="0" smtClean="0"/>
+                        <a:rPr lang="en-US" altLang="ko-KR" sz="1500" dirty="0"/>
                         <a:t>06</a:t>
                       </a:r>
                       <a:endParaRPr lang="ko-KR" altLang="en-US" sz="1500" dirty="0"/>
@@ -10197,10 +8063,9 @@
                     <a:p>
                       <a:pPr latinLnBrk="1"/>
                       <a:r>
-                        <a:rPr lang="ko-KR" altLang="en-US" sz="1500" dirty="0" smtClean="0"/>
+                        <a:rPr lang="ko-KR" altLang="en-US" sz="1500" dirty="0"/>
                         <a:t>이사선</a:t>
                       </a:r>
-                      <a:endParaRPr lang="ko-KR" altLang="en-US" sz="1500" dirty="0"/>
                     </a:p>
                   </a:txBody>
                   <a:tcPr/>
@@ -10223,7 +8088,7 @@
                     <a:p>
                       <a:pPr latinLnBrk="1"/>
                       <a:r>
-                        <a:rPr lang="en-US" altLang="ko-KR" sz="1500" dirty="0" smtClean="0"/>
+                        <a:rPr lang="en-US" altLang="ko-KR" sz="1500" dirty="0"/>
                         <a:t>01022721689</a:t>
                       </a:r>
                       <a:endParaRPr lang="ko-KR" altLang="en-US" sz="1500" dirty="0"/>
@@ -10238,7 +8103,7 @@
                     <a:p>
                       <a:pPr latinLnBrk="1"/>
                       <a:r>
-                        <a:rPr lang="en-US" altLang="ko-KR" sz="1500" dirty="0" smtClean="0"/>
+                        <a:rPr lang="en-US" altLang="ko-KR" sz="1500" dirty="0"/>
                         <a:t>dltktjs2@naver.com</a:t>
                       </a:r>
                       <a:endParaRPr lang="ko-KR" altLang="en-US" sz="1500" dirty="0"/>
@@ -10253,22 +8118,26 @@
                     <a:p>
                       <a:pPr latinLnBrk="1"/>
                       <a:r>
-                        <a:rPr lang="ko-KR" altLang="en-US" sz="1500" dirty="0" smtClean="0"/>
+                        <a:rPr lang="ko-KR" altLang="en-US" sz="1500" dirty="0"/>
                         <a:t>이미지수집</a:t>
                       </a:r>
                       <a:r>
-                        <a:rPr lang="en-US" altLang="ko-KR" sz="1500" dirty="0" smtClean="0"/>
+                        <a:rPr lang="en-US" altLang="ko-KR" sz="1500" dirty="0"/>
                         <a:t>, </a:t>
                       </a:r>
                       <a:r>
-                        <a:rPr lang="ko-KR" altLang="en-US" sz="1500" dirty="0" smtClean="0"/>
+                        <a:rPr lang="ko-KR" altLang="en-US" sz="1500" dirty="0"/>
                         <a:t>제작</a:t>
                       </a:r>
-                      <a:endParaRPr lang="ko-KR" altLang="en-US" sz="1500" dirty="0"/>
                     </a:p>
                   </a:txBody>
                   <a:tcPr/>
                 </a:tc>
+                <a:extLst>
+                  <a:ext uri="{0D108BD9-81ED-4DB2-BD59-A6C34878D82A}">
+                    <a16:rowId xmlns:a16="http://schemas.microsoft.com/office/drawing/2014/main" val="10003"/>
+                  </a:ext>
+                </a:extLst>
               </a:tr>
               <a:tr h="407370">
                 <a:tc gridSpan="6">
@@ -10278,10 +8147,9 @@
                     <a:p>
                       <a:pPr latinLnBrk="1"/>
                       <a:r>
-                        <a:rPr lang="ko-KR" altLang="en-US" dirty="0" smtClean="0"/>
+                        <a:rPr lang="ko-KR" altLang="en-US" dirty="0"/>
                         <a:t>프로젝트 기본 기획</a:t>
                       </a:r>
-                      <a:endParaRPr lang="ko-KR" altLang="en-US" dirty="0"/>
                     </a:p>
                   </a:txBody>
                   <a:tcPr>
@@ -10376,6 +8244,11 @@
                     </a:solidFill>
                   </a:tcPr>
                 </a:tc>
+                <a:extLst>
+                  <a:ext uri="{0D108BD9-81ED-4DB2-BD59-A6C34878D82A}">
+                    <a16:rowId xmlns:a16="http://schemas.microsoft.com/office/drawing/2014/main" val="10004"/>
+                  </a:ext>
+                </a:extLst>
               </a:tr>
               <a:tr h="407370">
                 <a:tc gridSpan="2">
@@ -10385,7 +8258,7 @@
                     <a:p>
                       <a:pPr latinLnBrk="1"/>
                       <a:r>
-                        <a:rPr lang="ko-KR" altLang="en-US" sz="1500" dirty="0" err="1" smtClean="0"/>
+                        <a:rPr lang="ko-KR" altLang="en-US" sz="1500" dirty="0" err="1"/>
                         <a:t>프로젝트명</a:t>
                       </a:r>
                       <a:endParaRPr lang="ko-KR" altLang="en-US" sz="1500" dirty="0"/>
@@ -10424,10 +8297,9 @@
                     <a:p>
                       <a:pPr latinLnBrk="1"/>
                       <a:r>
-                        <a:rPr lang="ko-KR" altLang="en-US" dirty="0" smtClean="0"/>
+                        <a:rPr lang="ko-KR" altLang="en-US" dirty="0"/>
                         <a:t>이사선 포트폴리오</a:t>
                       </a:r>
-                      <a:endParaRPr lang="ko-KR" altLang="en-US" dirty="0"/>
                     </a:p>
                   </a:txBody>
                   <a:tcPr>
@@ -10471,6 +8343,11 @@
                   </a:txBody>
                   <a:tcPr/>
                 </a:tc>
+                <a:extLst>
+                  <a:ext uri="{0D108BD9-81ED-4DB2-BD59-A6C34878D82A}">
+                    <a16:rowId xmlns:a16="http://schemas.microsoft.com/office/drawing/2014/main" val="10005"/>
+                  </a:ext>
+                </a:extLst>
               </a:tr>
               <a:tr h="407370">
                 <a:tc gridSpan="2">
@@ -10480,10 +8357,9 @@
                     <a:p>
                       <a:pPr latinLnBrk="1"/>
                       <a:r>
-                        <a:rPr lang="ko-KR" altLang="en-US" sz="1500" dirty="0" smtClean="0"/>
+                        <a:rPr lang="ko-KR" altLang="en-US" sz="1500" dirty="0"/>
                         <a:t>기획목적</a:t>
                       </a:r>
-                      <a:endParaRPr lang="ko-KR" altLang="en-US" sz="1500" dirty="0"/>
                     </a:p>
                   </a:txBody>
                   <a:tcPr>
@@ -10519,10 +8395,9 @@
                     <a:p>
                       <a:pPr latinLnBrk="1"/>
                       <a:r>
-                        <a:rPr lang="ko-KR" altLang="en-US" dirty="0" smtClean="0"/>
+                        <a:rPr lang="ko-KR" altLang="en-US" dirty="0"/>
                         <a:t>포트폴리오를 만들어 개인의 역량 효율적으로 홍보</a:t>
                       </a:r>
-                      <a:endParaRPr lang="ko-KR" altLang="en-US" dirty="0"/>
                     </a:p>
                   </a:txBody>
                   <a:tcPr>
@@ -10584,6 +8459,11 @@
                     </a:solidFill>
                   </a:tcPr>
                 </a:tc>
+                <a:extLst>
+                  <a:ext uri="{0D108BD9-81ED-4DB2-BD59-A6C34878D82A}">
+                    <a16:rowId xmlns:a16="http://schemas.microsoft.com/office/drawing/2014/main" val="10006"/>
+                  </a:ext>
+                </a:extLst>
               </a:tr>
               <a:tr h="391623">
                 <a:tc gridSpan="2">
@@ -10593,10 +8473,9 @@
                     <a:p>
                       <a:pPr latinLnBrk="1"/>
                       <a:r>
-                        <a:rPr lang="ko-KR" altLang="en-US" sz="1500" dirty="0" smtClean="0"/>
+                        <a:rPr lang="ko-KR" altLang="en-US" sz="1500" dirty="0"/>
                         <a:t>시행 후 이익</a:t>
                       </a:r>
-                      <a:endParaRPr lang="ko-KR" altLang="en-US" sz="1500" dirty="0"/>
                     </a:p>
                   </a:txBody>
                   <a:tcPr>
@@ -10632,11 +8511,11 @@
                     <a:p>
                       <a:pPr latinLnBrk="1"/>
                       <a:r>
-                        <a:rPr lang="ko-KR" altLang="en-US" dirty="0" smtClean="0"/>
+                        <a:rPr lang="ko-KR" altLang="en-US" dirty="0"/>
                         <a:t>개인을 홍보하여 취업이나 프리랜서에 도움이 될 </a:t>
                       </a:r>
                       <a:r>
-                        <a:rPr lang="ko-KR" altLang="en-US" dirty="0" err="1" smtClean="0"/>
+                        <a:rPr lang="ko-KR" altLang="en-US" dirty="0" err="1"/>
                         <a:t>것으로봄</a:t>
                       </a:r>
                       <a:endParaRPr lang="ko-KR" altLang="en-US" dirty="0"/>
@@ -10701,6 +8580,11 @@
                     </a:solidFill>
                   </a:tcPr>
                 </a:tc>
+                <a:extLst>
+                  <a:ext uri="{0D108BD9-81ED-4DB2-BD59-A6C34878D82A}">
+                    <a16:rowId xmlns:a16="http://schemas.microsoft.com/office/drawing/2014/main" val="10007"/>
+                  </a:ext>
+                </a:extLst>
               </a:tr>
               <a:tr h="504056">
                 <a:tc gridSpan="2">
@@ -10710,10 +8594,9 @@
                     <a:p>
                       <a:pPr latinLnBrk="1"/>
                       <a:r>
-                        <a:rPr lang="ko-KR" altLang="en-US" sz="1500" dirty="0" smtClean="0"/>
+                        <a:rPr lang="ko-KR" altLang="en-US" sz="1500" dirty="0"/>
                         <a:t>운영체제</a:t>
                       </a:r>
-                      <a:endParaRPr lang="ko-KR" altLang="en-US" sz="1500" dirty="0"/>
                     </a:p>
                   </a:txBody>
                   <a:tcPr>
@@ -10749,7 +8632,7 @@
                     <a:p>
                       <a:pPr latinLnBrk="1"/>
                       <a:r>
-                        <a:rPr lang="en-US" altLang="ko-KR" dirty="0" smtClean="0"/>
+                        <a:rPr lang="en-US" altLang="ko-KR" dirty="0"/>
                         <a:t>Visual Studio Code, Adobe Photoshop 2020</a:t>
                       </a:r>
                       <a:endParaRPr lang="ko-KR" altLang="en-US" dirty="0"/>
@@ -10814,6 +8697,11 @@
                     </a:solidFill>
                   </a:tcPr>
                 </a:tc>
+                <a:extLst>
+                  <a:ext uri="{0D108BD9-81ED-4DB2-BD59-A6C34878D82A}">
+                    <a16:rowId xmlns:a16="http://schemas.microsoft.com/office/drawing/2014/main" val="10008"/>
+                  </a:ext>
+                </a:extLst>
               </a:tr>
               <a:tr h="544843">
                 <a:tc gridSpan="2">
@@ -10823,10 +8711,9 @@
                     <a:p>
                       <a:pPr latinLnBrk="1"/>
                       <a:r>
-                        <a:rPr lang="ko-KR" altLang="en-US" sz="1500" dirty="0" smtClean="0"/>
+                        <a:rPr lang="ko-KR" altLang="en-US" sz="1500" dirty="0"/>
                         <a:t>프로젝트 기간</a:t>
                       </a:r>
-                      <a:endParaRPr lang="ko-KR" altLang="en-US" sz="1500" dirty="0"/>
                     </a:p>
                   </a:txBody>
                   <a:tcPr>
@@ -10862,7 +8749,7 @@
                     <a:p>
                       <a:pPr latinLnBrk="1"/>
                       <a:r>
-                        <a:rPr lang="en-US" altLang="ko-KR" dirty="0" smtClean="0"/>
+                        <a:rPr lang="en-US" altLang="ko-KR" dirty="0"/>
                         <a:t>2021-09-01 ~ 2021-09-29</a:t>
                       </a:r>
                       <a:endParaRPr lang="ko-KR" altLang="en-US" dirty="0"/>
@@ -10927,6 +8814,11 @@
                     </a:solidFill>
                   </a:tcPr>
                 </a:tc>
+                <a:extLst>
+                  <a:ext uri="{0D108BD9-81ED-4DB2-BD59-A6C34878D82A}">
+                    <a16:rowId xmlns:a16="http://schemas.microsoft.com/office/drawing/2014/main" val="10009"/>
+                  </a:ext>
+                </a:extLst>
               </a:tr>
               <a:tr h="391261">
                 <a:tc gridSpan="2">
@@ -10936,10 +8828,9 @@
                     <a:p>
                       <a:pPr latinLnBrk="1"/>
                       <a:r>
-                        <a:rPr lang="ko-KR" altLang="en-US" sz="1500" dirty="0" smtClean="0"/>
+                        <a:rPr lang="ko-KR" altLang="en-US" sz="1500" dirty="0"/>
                         <a:t>소요예산</a:t>
                       </a:r>
-                      <a:endParaRPr lang="ko-KR" altLang="en-US" sz="1500" dirty="0"/>
                     </a:p>
                   </a:txBody>
                   <a:tcPr>
@@ -10975,18 +8866,17 @@
                     <a:p>
                       <a:pPr latinLnBrk="1"/>
                       <a:r>
-                        <a:rPr lang="ko-KR" altLang="en-US" dirty="0" smtClean="0"/>
+                        <a:rPr lang="ko-KR" altLang="en-US" dirty="0"/>
                         <a:t>약 </a:t>
                       </a:r>
                       <a:r>
-                        <a:rPr lang="en-US" altLang="ko-KR" dirty="0" smtClean="0"/>
+                        <a:rPr lang="en-US" altLang="ko-KR" dirty="0"/>
                         <a:t>5~10</a:t>
                       </a:r>
                       <a:r>
-                        <a:rPr lang="ko-KR" altLang="en-US" dirty="0" smtClean="0"/>
+                        <a:rPr lang="ko-KR" altLang="en-US" dirty="0"/>
                         <a:t>만원</a:t>
                       </a:r>
-                      <a:endParaRPr lang="ko-KR" altLang="en-US" dirty="0"/>
                     </a:p>
                   </a:txBody>
                   <a:tcPr>
@@ -11048,6 +8938,11 @@
                     </a:solidFill>
                   </a:tcPr>
                 </a:tc>
+                <a:extLst>
+                  <a:ext uri="{0D108BD9-81ED-4DB2-BD59-A6C34878D82A}">
+                    <a16:rowId xmlns:a16="http://schemas.microsoft.com/office/drawing/2014/main" val="10010"/>
+                  </a:ext>
+                </a:extLst>
               </a:tr>
               <a:tr h="936104">
                 <a:tc gridSpan="2">
@@ -11057,10 +8952,9 @@
                     <a:p>
                       <a:pPr latinLnBrk="1"/>
                       <a:r>
-                        <a:rPr lang="ko-KR" altLang="en-US" sz="1500" dirty="0" smtClean="0"/>
+                        <a:rPr lang="ko-KR" altLang="en-US" sz="1500" dirty="0"/>
                         <a:t>내용요약</a:t>
                       </a:r>
-                      <a:endParaRPr lang="ko-KR" altLang="en-US" sz="1500" dirty="0"/>
                     </a:p>
                   </a:txBody>
                   <a:tcPr>
@@ -11096,87 +8990,87 @@
                     <a:p>
                       <a:pPr latinLnBrk="1"/>
                       <a:r>
-                        <a:rPr lang="ko-KR" altLang="en-US" sz="1300" dirty="0" err="1" smtClean="0"/>
+                        <a:rPr lang="ko-KR" altLang="en-US" sz="1300" dirty="0" err="1"/>
                         <a:t>개인용웹을</a:t>
                       </a:r>
                       <a:r>
-                        <a:rPr lang="ko-KR" altLang="en-US" sz="1300" dirty="0" smtClean="0"/>
+                        <a:rPr lang="ko-KR" altLang="en-US" sz="1300" dirty="0"/>
                         <a:t> </a:t>
                       </a:r>
                       <a:r>
-                        <a:rPr lang="en-US" altLang="ko-KR" sz="1300" dirty="0" smtClean="0"/>
+                        <a:rPr lang="en-US" altLang="ko-KR" sz="1300" dirty="0"/>
                         <a:t>ABOUT,</a:t>
                       </a:r>
                       <a:r>
-                        <a:rPr lang="en-US" altLang="ko-KR" sz="1300" baseline="0" dirty="0" smtClean="0"/>
+                        <a:rPr lang="en-US" altLang="ko-KR" sz="1300" baseline="0" dirty="0"/>
                         <a:t> PORTFOLIO, SKILL, CONTACT</a:t>
                       </a:r>
                       <a:r>
-                        <a:rPr lang="ko-KR" altLang="en-US" sz="1300" baseline="0" dirty="0" smtClean="0"/>
+                        <a:rPr lang="ko-KR" altLang="en-US" sz="1300" baseline="0" dirty="0"/>
                         <a:t>로 나눔</a:t>
                       </a:r>
-                      <a:endParaRPr lang="en-US" altLang="ko-KR" sz="1300" baseline="0" dirty="0" smtClean="0"/>
+                      <a:endParaRPr lang="en-US" altLang="ko-KR" sz="1300" baseline="0" dirty="0"/>
                     </a:p>
                     <a:p>
                       <a:pPr latinLnBrk="1"/>
                       <a:r>
-                        <a:rPr lang="en-US" altLang="ko-KR" sz="1300" dirty="0" smtClean="0"/>
+                        <a:rPr lang="en-US" altLang="ko-KR" sz="1300" dirty="0"/>
                         <a:t>ABOUT</a:t>
                       </a:r>
                       <a:r>
-                        <a:rPr lang="ko-KR" altLang="en-US" sz="1300" baseline="0" dirty="0" smtClean="0"/>
+                        <a:rPr lang="ko-KR" altLang="en-US" sz="1300" baseline="0" dirty="0"/>
                         <a:t> </a:t>
                       </a:r>
                       <a:r>
-                        <a:rPr lang="en-US" altLang="ko-KR" sz="1300" baseline="0" dirty="0" smtClean="0"/>
+                        <a:rPr lang="en-US" altLang="ko-KR" sz="1300" baseline="0" dirty="0"/>
                         <a:t>:</a:t>
                       </a:r>
                       <a:r>
-                        <a:rPr lang="ko-KR" altLang="en-US" sz="1300" dirty="0" smtClean="0"/>
+                        <a:rPr lang="ko-KR" altLang="en-US" sz="1300" dirty="0"/>
                         <a:t> 자신의 정보를 작성</a:t>
                       </a:r>
-                      <a:endParaRPr lang="en-US" altLang="ko-KR" sz="1300" dirty="0" smtClean="0"/>
+                      <a:endParaRPr lang="en-US" altLang="ko-KR" sz="1300" dirty="0"/>
                     </a:p>
                     <a:p>
                       <a:pPr latinLnBrk="1"/>
                       <a:r>
-                        <a:rPr lang="en-US" altLang="ko-KR" sz="1300" dirty="0" smtClean="0"/>
+                        <a:rPr lang="en-US" altLang="ko-KR" sz="1300" dirty="0"/>
                         <a:t>PORTFOLIO : </a:t>
                       </a:r>
                       <a:r>
-                        <a:rPr lang="ko-KR" altLang="en-US" sz="1300" dirty="0" smtClean="0"/>
+                        <a:rPr lang="ko-KR" altLang="en-US" sz="1300" dirty="0"/>
                         <a:t>기존의 홈페이지를 수정하여 새로운 제시</a:t>
                       </a:r>
-                      <a:endParaRPr lang="en-US" altLang="ko-KR" sz="1300" dirty="0" smtClean="0"/>
+                      <a:endParaRPr lang="en-US" altLang="ko-KR" sz="1300" dirty="0"/>
                     </a:p>
                     <a:p>
                       <a:pPr latinLnBrk="1"/>
                       <a:r>
-                        <a:rPr lang="en-US" altLang="ko-KR" sz="1300" dirty="0" smtClean="0"/>
+                        <a:rPr lang="en-US" altLang="ko-KR" sz="1300" dirty="0"/>
                         <a:t>SKILL : </a:t>
                       </a:r>
                       <a:r>
-                        <a:rPr lang="ko-KR" altLang="en-US" sz="1300" dirty="0" smtClean="0"/>
+                        <a:rPr lang="ko-KR" altLang="en-US" sz="1300" dirty="0"/>
                         <a:t>자신이 다룰</a:t>
                       </a:r>
                       <a:r>
-                        <a:rPr lang="ko-KR" altLang="en-US" sz="1300" baseline="0" dirty="0" smtClean="0"/>
+                        <a:rPr lang="ko-KR" altLang="en-US" sz="1300" baseline="0" dirty="0"/>
                         <a:t> 수 있는 프로그램을 나열하고 숙련도 표시</a:t>
                       </a:r>
-                      <a:endParaRPr lang="en-US" altLang="ko-KR" sz="1300" baseline="0" dirty="0" smtClean="0"/>
+                      <a:endParaRPr lang="en-US" altLang="ko-KR" sz="1300" baseline="0" dirty="0"/>
                     </a:p>
                     <a:p>
                       <a:pPr latinLnBrk="1"/>
                       <a:r>
-                        <a:rPr lang="en-US" altLang="ko-KR" sz="1300" dirty="0" smtClean="0"/>
+                        <a:rPr lang="en-US" altLang="ko-KR" sz="1300" dirty="0"/>
                         <a:t>CONTACT</a:t>
                       </a:r>
                       <a:r>
-                        <a:rPr lang="en-US" altLang="ko-KR" sz="1300" baseline="0" dirty="0" smtClean="0"/>
+                        <a:rPr lang="en-US" altLang="ko-KR" sz="1300" baseline="0" dirty="0"/>
                         <a:t> : </a:t>
                       </a:r>
                       <a:r>
-                        <a:rPr lang="ko-KR" altLang="en-US" sz="1300" baseline="0" dirty="0" smtClean="0"/>
+                        <a:rPr lang="ko-KR" altLang="en-US" sz="1300" baseline="0" dirty="0"/>
                         <a:t>연락 받을 수 있는 연락처</a:t>
                       </a:r>
                       <a:endParaRPr lang="ko-KR" altLang="en-US" sz="1300" dirty="0"/>
@@ -11241,6 +9135,11 @@
                     </a:solidFill>
                   </a:tcPr>
                 </a:tc>
+                <a:extLst>
+                  <a:ext uri="{0D108BD9-81ED-4DB2-BD59-A6C34878D82A}">
+                    <a16:rowId xmlns:a16="http://schemas.microsoft.com/office/drawing/2014/main" val="10011"/>
+                  </a:ext>
+                </a:extLst>
               </a:tr>
             </a:tbl>
           </a:graphicData>
@@ -11250,6 +9149,3818 @@
     <p:extLst>
       <p:ext uri="{BB962C8B-B14F-4D97-AF65-F5344CB8AC3E}">
         <p14:creationId xmlns:p14="http://schemas.microsoft.com/office/powerpoint/2010/main" val="1990616228"/>
+      </p:ext>
+    </p:extLst>
+  </p:cSld>
+  <p:clrMapOvr>
+    <a:masterClrMapping/>
+  </p:clrMapOvr>
+</p:sld>
+</file>
+
+<file path=ppt/slides/slide2.xml><?xml version="1.0" encoding="utf-8"?>
+<p:sld xmlns:a="http://schemas.openxmlformats.org/drawingml/2006/main" xmlns:r="http://schemas.openxmlformats.org/officeDocument/2006/relationships" xmlns:p="http://schemas.openxmlformats.org/presentationml/2006/main">
+  <p:cSld>
+    <p:spTree>
+      <p:nvGrpSpPr>
+        <p:cNvPr id="1" name=""/>
+        <p:cNvGrpSpPr/>
+        <p:nvPr/>
+      </p:nvGrpSpPr>
+      <p:grpSpPr>
+        <a:xfrm>
+          <a:off x="0" y="0"/>
+          <a:ext cx="0" cy="0"/>
+          <a:chOff x="0" y="0"/>
+          <a:chExt cx="0" cy="0"/>
+        </a:xfrm>
+      </p:grpSpPr>
+      <p:sp>
+        <p:nvSpPr>
+          <p:cNvPr id="2" name="제목 1">
+            <a:extLst>
+              <a:ext uri="{FF2B5EF4-FFF2-40B4-BE49-F238E27FC236}">
+                <a16:creationId xmlns:a16="http://schemas.microsoft.com/office/drawing/2014/main" id="{47B339F2-6A20-4A30-9887-7BFB73CA1E8C}"/>
+              </a:ext>
+            </a:extLst>
+          </p:cNvPr>
+          <p:cNvSpPr>
+            <a:spLocks noGrp="1"/>
+          </p:cNvSpPr>
+          <p:nvPr>
+            <p:ph type="title"/>
+          </p:nvPr>
+        </p:nvSpPr>
+        <p:spPr/>
+        <p:txBody>
+          <a:bodyPr/>
+          <a:lstStyle/>
+          <a:p>
+            <a:r>
+              <a:rPr lang="ko-KR" altLang="en-US" b="1" i="0" dirty="0">
+                <a:solidFill>
+                  <a:srgbClr val="202124"/>
+                </a:solidFill>
+                <a:effectLst/>
+                <a:latin typeface="Google Sans"/>
+              </a:rPr>
+              <a:t>무드보드</a:t>
+            </a:r>
+            <a:endParaRPr lang="ko-KR" altLang="en-US" b="1" dirty="0"/>
+          </a:p>
+        </p:txBody>
+      </p:sp>
+      <p:sp>
+        <p:nvSpPr>
+          <p:cNvPr id="4" name="TextBox 3">
+            <a:extLst>
+              <a:ext uri="{FF2B5EF4-FFF2-40B4-BE49-F238E27FC236}">
+                <a16:creationId xmlns:a16="http://schemas.microsoft.com/office/drawing/2014/main" id="{8237C4CB-4216-4872-B8DD-413584D35DD2}"/>
+              </a:ext>
+            </a:extLst>
+          </p:cNvPr>
+          <p:cNvSpPr txBox="1"/>
+          <p:nvPr/>
+        </p:nvSpPr>
+        <p:spPr>
+          <a:xfrm>
+            <a:off x="10390" y="1307798"/>
+            <a:ext cx="9133610" cy="1015663"/>
+          </a:xfrm>
+          <a:prstGeom prst="rect">
+            <a:avLst/>
+          </a:prstGeom>
+          <a:solidFill>
+            <a:schemeClr val="tx2">
+              <a:lumMod val="40000"/>
+              <a:lumOff val="60000"/>
+            </a:schemeClr>
+          </a:solidFill>
+        </p:spPr>
+        <p:txBody>
+          <a:bodyPr wrap="square" rtlCol="0">
+            <a:spAutoFit/>
+          </a:bodyPr>
+          <a:lstStyle/>
+          <a:p>
+            <a:pPr algn="ctr"/>
+            <a:r>
+              <a:rPr lang="en-US" altLang="ko-KR" sz="6000" b="1" dirty="0"/>
+              <a:t>Color</a:t>
+            </a:r>
+            <a:endParaRPr lang="ko-KR" altLang="en-US" sz="6000" b="1" dirty="0"/>
+          </a:p>
+        </p:txBody>
+      </p:sp>
+      <p:sp>
+        <p:nvSpPr>
+          <p:cNvPr id="26" name="TextBox 25">
+            <a:extLst>
+              <a:ext uri="{FF2B5EF4-FFF2-40B4-BE49-F238E27FC236}">
+                <a16:creationId xmlns:a16="http://schemas.microsoft.com/office/drawing/2014/main" id="{C920BFD4-F974-4CAF-87D5-9E2AE912ACA4}"/>
+              </a:ext>
+            </a:extLst>
+          </p:cNvPr>
+          <p:cNvSpPr txBox="1"/>
+          <p:nvPr/>
+        </p:nvSpPr>
+        <p:spPr>
+          <a:xfrm>
+            <a:off x="4233257" y="2984269"/>
+            <a:ext cx="685800" cy="369332"/>
+          </a:xfrm>
+          <a:prstGeom prst="rect">
+            <a:avLst/>
+          </a:prstGeom>
+          <a:noFill/>
+        </p:spPr>
+        <p:txBody>
+          <a:bodyPr wrap="square" rtlCol="0">
+            <a:spAutoFit/>
+          </a:bodyPr>
+          <a:lstStyle/>
+          <a:p>
+            <a:endParaRPr lang="ko-KR" altLang="en-US" dirty="0"/>
+          </a:p>
+        </p:txBody>
+      </p:sp>
+      <p:sp>
+        <p:nvSpPr>
+          <p:cNvPr id="3" name="직사각형 2"/>
+          <p:cNvSpPr/>
+          <p:nvPr/>
+        </p:nvSpPr>
+        <p:spPr>
+          <a:xfrm>
+            <a:off x="2286000" y="2967335"/>
+            <a:ext cx="4572000" cy="923330"/>
+          </a:xfrm>
+          <a:prstGeom prst="rect">
+            <a:avLst/>
+          </a:prstGeom>
+        </p:spPr>
+        <p:txBody>
+          <a:bodyPr>
+            <a:spAutoFit/>
+          </a:bodyPr>
+          <a:lstStyle/>
+          <a:p>
+            <a:br>
+              <a:rPr lang="ko-KR" altLang="en-US" dirty="0"/>
+            </a:br>
+            <a:br>
+              <a:rPr lang="ko-KR" altLang="en-US" dirty="0"/>
+            </a:br>
+            <a:endParaRPr lang="ko-KR" altLang="en-US" dirty="0"/>
+          </a:p>
+        </p:txBody>
+      </p:sp>
+      <p:sp>
+        <p:nvSpPr>
+          <p:cNvPr id="5" name="직사각형 4"/>
+          <p:cNvSpPr/>
+          <p:nvPr/>
+        </p:nvSpPr>
+        <p:spPr>
+          <a:xfrm>
+            <a:off x="2286000" y="2967335"/>
+            <a:ext cx="4572000" cy="923330"/>
+          </a:xfrm>
+          <a:prstGeom prst="rect">
+            <a:avLst/>
+          </a:prstGeom>
+        </p:spPr>
+        <p:txBody>
+          <a:bodyPr>
+            <a:spAutoFit/>
+          </a:bodyPr>
+          <a:lstStyle/>
+          <a:p>
+            <a:br>
+              <a:rPr lang="ko-KR" altLang="en-US" dirty="0"/>
+            </a:br>
+            <a:br>
+              <a:rPr lang="ko-KR" altLang="en-US" dirty="0"/>
+            </a:br>
+            <a:endParaRPr lang="ko-KR" altLang="en-US" dirty="0"/>
+          </a:p>
+        </p:txBody>
+      </p:sp>
+      <p:sp>
+        <p:nvSpPr>
+          <p:cNvPr id="6" name="직사각형 5"/>
+          <p:cNvSpPr/>
+          <p:nvPr/>
+        </p:nvSpPr>
+        <p:spPr>
+          <a:xfrm>
+            <a:off x="2286000" y="2967335"/>
+            <a:ext cx="4572000" cy="923330"/>
+          </a:xfrm>
+          <a:prstGeom prst="rect">
+            <a:avLst/>
+          </a:prstGeom>
+        </p:spPr>
+        <p:txBody>
+          <a:bodyPr>
+            <a:spAutoFit/>
+          </a:bodyPr>
+          <a:lstStyle/>
+          <a:p>
+            <a:br>
+              <a:rPr lang="ko-KR" altLang="en-US" dirty="0"/>
+            </a:br>
+            <a:br>
+              <a:rPr lang="ko-KR" altLang="en-US" dirty="0"/>
+            </a:br>
+            <a:endParaRPr lang="ko-KR" altLang="en-US" dirty="0"/>
+          </a:p>
+        </p:txBody>
+      </p:sp>
+      <p:sp>
+        <p:nvSpPr>
+          <p:cNvPr id="7" name="TextBox 6"/>
+          <p:cNvSpPr txBox="1"/>
+          <p:nvPr/>
+        </p:nvSpPr>
+        <p:spPr>
+          <a:xfrm>
+            <a:off x="2782491" y="4551216"/>
+            <a:ext cx="1368152" cy="369332"/>
+          </a:xfrm>
+          <a:prstGeom prst="rect">
+            <a:avLst/>
+          </a:prstGeom>
+          <a:noFill/>
+        </p:spPr>
+        <p:txBody>
+          <a:bodyPr wrap="square" rtlCol="0">
+            <a:spAutoFit/>
+          </a:bodyPr>
+          <a:lstStyle/>
+          <a:p>
+            <a:pPr algn="ctr"/>
+            <a:r>
+              <a:rPr lang="en-US" altLang="ko-KR" dirty="0"/>
+              <a:t>#92CAFF</a:t>
+            </a:r>
+            <a:endParaRPr lang="ko-KR" altLang="en-US" dirty="0"/>
+          </a:p>
+        </p:txBody>
+      </p:sp>
+      <p:sp>
+        <p:nvSpPr>
+          <p:cNvPr id="8" name="직사각형 7"/>
+          <p:cNvSpPr/>
+          <p:nvPr/>
+        </p:nvSpPr>
+        <p:spPr>
+          <a:xfrm>
+            <a:off x="2782491" y="3399088"/>
+            <a:ext cx="1368152" cy="1152128"/>
+          </a:xfrm>
+          <a:prstGeom prst="rect">
+            <a:avLst/>
+          </a:prstGeom>
+          <a:solidFill>
+            <a:srgbClr val="92CAFF"/>
+          </a:solidFill>
+          <a:ln>
+            <a:solidFill>
+              <a:schemeClr val="accent1"/>
+            </a:solidFill>
+          </a:ln>
+        </p:spPr>
+        <p:style>
+          <a:lnRef idx="2">
+            <a:schemeClr val="accent1">
+              <a:shade val="50000"/>
+            </a:schemeClr>
+          </a:lnRef>
+          <a:fillRef idx="1">
+            <a:schemeClr val="accent1"/>
+          </a:fillRef>
+          <a:effectRef idx="0">
+            <a:schemeClr val="accent1"/>
+          </a:effectRef>
+          <a:fontRef idx="minor">
+            <a:schemeClr val="lt1"/>
+          </a:fontRef>
+        </p:style>
+        <p:txBody>
+          <a:bodyPr rtlCol="0" anchor="ctr"/>
+          <a:lstStyle/>
+          <a:p>
+            <a:pPr algn="ctr"/>
+            <a:endParaRPr lang="ko-KR" altLang="en-US"/>
+          </a:p>
+        </p:txBody>
+      </p:sp>
+      <p:sp>
+        <p:nvSpPr>
+          <p:cNvPr id="21" name="직사각형 20"/>
+          <p:cNvSpPr/>
+          <p:nvPr/>
+        </p:nvSpPr>
+        <p:spPr>
+          <a:xfrm>
+            <a:off x="4150643" y="3399088"/>
+            <a:ext cx="1368152" cy="1152128"/>
+          </a:xfrm>
+          <a:prstGeom prst="rect">
+            <a:avLst/>
+          </a:prstGeom>
+          <a:solidFill>
+            <a:srgbClr val="000000"/>
+          </a:solidFill>
+          <a:ln>
+            <a:solidFill>
+              <a:schemeClr val="accent1"/>
+            </a:solidFill>
+          </a:ln>
+        </p:spPr>
+        <p:style>
+          <a:lnRef idx="2">
+            <a:schemeClr val="accent1">
+              <a:shade val="50000"/>
+            </a:schemeClr>
+          </a:lnRef>
+          <a:fillRef idx="1">
+            <a:schemeClr val="accent1"/>
+          </a:fillRef>
+          <a:effectRef idx="0">
+            <a:schemeClr val="accent1"/>
+          </a:effectRef>
+          <a:fontRef idx="minor">
+            <a:schemeClr val="lt1"/>
+          </a:fontRef>
+        </p:style>
+        <p:txBody>
+          <a:bodyPr rtlCol="0" anchor="ctr"/>
+          <a:lstStyle/>
+          <a:p>
+            <a:pPr algn="ctr"/>
+            <a:endParaRPr lang="ko-KR" altLang="en-US"/>
+          </a:p>
+        </p:txBody>
+      </p:sp>
+      <p:sp>
+        <p:nvSpPr>
+          <p:cNvPr id="23" name="직사각형 22"/>
+          <p:cNvSpPr/>
+          <p:nvPr/>
+        </p:nvSpPr>
+        <p:spPr>
+          <a:xfrm>
+            <a:off x="5518795" y="3399088"/>
+            <a:ext cx="1368152" cy="1152128"/>
+          </a:xfrm>
+          <a:prstGeom prst="rect">
+            <a:avLst/>
+          </a:prstGeom>
+          <a:noFill/>
+          <a:ln>
+            <a:solidFill>
+              <a:schemeClr val="accent1"/>
+            </a:solidFill>
+          </a:ln>
+        </p:spPr>
+        <p:style>
+          <a:lnRef idx="2">
+            <a:schemeClr val="accent1">
+              <a:shade val="50000"/>
+            </a:schemeClr>
+          </a:lnRef>
+          <a:fillRef idx="1">
+            <a:schemeClr val="accent1"/>
+          </a:fillRef>
+          <a:effectRef idx="0">
+            <a:schemeClr val="accent1"/>
+          </a:effectRef>
+          <a:fontRef idx="minor">
+            <a:schemeClr val="lt1"/>
+          </a:fontRef>
+        </p:style>
+        <p:txBody>
+          <a:bodyPr rtlCol="0" anchor="ctr"/>
+          <a:lstStyle/>
+          <a:p>
+            <a:pPr algn="ctr"/>
+            <a:endParaRPr lang="ko-KR" altLang="en-US"/>
+          </a:p>
+        </p:txBody>
+      </p:sp>
+      <p:sp>
+        <p:nvSpPr>
+          <p:cNvPr id="28" name="TextBox 27"/>
+          <p:cNvSpPr txBox="1"/>
+          <p:nvPr/>
+        </p:nvSpPr>
+        <p:spPr>
+          <a:xfrm>
+            <a:off x="4156530" y="4551216"/>
+            <a:ext cx="1368152" cy="369332"/>
+          </a:xfrm>
+          <a:prstGeom prst="rect">
+            <a:avLst/>
+          </a:prstGeom>
+          <a:noFill/>
+        </p:spPr>
+        <p:txBody>
+          <a:bodyPr wrap="square" rtlCol="0">
+            <a:spAutoFit/>
+          </a:bodyPr>
+          <a:lstStyle/>
+          <a:p>
+            <a:pPr algn="ctr"/>
+            <a:r>
+              <a:rPr lang="en-US" altLang="ko-KR" dirty="0"/>
+              <a:t>#000000</a:t>
+            </a:r>
+            <a:endParaRPr lang="ko-KR" altLang="en-US" dirty="0"/>
+          </a:p>
+        </p:txBody>
+      </p:sp>
+      <p:sp>
+        <p:nvSpPr>
+          <p:cNvPr id="29" name="TextBox 28"/>
+          <p:cNvSpPr txBox="1"/>
+          <p:nvPr/>
+        </p:nvSpPr>
+        <p:spPr>
+          <a:xfrm>
+            <a:off x="5524682" y="4553919"/>
+            <a:ext cx="1368152" cy="369332"/>
+          </a:xfrm>
+          <a:prstGeom prst="rect">
+            <a:avLst/>
+          </a:prstGeom>
+          <a:noFill/>
+        </p:spPr>
+        <p:txBody>
+          <a:bodyPr wrap="square" rtlCol="0">
+            <a:spAutoFit/>
+          </a:bodyPr>
+          <a:lstStyle/>
+          <a:p>
+            <a:pPr algn="ctr"/>
+            <a:r>
+              <a:rPr lang="en-US" altLang="ko-KR" dirty="0"/>
+              <a:t>#FFFFFF</a:t>
+            </a:r>
+            <a:endParaRPr lang="ko-KR" altLang="en-US" dirty="0"/>
+          </a:p>
+        </p:txBody>
+      </p:sp>
+    </p:spTree>
+    <p:extLst>
+      <p:ext uri="{BB962C8B-B14F-4D97-AF65-F5344CB8AC3E}">
+        <p14:creationId xmlns:p14="http://schemas.microsoft.com/office/powerpoint/2010/main" val="741924826"/>
+      </p:ext>
+    </p:extLst>
+  </p:cSld>
+  <p:clrMapOvr>
+    <a:masterClrMapping/>
+  </p:clrMapOvr>
+</p:sld>
+</file>
+
+<file path=ppt/slides/slide3.xml><?xml version="1.0" encoding="utf-8"?>
+<p:sld xmlns:a="http://schemas.openxmlformats.org/drawingml/2006/main" xmlns:r="http://schemas.openxmlformats.org/officeDocument/2006/relationships" xmlns:p="http://schemas.openxmlformats.org/presentationml/2006/main">
+  <p:cSld>
+    <p:spTree>
+      <p:nvGrpSpPr>
+        <p:cNvPr id="1" name=""/>
+        <p:cNvGrpSpPr/>
+        <p:nvPr/>
+      </p:nvGrpSpPr>
+      <p:grpSpPr>
+        <a:xfrm>
+          <a:off x="0" y="0"/>
+          <a:ext cx="0" cy="0"/>
+          <a:chOff x="0" y="0"/>
+          <a:chExt cx="0" cy="0"/>
+        </a:xfrm>
+      </p:grpSpPr>
+      <p:sp>
+        <p:nvSpPr>
+          <p:cNvPr id="2" name="제목 1">
+            <a:extLst>
+              <a:ext uri="{FF2B5EF4-FFF2-40B4-BE49-F238E27FC236}">
+                <a16:creationId xmlns:a16="http://schemas.microsoft.com/office/drawing/2014/main" id="{47B339F2-6A20-4A30-9887-7BFB73CA1E8C}"/>
+              </a:ext>
+            </a:extLst>
+          </p:cNvPr>
+          <p:cNvSpPr>
+            <a:spLocks noGrp="1"/>
+          </p:cNvSpPr>
+          <p:nvPr>
+            <p:ph type="title"/>
+          </p:nvPr>
+        </p:nvSpPr>
+        <p:spPr/>
+        <p:txBody>
+          <a:bodyPr/>
+          <a:lstStyle/>
+          <a:p>
+            <a:r>
+              <a:rPr lang="ko-KR" altLang="en-US" b="1" i="0" dirty="0">
+                <a:solidFill>
+                  <a:srgbClr val="202124"/>
+                </a:solidFill>
+                <a:effectLst/>
+                <a:latin typeface="Google Sans"/>
+              </a:rPr>
+              <a:t>무드보드</a:t>
+            </a:r>
+            <a:endParaRPr lang="ko-KR" altLang="en-US" b="1" dirty="0"/>
+          </a:p>
+        </p:txBody>
+      </p:sp>
+      <p:sp>
+        <p:nvSpPr>
+          <p:cNvPr id="4" name="TextBox 3">
+            <a:extLst>
+              <a:ext uri="{FF2B5EF4-FFF2-40B4-BE49-F238E27FC236}">
+                <a16:creationId xmlns:a16="http://schemas.microsoft.com/office/drawing/2014/main" id="{8237C4CB-4216-4872-B8DD-413584D35DD2}"/>
+              </a:ext>
+            </a:extLst>
+          </p:cNvPr>
+          <p:cNvSpPr txBox="1"/>
+          <p:nvPr/>
+        </p:nvSpPr>
+        <p:spPr>
+          <a:xfrm>
+            <a:off x="10390" y="1307798"/>
+            <a:ext cx="9133610" cy="1015663"/>
+          </a:xfrm>
+          <a:prstGeom prst="rect">
+            <a:avLst/>
+          </a:prstGeom>
+          <a:solidFill>
+            <a:schemeClr val="tx2">
+              <a:lumMod val="40000"/>
+              <a:lumOff val="60000"/>
+            </a:schemeClr>
+          </a:solidFill>
+        </p:spPr>
+        <p:txBody>
+          <a:bodyPr wrap="square" rtlCol="0">
+            <a:spAutoFit/>
+          </a:bodyPr>
+          <a:lstStyle/>
+          <a:p>
+            <a:pPr algn="ctr"/>
+            <a:r>
+              <a:rPr lang="en-US" altLang="ko-KR" sz="6000" b="1" dirty="0"/>
+              <a:t>Fonts</a:t>
+            </a:r>
+            <a:endParaRPr lang="ko-KR" altLang="en-US" sz="6000" b="1" dirty="0"/>
+          </a:p>
+        </p:txBody>
+      </p:sp>
+      <p:sp>
+        <p:nvSpPr>
+          <p:cNvPr id="3" name="TextBox 2"/>
+          <p:cNvSpPr txBox="1"/>
+          <p:nvPr/>
+        </p:nvSpPr>
+        <p:spPr>
+          <a:xfrm>
+            <a:off x="1118350" y="3006022"/>
+            <a:ext cx="2690162" cy="1015663"/>
+          </a:xfrm>
+          <a:prstGeom prst="rect">
+            <a:avLst/>
+          </a:prstGeom>
+          <a:noFill/>
+        </p:spPr>
+        <p:txBody>
+          <a:bodyPr wrap="square" rtlCol="0">
+            <a:spAutoFit/>
+          </a:bodyPr>
+          <a:lstStyle/>
+          <a:p>
+            <a:r>
+              <a:rPr lang="en-US" altLang="ko-KR" sz="6000" dirty="0">
+                <a:latin typeface="Noto Sans KR" pitchFamily="34" charset="-127"/>
+                <a:ea typeface="Noto Sans KR" pitchFamily="34" charset="-127"/>
+              </a:rPr>
+              <a:t>HOME</a:t>
+            </a:r>
+            <a:endParaRPr lang="ko-KR" altLang="en-US" sz="6000" dirty="0">
+              <a:latin typeface="Noto Sans KR" pitchFamily="34" charset="-127"/>
+              <a:ea typeface="Noto Sans KR" pitchFamily="34" charset="-127"/>
+            </a:endParaRPr>
+          </a:p>
+        </p:txBody>
+      </p:sp>
+      <p:sp>
+        <p:nvSpPr>
+          <p:cNvPr id="13" name="TextBox 12"/>
+          <p:cNvSpPr txBox="1"/>
+          <p:nvPr/>
+        </p:nvSpPr>
+        <p:spPr>
+          <a:xfrm>
+            <a:off x="4434409" y="3236855"/>
+            <a:ext cx="1465466" cy="553998"/>
+          </a:xfrm>
+          <a:prstGeom prst="rect">
+            <a:avLst/>
+          </a:prstGeom>
+          <a:noFill/>
+        </p:spPr>
+        <p:txBody>
+          <a:bodyPr wrap="none" rtlCol="0">
+            <a:spAutoFit/>
+          </a:bodyPr>
+          <a:lstStyle/>
+          <a:p>
+            <a:r>
+              <a:rPr lang="en-US" altLang="ko-KR" sz="3000" dirty="0">
+                <a:latin typeface="Noto Sans KR" pitchFamily="34" charset="-127"/>
+                <a:ea typeface="Noto Sans KR" pitchFamily="34" charset="-127"/>
+              </a:rPr>
+              <a:t>ABOUT</a:t>
+            </a:r>
+            <a:endParaRPr lang="ko-KR" altLang="en-US" sz="3000" dirty="0">
+              <a:latin typeface="Noto Sans KR" pitchFamily="34" charset="-127"/>
+              <a:ea typeface="Noto Sans KR" pitchFamily="34" charset="-127"/>
+            </a:endParaRPr>
+          </a:p>
+        </p:txBody>
+      </p:sp>
+      <p:sp>
+        <p:nvSpPr>
+          <p:cNvPr id="14" name="TextBox 13"/>
+          <p:cNvSpPr txBox="1"/>
+          <p:nvPr/>
+        </p:nvSpPr>
+        <p:spPr>
+          <a:xfrm>
+            <a:off x="6300192" y="3313799"/>
+            <a:ext cx="1585434" cy="400110"/>
+          </a:xfrm>
+          <a:prstGeom prst="rect">
+            <a:avLst/>
+          </a:prstGeom>
+          <a:noFill/>
+        </p:spPr>
+        <p:txBody>
+          <a:bodyPr wrap="none" rtlCol="0">
+            <a:spAutoFit/>
+          </a:bodyPr>
+          <a:lstStyle/>
+          <a:p>
+            <a:r>
+              <a:rPr lang="en-US" altLang="ko-KR" sz="2000" dirty="0">
+                <a:latin typeface="Noto Sans KR" pitchFamily="34" charset="-127"/>
+                <a:ea typeface="Noto Sans KR" pitchFamily="34" charset="-127"/>
+              </a:rPr>
+              <a:t>PORTFOLIO</a:t>
+            </a:r>
+            <a:endParaRPr lang="ko-KR" altLang="en-US" sz="2000" dirty="0">
+              <a:latin typeface="Noto Sans KR" pitchFamily="34" charset="-127"/>
+              <a:ea typeface="Noto Sans KR" pitchFamily="34" charset="-127"/>
+            </a:endParaRPr>
+          </a:p>
+        </p:txBody>
+      </p:sp>
+      <p:sp>
+        <p:nvSpPr>
+          <p:cNvPr id="6" name="TextBox 5"/>
+          <p:cNvSpPr txBox="1"/>
+          <p:nvPr/>
+        </p:nvSpPr>
+        <p:spPr>
+          <a:xfrm>
+            <a:off x="1781901" y="4598258"/>
+            <a:ext cx="1361270" cy="630942"/>
+          </a:xfrm>
+          <a:prstGeom prst="rect">
+            <a:avLst/>
+          </a:prstGeom>
+          <a:noFill/>
+        </p:spPr>
+        <p:txBody>
+          <a:bodyPr wrap="none" rtlCol="0">
+            <a:spAutoFit/>
+          </a:bodyPr>
+          <a:lstStyle/>
+          <a:p>
+            <a:r>
+              <a:rPr lang="en-US" altLang="ko-KR" sz="3500" dirty="0">
+                <a:latin typeface="Noto Sans KR" pitchFamily="34" charset="-127"/>
+                <a:ea typeface="Noto Sans KR" pitchFamily="34" charset="-127"/>
+              </a:rPr>
+              <a:t>SKILL</a:t>
+            </a:r>
+            <a:endParaRPr lang="ko-KR" altLang="en-US" sz="3500" dirty="0">
+              <a:latin typeface="Noto Sans KR" pitchFamily="34" charset="-127"/>
+              <a:ea typeface="Noto Sans KR" pitchFamily="34" charset="-127"/>
+            </a:endParaRPr>
+          </a:p>
+        </p:txBody>
+      </p:sp>
+      <p:sp>
+        <p:nvSpPr>
+          <p:cNvPr id="7" name="TextBox 6"/>
+          <p:cNvSpPr txBox="1"/>
+          <p:nvPr/>
+        </p:nvSpPr>
+        <p:spPr>
+          <a:xfrm>
+            <a:off x="4932040" y="4705980"/>
+            <a:ext cx="2460032" cy="707886"/>
+          </a:xfrm>
+          <a:prstGeom prst="rect">
+            <a:avLst/>
+          </a:prstGeom>
+          <a:noFill/>
+        </p:spPr>
+        <p:txBody>
+          <a:bodyPr wrap="none" rtlCol="0">
+            <a:spAutoFit/>
+          </a:bodyPr>
+          <a:lstStyle/>
+          <a:p>
+            <a:r>
+              <a:rPr lang="en-US" altLang="ko-KR" sz="4000" dirty="0">
+                <a:latin typeface="Noto Sans KR" pitchFamily="34" charset="-127"/>
+                <a:ea typeface="Noto Sans KR" pitchFamily="34" charset="-127"/>
+              </a:rPr>
+              <a:t>CONTACT</a:t>
+            </a:r>
+            <a:endParaRPr lang="ko-KR" altLang="en-US" sz="4000" dirty="0">
+              <a:latin typeface="Noto Sans KR" pitchFamily="34" charset="-127"/>
+              <a:ea typeface="Noto Sans KR" pitchFamily="34" charset="-127"/>
+            </a:endParaRPr>
+          </a:p>
+        </p:txBody>
+      </p:sp>
+    </p:spTree>
+    <p:extLst>
+      <p:ext uri="{BB962C8B-B14F-4D97-AF65-F5344CB8AC3E}">
+        <p14:creationId xmlns:p14="http://schemas.microsoft.com/office/powerpoint/2010/main" val="22836780"/>
+      </p:ext>
+    </p:extLst>
+  </p:cSld>
+  <p:clrMapOvr>
+    <a:masterClrMapping/>
+  </p:clrMapOvr>
+</p:sld>
+</file>
+
+<file path=ppt/slides/slide4.xml><?xml version="1.0" encoding="utf-8"?>
+<p:sld xmlns:a="http://schemas.openxmlformats.org/drawingml/2006/main" xmlns:r="http://schemas.openxmlformats.org/officeDocument/2006/relationships" xmlns:p="http://schemas.openxmlformats.org/presentationml/2006/main">
+  <p:cSld>
+    <p:spTree>
+      <p:nvGrpSpPr>
+        <p:cNvPr id="1" name=""/>
+        <p:cNvGrpSpPr/>
+        <p:nvPr/>
+      </p:nvGrpSpPr>
+      <p:grpSpPr>
+        <a:xfrm>
+          <a:off x="0" y="0"/>
+          <a:ext cx="0" cy="0"/>
+          <a:chOff x="0" y="0"/>
+          <a:chExt cx="0" cy="0"/>
+        </a:xfrm>
+      </p:grpSpPr>
+      <p:sp>
+        <p:nvSpPr>
+          <p:cNvPr id="2" name="제목 1">
+            <a:extLst>
+              <a:ext uri="{FF2B5EF4-FFF2-40B4-BE49-F238E27FC236}">
+                <a16:creationId xmlns:a16="http://schemas.microsoft.com/office/drawing/2014/main" id="{47B339F2-6A20-4A30-9887-7BFB73CA1E8C}"/>
+              </a:ext>
+            </a:extLst>
+          </p:cNvPr>
+          <p:cNvSpPr>
+            <a:spLocks noGrp="1"/>
+          </p:cNvSpPr>
+          <p:nvPr>
+            <p:ph type="title"/>
+          </p:nvPr>
+        </p:nvSpPr>
+        <p:spPr/>
+        <p:txBody>
+          <a:bodyPr/>
+          <a:lstStyle/>
+          <a:p>
+            <a:r>
+              <a:rPr lang="ko-KR" altLang="en-US" b="1" i="0" dirty="0">
+                <a:solidFill>
+                  <a:srgbClr val="202124"/>
+                </a:solidFill>
+                <a:effectLst/>
+                <a:latin typeface="Google Sans"/>
+              </a:rPr>
+              <a:t>무드보드</a:t>
+            </a:r>
+            <a:endParaRPr lang="ko-KR" altLang="en-US" b="1" dirty="0"/>
+          </a:p>
+        </p:txBody>
+      </p:sp>
+      <p:sp>
+        <p:nvSpPr>
+          <p:cNvPr id="4" name="TextBox 3">
+            <a:extLst>
+              <a:ext uri="{FF2B5EF4-FFF2-40B4-BE49-F238E27FC236}">
+                <a16:creationId xmlns:a16="http://schemas.microsoft.com/office/drawing/2014/main" id="{8237C4CB-4216-4872-B8DD-413584D35DD2}"/>
+              </a:ext>
+            </a:extLst>
+          </p:cNvPr>
+          <p:cNvSpPr txBox="1"/>
+          <p:nvPr/>
+        </p:nvSpPr>
+        <p:spPr>
+          <a:xfrm>
+            <a:off x="10390" y="1307798"/>
+            <a:ext cx="9133610" cy="1015663"/>
+          </a:xfrm>
+          <a:prstGeom prst="rect">
+            <a:avLst/>
+          </a:prstGeom>
+          <a:solidFill>
+            <a:schemeClr val="tx2">
+              <a:lumMod val="40000"/>
+              <a:lumOff val="60000"/>
+            </a:schemeClr>
+          </a:solidFill>
+        </p:spPr>
+        <p:txBody>
+          <a:bodyPr wrap="square" rtlCol="0">
+            <a:spAutoFit/>
+          </a:bodyPr>
+          <a:lstStyle/>
+          <a:p>
+            <a:pPr algn="ctr"/>
+            <a:r>
+              <a:rPr lang="en-US" altLang="ko-KR" sz="6000" b="1" dirty="0"/>
+              <a:t>Icons</a:t>
+            </a:r>
+            <a:endParaRPr lang="ko-KR" altLang="en-US" sz="6000" b="1" dirty="0"/>
+          </a:p>
+        </p:txBody>
+      </p:sp>
+      <p:sp>
+        <p:nvSpPr>
+          <p:cNvPr id="26" name="TextBox 25">
+            <a:extLst>
+              <a:ext uri="{FF2B5EF4-FFF2-40B4-BE49-F238E27FC236}">
+                <a16:creationId xmlns:a16="http://schemas.microsoft.com/office/drawing/2014/main" id="{C920BFD4-F974-4CAF-87D5-9E2AE912ACA4}"/>
+              </a:ext>
+            </a:extLst>
+          </p:cNvPr>
+          <p:cNvSpPr txBox="1"/>
+          <p:nvPr/>
+        </p:nvSpPr>
+        <p:spPr>
+          <a:xfrm>
+            <a:off x="3887540" y="2796167"/>
+            <a:ext cx="685800" cy="369332"/>
+          </a:xfrm>
+          <a:prstGeom prst="rect">
+            <a:avLst/>
+          </a:prstGeom>
+          <a:noFill/>
+        </p:spPr>
+        <p:txBody>
+          <a:bodyPr wrap="square" rtlCol="0">
+            <a:spAutoFit/>
+          </a:bodyPr>
+          <a:lstStyle/>
+          <a:p>
+            <a:endParaRPr lang="ko-KR" altLang="en-US" dirty="0"/>
+          </a:p>
+        </p:txBody>
+      </p:sp>
+      <p:pic>
+        <p:nvPicPr>
+          <p:cNvPr id="19" name="Picture 3" descr="C:\Users\12-19\Downloads\skills_illustrator.png"/>
+          <p:cNvPicPr>
+            <a:picLocks noChangeAspect="1" noChangeArrowheads="1"/>
+          </p:cNvPicPr>
+          <p:nvPr/>
+        </p:nvPicPr>
+        <p:blipFill>
+          <a:blip r:embed="rId2">
+            <a:extLst>
+              <a:ext uri="{28A0092B-C50C-407E-A947-70E740481C1C}">
+                <a14:useLocalDpi xmlns:a14="http://schemas.microsoft.com/office/drawing/2010/main" val="0"/>
+              </a:ext>
+            </a:extLst>
+          </a:blip>
+          <a:srcRect/>
+          <a:stretch>
+            <a:fillRect/>
+          </a:stretch>
+        </p:blipFill>
+        <p:spPr bwMode="auto">
+          <a:xfrm>
+            <a:off x="1187624" y="2796167"/>
+            <a:ext cx="1429274" cy="1429274"/>
+          </a:xfrm>
+          <a:prstGeom prst="rect">
+            <a:avLst/>
+          </a:prstGeom>
+          <a:noFill/>
+          <a:extLst>
+            <a:ext uri="{909E8E84-426E-40DD-AFC4-6F175D3DCCD1}">
+              <a14:hiddenFill xmlns:a14="http://schemas.microsoft.com/office/drawing/2010/main">
+                <a:solidFill>
+                  <a:srgbClr val="FFFFFF"/>
+                </a:solidFill>
+              </a14:hiddenFill>
+            </a:ext>
+          </a:extLst>
+        </p:spPr>
+      </p:pic>
+      <p:pic>
+        <p:nvPicPr>
+          <p:cNvPr id="20" name="Picture 4" descr="C:\Users\12-19\Downloads\skills_photoshop.png"/>
+          <p:cNvPicPr>
+            <a:picLocks noChangeAspect="1" noChangeArrowheads="1"/>
+          </p:cNvPicPr>
+          <p:nvPr/>
+        </p:nvPicPr>
+        <p:blipFill>
+          <a:blip r:embed="rId3">
+            <a:extLst>
+              <a:ext uri="{28A0092B-C50C-407E-A947-70E740481C1C}">
+                <a14:useLocalDpi xmlns:a14="http://schemas.microsoft.com/office/drawing/2010/main" val="0"/>
+              </a:ext>
+            </a:extLst>
+          </a:blip>
+          <a:srcRect/>
+          <a:stretch>
+            <a:fillRect/>
+          </a:stretch>
+        </p:blipFill>
+        <p:spPr bwMode="auto">
+          <a:xfrm>
+            <a:off x="2976249" y="2796167"/>
+            <a:ext cx="1451381" cy="1451383"/>
+          </a:xfrm>
+          <a:prstGeom prst="rect">
+            <a:avLst/>
+          </a:prstGeom>
+          <a:noFill/>
+          <a:extLst>
+            <a:ext uri="{909E8E84-426E-40DD-AFC4-6F175D3DCCD1}">
+              <a14:hiddenFill xmlns:a14="http://schemas.microsoft.com/office/drawing/2010/main">
+                <a:solidFill>
+                  <a:srgbClr val="FFFFFF"/>
+                </a:solidFill>
+              </a14:hiddenFill>
+            </a:ext>
+          </a:extLst>
+        </p:spPr>
+      </p:pic>
+      <p:pic>
+        <p:nvPicPr>
+          <p:cNvPr id="21" name="Picture 5" descr="C:\Users\12-19\Downloads\skills_jquery.png"/>
+          <p:cNvPicPr>
+            <a:picLocks noChangeAspect="1" noChangeArrowheads="1"/>
+          </p:cNvPicPr>
+          <p:nvPr/>
+        </p:nvPicPr>
+        <p:blipFill>
+          <a:blip r:embed="rId4">
+            <a:extLst>
+              <a:ext uri="{28A0092B-C50C-407E-A947-70E740481C1C}">
+                <a14:useLocalDpi xmlns:a14="http://schemas.microsoft.com/office/drawing/2010/main" val="0"/>
+              </a:ext>
+            </a:extLst>
+          </a:blip>
+          <a:srcRect/>
+          <a:stretch>
+            <a:fillRect/>
+          </a:stretch>
+        </p:blipFill>
+        <p:spPr bwMode="auto">
+          <a:xfrm>
+            <a:off x="1187624" y="4512128"/>
+            <a:ext cx="1431540" cy="1431540"/>
+          </a:xfrm>
+          <a:prstGeom prst="rect">
+            <a:avLst/>
+          </a:prstGeom>
+          <a:noFill/>
+          <a:extLst>
+            <a:ext uri="{909E8E84-426E-40DD-AFC4-6F175D3DCCD1}">
+              <a14:hiddenFill xmlns:a14="http://schemas.microsoft.com/office/drawing/2010/main">
+                <a:solidFill>
+                  <a:srgbClr val="FFFFFF"/>
+                </a:solidFill>
+              </a14:hiddenFill>
+            </a:ext>
+          </a:extLst>
+        </p:spPr>
+      </p:pic>
+      <p:pic>
+        <p:nvPicPr>
+          <p:cNvPr id="22" name="Picture 6" descr="C:\Users\12-19\Downloads\skills_js.png"/>
+          <p:cNvPicPr>
+            <a:picLocks noChangeAspect="1" noChangeArrowheads="1"/>
+          </p:cNvPicPr>
+          <p:nvPr/>
+        </p:nvPicPr>
+        <p:blipFill>
+          <a:blip r:embed="rId5">
+            <a:extLst>
+              <a:ext uri="{28A0092B-C50C-407E-A947-70E740481C1C}">
+                <a14:useLocalDpi xmlns:a14="http://schemas.microsoft.com/office/drawing/2010/main" val="0"/>
+              </a:ext>
+            </a:extLst>
+          </a:blip>
+          <a:srcRect/>
+          <a:stretch>
+            <a:fillRect/>
+          </a:stretch>
+        </p:blipFill>
+        <p:spPr bwMode="auto">
+          <a:xfrm>
+            <a:off x="4794637" y="4512128"/>
+            <a:ext cx="1431540" cy="1431540"/>
+          </a:xfrm>
+          <a:prstGeom prst="rect">
+            <a:avLst/>
+          </a:prstGeom>
+          <a:noFill/>
+          <a:extLst>
+            <a:ext uri="{909E8E84-426E-40DD-AFC4-6F175D3DCCD1}">
+              <a14:hiddenFill xmlns:a14="http://schemas.microsoft.com/office/drawing/2010/main">
+                <a:solidFill>
+                  <a:srgbClr val="FFFFFF"/>
+                </a:solidFill>
+              </a14:hiddenFill>
+            </a:ext>
+          </a:extLst>
+        </p:spPr>
+      </p:pic>
+      <p:pic>
+        <p:nvPicPr>
+          <p:cNvPr id="23" name="Picture 8" descr="C:\Users\12-19\Downloads\skills_css3.png"/>
+          <p:cNvPicPr>
+            <a:picLocks noChangeAspect="1" noChangeArrowheads="1"/>
+          </p:cNvPicPr>
+          <p:nvPr/>
+        </p:nvPicPr>
+        <p:blipFill>
+          <a:blip r:embed="rId6">
+            <a:extLst>
+              <a:ext uri="{28A0092B-C50C-407E-A947-70E740481C1C}">
+                <a14:useLocalDpi xmlns:a14="http://schemas.microsoft.com/office/drawing/2010/main" val="0"/>
+              </a:ext>
+            </a:extLst>
+          </a:blip>
+          <a:srcRect/>
+          <a:stretch>
+            <a:fillRect/>
+          </a:stretch>
+        </p:blipFill>
+        <p:spPr bwMode="auto">
+          <a:xfrm>
+            <a:off x="6588224" y="4512128"/>
+            <a:ext cx="1457107" cy="1457107"/>
+          </a:xfrm>
+          <a:prstGeom prst="rect">
+            <a:avLst/>
+          </a:prstGeom>
+          <a:noFill/>
+          <a:extLst>
+            <a:ext uri="{909E8E84-426E-40DD-AFC4-6F175D3DCCD1}">
+              <a14:hiddenFill xmlns:a14="http://schemas.microsoft.com/office/drawing/2010/main">
+                <a:solidFill>
+                  <a:srgbClr val="FFFFFF"/>
+                </a:solidFill>
+              </a14:hiddenFill>
+            </a:ext>
+          </a:extLst>
+        </p:spPr>
+      </p:pic>
+      <p:pic>
+        <p:nvPicPr>
+          <p:cNvPr id="24" name="Picture 9" descr="C:\Users\12-19\Downloads\skills_html5.png"/>
+          <p:cNvPicPr>
+            <a:picLocks noChangeAspect="1" noChangeArrowheads="1"/>
+          </p:cNvPicPr>
+          <p:nvPr/>
+        </p:nvPicPr>
+        <p:blipFill>
+          <a:blip r:embed="rId7">
+            <a:extLst>
+              <a:ext uri="{28A0092B-C50C-407E-A947-70E740481C1C}">
+                <a14:useLocalDpi xmlns:a14="http://schemas.microsoft.com/office/drawing/2010/main" val="0"/>
+              </a:ext>
+            </a:extLst>
+          </a:blip>
+          <a:srcRect/>
+          <a:stretch>
+            <a:fillRect/>
+          </a:stretch>
+        </p:blipFill>
+        <p:spPr bwMode="auto">
+          <a:xfrm>
+            <a:off x="2981210" y="4512128"/>
+            <a:ext cx="1451381" cy="1451383"/>
+          </a:xfrm>
+          <a:prstGeom prst="rect">
+            <a:avLst/>
+          </a:prstGeom>
+          <a:noFill/>
+          <a:extLst>
+            <a:ext uri="{909E8E84-426E-40DD-AFC4-6F175D3DCCD1}">
+              <a14:hiddenFill xmlns:a14="http://schemas.microsoft.com/office/drawing/2010/main">
+                <a:solidFill>
+                  <a:srgbClr val="FFFFFF"/>
+                </a:solidFill>
+              </a14:hiddenFill>
+            </a:ext>
+          </a:extLst>
+        </p:spPr>
+      </p:pic>
+      <p:pic>
+        <p:nvPicPr>
+          <p:cNvPr id="25" name="Picture 10" descr="C:\Users\12-19\Downloads\다운로드.png"/>
+          <p:cNvPicPr>
+            <a:picLocks noChangeAspect="1" noChangeArrowheads="1"/>
+          </p:cNvPicPr>
+          <p:nvPr/>
+        </p:nvPicPr>
+        <p:blipFill>
+          <a:blip r:embed="rId8">
+            <a:extLst>
+              <a:ext uri="{28A0092B-C50C-407E-A947-70E740481C1C}">
+                <a14:useLocalDpi xmlns:a14="http://schemas.microsoft.com/office/drawing/2010/main" val="0"/>
+              </a:ext>
+            </a:extLst>
+          </a:blip>
+          <a:srcRect/>
+          <a:stretch>
+            <a:fillRect/>
+          </a:stretch>
+        </p:blipFill>
+        <p:spPr bwMode="auto">
+          <a:xfrm>
+            <a:off x="4786981" y="2796167"/>
+            <a:ext cx="1441892" cy="1410134"/>
+          </a:xfrm>
+          <a:prstGeom prst="rect">
+            <a:avLst/>
+          </a:prstGeom>
+          <a:noFill/>
+          <a:extLst>
+            <a:ext uri="{909E8E84-426E-40DD-AFC4-6F175D3DCCD1}">
+              <a14:hiddenFill xmlns:a14="http://schemas.microsoft.com/office/drawing/2010/main">
+                <a:solidFill>
+                  <a:srgbClr val="FFFFFF"/>
+                </a:solidFill>
+              </a14:hiddenFill>
+            </a:ext>
+          </a:extLst>
+        </p:spPr>
+      </p:pic>
+      <p:pic>
+        <p:nvPicPr>
+          <p:cNvPr id="27" name="Picture 11" descr="C:\Users\12-19\Downloads\다운로드 (2).png"/>
+          <p:cNvPicPr>
+            <a:picLocks noChangeAspect="1" noChangeArrowheads="1"/>
+          </p:cNvPicPr>
+          <p:nvPr/>
+        </p:nvPicPr>
+        <p:blipFill>
+          <a:blip r:embed="rId9">
+            <a:extLst>
+              <a:ext uri="{28A0092B-C50C-407E-A947-70E740481C1C}">
+                <a14:useLocalDpi xmlns:a14="http://schemas.microsoft.com/office/drawing/2010/main" val="0"/>
+              </a:ext>
+            </a:extLst>
+          </a:blip>
+          <a:srcRect/>
+          <a:stretch>
+            <a:fillRect/>
+          </a:stretch>
+        </p:blipFill>
+        <p:spPr bwMode="auto">
+          <a:xfrm>
+            <a:off x="6588224" y="2796167"/>
+            <a:ext cx="1429274" cy="1429274"/>
+          </a:xfrm>
+          <a:prstGeom prst="rect">
+            <a:avLst/>
+          </a:prstGeom>
+          <a:noFill/>
+          <a:extLst>
+            <a:ext uri="{909E8E84-426E-40DD-AFC4-6F175D3DCCD1}">
+              <a14:hiddenFill xmlns:a14="http://schemas.microsoft.com/office/drawing/2010/main">
+                <a:solidFill>
+                  <a:srgbClr val="FFFFFF"/>
+                </a:solidFill>
+              </a14:hiddenFill>
+            </a:ext>
+          </a:extLst>
+        </p:spPr>
+      </p:pic>
+    </p:spTree>
+    <p:extLst>
+      <p:ext uri="{BB962C8B-B14F-4D97-AF65-F5344CB8AC3E}">
+        <p14:creationId xmlns:p14="http://schemas.microsoft.com/office/powerpoint/2010/main" val="2279710310"/>
+      </p:ext>
+    </p:extLst>
+  </p:cSld>
+  <p:clrMapOvr>
+    <a:masterClrMapping/>
+  </p:clrMapOvr>
+</p:sld>
+</file>
+
+<file path=ppt/slides/slide5.xml><?xml version="1.0" encoding="utf-8"?>
+<p:sld xmlns:a="http://schemas.openxmlformats.org/drawingml/2006/main" xmlns:r="http://schemas.openxmlformats.org/officeDocument/2006/relationships" xmlns:p="http://schemas.openxmlformats.org/presentationml/2006/main">
+  <p:cSld>
+    <p:spTree>
+      <p:nvGrpSpPr>
+        <p:cNvPr id="1" name=""/>
+        <p:cNvGrpSpPr/>
+        <p:nvPr/>
+      </p:nvGrpSpPr>
+      <p:grpSpPr>
+        <a:xfrm>
+          <a:off x="0" y="0"/>
+          <a:ext cx="0" cy="0"/>
+          <a:chOff x="0" y="0"/>
+          <a:chExt cx="0" cy="0"/>
+        </a:xfrm>
+      </p:grpSpPr>
+      <p:sp>
+        <p:nvSpPr>
+          <p:cNvPr id="2" name="제목 1">
+            <a:extLst>
+              <a:ext uri="{FF2B5EF4-FFF2-40B4-BE49-F238E27FC236}">
+                <a16:creationId xmlns:a16="http://schemas.microsoft.com/office/drawing/2014/main" id="{47B339F2-6A20-4A30-9887-7BFB73CA1E8C}"/>
+              </a:ext>
+            </a:extLst>
+          </p:cNvPr>
+          <p:cNvSpPr>
+            <a:spLocks noGrp="1"/>
+          </p:cNvSpPr>
+          <p:nvPr>
+            <p:ph type="title"/>
+          </p:nvPr>
+        </p:nvSpPr>
+        <p:spPr/>
+        <p:txBody>
+          <a:bodyPr/>
+          <a:lstStyle/>
+          <a:p>
+            <a:r>
+              <a:rPr lang="ko-KR" altLang="en-US" b="1" i="0" dirty="0">
+                <a:solidFill>
+                  <a:srgbClr val="202124"/>
+                </a:solidFill>
+                <a:effectLst/>
+                <a:latin typeface="Google Sans"/>
+              </a:rPr>
+              <a:t>무드보드</a:t>
+            </a:r>
+            <a:endParaRPr lang="ko-KR" altLang="en-US" b="1" dirty="0"/>
+          </a:p>
+        </p:txBody>
+      </p:sp>
+      <p:sp>
+        <p:nvSpPr>
+          <p:cNvPr id="26" name="TextBox 25">
+            <a:extLst>
+              <a:ext uri="{FF2B5EF4-FFF2-40B4-BE49-F238E27FC236}">
+                <a16:creationId xmlns:a16="http://schemas.microsoft.com/office/drawing/2014/main" id="{C920BFD4-F974-4CAF-87D5-9E2AE912ACA4}"/>
+              </a:ext>
+            </a:extLst>
+          </p:cNvPr>
+          <p:cNvSpPr txBox="1"/>
+          <p:nvPr/>
+        </p:nvSpPr>
+        <p:spPr>
+          <a:xfrm>
+            <a:off x="3887540" y="2796167"/>
+            <a:ext cx="685800" cy="369332"/>
+          </a:xfrm>
+          <a:prstGeom prst="rect">
+            <a:avLst/>
+          </a:prstGeom>
+          <a:noFill/>
+        </p:spPr>
+        <p:txBody>
+          <a:bodyPr wrap="square" rtlCol="0">
+            <a:spAutoFit/>
+          </a:bodyPr>
+          <a:lstStyle/>
+          <a:p>
+            <a:endParaRPr lang="ko-KR" altLang="en-US" dirty="0"/>
+          </a:p>
+        </p:txBody>
+      </p:sp>
+      <p:grpSp>
+        <p:nvGrpSpPr>
+          <p:cNvPr id="18" name="그룹 17"/>
+          <p:cNvGrpSpPr/>
+          <p:nvPr/>
+        </p:nvGrpSpPr>
+        <p:grpSpPr>
+          <a:xfrm>
+            <a:off x="2618002" y="1404749"/>
+            <a:ext cx="3834234" cy="4752528"/>
+            <a:chOff x="683568" y="1468314"/>
+            <a:chExt cx="3834234" cy="4752528"/>
+          </a:xfrm>
+        </p:grpSpPr>
+        <p:pic>
+          <p:nvPicPr>
+            <p:cNvPr id="19" name="Picture 3" descr="C:\Users\12-19\Downloads\underwater-g4aaeef3ea_1280.jpg"/>
+            <p:cNvPicPr>
+              <a:picLocks noChangeAspect="1" noChangeArrowheads="1"/>
+            </p:cNvPicPr>
+            <p:nvPr/>
+          </p:nvPicPr>
+          <p:blipFill>
+            <a:blip r:embed="rId2">
+              <a:extLst>
+                <a:ext uri="{28A0092B-C50C-407E-A947-70E740481C1C}">
+                  <a14:useLocalDpi xmlns:a14="http://schemas.microsoft.com/office/drawing/2010/main" val="0"/>
+                </a:ext>
+              </a:extLst>
+            </a:blip>
+            <a:srcRect/>
+            <a:stretch>
+              <a:fillRect/>
+            </a:stretch>
+          </p:blipFill>
+          <p:spPr bwMode="auto">
+            <a:xfrm>
+              <a:off x="701378" y="1468314"/>
+              <a:ext cx="3816424" cy="4752528"/>
+            </a:xfrm>
+            <a:prstGeom prst="rect">
+              <a:avLst/>
+            </a:prstGeom>
+            <a:noFill/>
+            <a:extLst>
+              <a:ext uri="{909E8E84-426E-40DD-AFC4-6F175D3DCCD1}">
+                <a14:hiddenFill xmlns:a14="http://schemas.microsoft.com/office/drawing/2010/main">
+                  <a:solidFill>
+                    <a:srgbClr val="FFFFFF"/>
+                  </a:solidFill>
+                </a14:hiddenFill>
+              </a:ext>
+            </a:extLst>
+          </p:spPr>
+        </p:pic>
+        <p:sp>
+          <p:nvSpPr>
+            <p:cNvPr id="20" name="직사각형 19"/>
+            <p:cNvSpPr/>
+            <p:nvPr/>
+          </p:nvSpPr>
+          <p:spPr>
+            <a:xfrm>
+              <a:off x="683568" y="1604303"/>
+              <a:ext cx="900100" cy="246221"/>
+            </a:xfrm>
+            <a:prstGeom prst="rect">
+              <a:avLst/>
+            </a:prstGeom>
+            <a:noFill/>
+          </p:spPr>
+          <p:txBody>
+            <a:bodyPr wrap="square" lIns="91440" tIns="45720" rIns="91440" bIns="45720">
+              <a:spAutoFit/>
+            </a:bodyPr>
+            <a:lstStyle/>
+            <a:p>
+              <a:pPr algn="ctr"/>
+              <a:r>
+                <a:rPr lang="en-US" altLang="ko-KR" sz="1000" b="0" cap="none" spc="0" dirty="0">
+                  <a:ln w="18415" cmpd="sng">
+                    <a:solidFill>
+                      <a:srgbClr val="FFFFFF"/>
+                    </a:solidFill>
+                    <a:prstDash val="solid"/>
+                  </a:ln>
+                  <a:solidFill>
+                    <a:srgbClr val="FFFFFF"/>
+                  </a:solidFill>
+                  <a:effectLst>
+                    <a:outerShdw blurRad="63500" dir="3600000" algn="tl" rotWithShape="0">
+                      <a:srgbClr val="000000">
+                        <a:alpha val="70000"/>
+                      </a:srgbClr>
+                    </a:outerShdw>
+                  </a:effectLst>
+                </a:rPr>
+                <a:t>HOME</a:t>
+              </a:r>
+            </a:p>
+          </p:txBody>
+        </p:sp>
+        <p:sp>
+          <p:nvSpPr>
+            <p:cNvPr id="21" name="직사각형 20"/>
+            <p:cNvSpPr/>
+            <p:nvPr/>
+          </p:nvSpPr>
+          <p:spPr>
+            <a:xfrm>
+              <a:off x="1397991" y="1604303"/>
+              <a:ext cx="900100" cy="246221"/>
+            </a:xfrm>
+            <a:prstGeom prst="rect">
+              <a:avLst/>
+            </a:prstGeom>
+            <a:noFill/>
+          </p:spPr>
+          <p:txBody>
+            <a:bodyPr wrap="square" lIns="91440" tIns="45720" rIns="91440" bIns="45720">
+              <a:spAutoFit/>
+            </a:bodyPr>
+            <a:lstStyle/>
+            <a:p>
+              <a:pPr algn="ctr"/>
+              <a:r>
+                <a:rPr lang="en-US" altLang="ko-KR" sz="1000" b="0" cap="none" spc="0" dirty="0">
+                  <a:ln w="18415" cmpd="sng">
+                    <a:solidFill>
+                      <a:srgbClr val="FFFFFF"/>
+                    </a:solidFill>
+                    <a:prstDash val="solid"/>
+                  </a:ln>
+                  <a:solidFill>
+                    <a:srgbClr val="FFFFFF"/>
+                  </a:solidFill>
+                  <a:effectLst>
+                    <a:outerShdw blurRad="63500" dir="3600000" algn="tl" rotWithShape="0">
+                      <a:srgbClr val="000000">
+                        <a:alpha val="70000"/>
+                      </a:srgbClr>
+                    </a:outerShdw>
+                  </a:effectLst>
+                </a:rPr>
+                <a:t>ABOUT</a:t>
+              </a:r>
+            </a:p>
+          </p:txBody>
+        </p:sp>
+        <p:sp>
+          <p:nvSpPr>
+            <p:cNvPr id="22" name="직사각형 21"/>
+            <p:cNvSpPr/>
+            <p:nvPr/>
+          </p:nvSpPr>
+          <p:spPr>
+            <a:xfrm>
+              <a:off x="2112414" y="1604303"/>
+              <a:ext cx="900100" cy="246221"/>
+            </a:xfrm>
+            <a:prstGeom prst="rect">
+              <a:avLst/>
+            </a:prstGeom>
+            <a:noFill/>
+          </p:spPr>
+          <p:txBody>
+            <a:bodyPr wrap="square" lIns="91440" tIns="45720" rIns="91440" bIns="45720">
+              <a:spAutoFit/>
+            </a:bodyPr>
+            <a:lstStyle/>
+            <a:p>
+              <a:pPr algn="ctr"/>
+              <a:r>
+                <a:rPr lang="en-US" altLang="ko-KR" sz="1000" b="0" cap="none" spc="0" dirty="0">
+                  <a:ln w="18415" cmpd="sng">
+                    <a:solidFill>
+                      <a:srgbClr val="FFFFFF"/>
+                    </a:solidFill>
+                    <a:prstDash val="solid"/>
+                  </a:ln>
+                  <a:solidFill>
+                    <a:srgbClr val="FFFFFF"/>
+                  </a:solidFill>
+                  <a:effectLst>
+                    <a:outerShdw blurRad="63500" dir="3600000" algn="tl" rotWithShape="0">
+                      <a:srgbClr val="000000">
+                        <a:alpha val="70000"/>
+                      </a:srgbClr>
+                    </a:outerShdw>
+                  </a:effectLst>
+                </a:rPr>
+                <a:t>SKILL</a:t>
+              </a:r>
+            </a:p>
+          </p:txBody>
+        </p:sp>
+        <p:sp>
+          <p:nvSpPr>
+            <p:cNvPr id="23" name="직사각형 22"/>
+            <p:cNvSpPr/>
+            <p:nvPr/>
+          </p:nvSpPr>
+          <p:spPr>
+            <a:xfrm>
+              <a:off x="2826837" y="1604303"/>
+              <a:ext cx="900100" cy="246221"/>
+            </a:xfrm>
+            <a:prstGeom prst="rect">
+              <a:avLst/>
+            </a:prstGeom>
+            <a:noFill/>
+          </p:spPr>
+          <p:txBody>
+            <a:bodyPr wrap="square" lIns="91440" tIns="45720" rIns="91440" bIns="45720">
+              <a:spAutoFit/>
+            </a:bodyPr>
+            <a:lstStyle/>
+            <a:p>
+              <a:pPr algn="ctr"/>
+              <a:r>
+                <a:rPr lang="en-US" altLang="ko-KR" sz="1000" dirty="0">
+                  <a:ln w="18415" cmpd="sng">
+                    <a:solidFill>
+                      <a:srgbClr val="FFFFFF"/>
+                    </a:solidFill>
+                    <a:prstDash val="solid"/>
+                  </a:ln>
+                  <a:solidFill>
+                    <a:srgbClr val="FFFFFF"/>
+                  </a:solidFill>
+                  <a:effectLst>
+                    <a:outerShdw blurRad="63500" dir="3600000" algn="tl" rotWithShape="0">
+                      <a:srgbClr val="000000">
+                        <a:alpha val="70000"/>
+                      </a:srgbClr>
+                    </a:outerShdw>
+                  </a:effectLst>
+                </a:rPr>
+                <a:t>PORTFOLIO</a:t>
+              </a:r>
+              <a:endParaRPr lang="en-US" altLang="ko-KR" sz="1000" b="0" cap="none" spc="0" dirty="0">
+                <a:ln w="18415" cmpd="sng">
+                  <a:solidFill>
+                    <a:srgbClr val="FFFFFF"/>
+                  </a:solidFill>
+                  <a:prstDash val="solid"/>
+                </a:ln>
+                <a:solidFill>
+                  <a:srgbClr val="FFFFFF"/>
+                </a:solidFill>
+                <a:effectLst>
+                  <a:outerShdw blurRad="63500" dir="3600000" algn="tl" rotWithShape="0">
+                    <a:srgbClr val="000000">
+                      <a:alpha val="70000"/>
+                    </a:srgbClr>
+                  </a:outerShdw>
+                </a:effectLst>
+              </a:endParaRPr>
+            </a:p>
+          </p:txBody>
+        </p:sp>
+        <p:sp>
+          <p:nvSpPr>
+            <p:cNvPr id="24" name="직사각형 23"/>
+            <p:cNvSpPr/>
+            <p:nvPr/>
+          </p:nvSpPr>
+          <p:spPr>
+            <a:xfrm>
+              <a:off x="3541262" y="1604303"/>
+              <a:ext cx="900100" cy="246221"/>
+            </a:xfrm>
+            <a:prstGeom prst="rect">
+              <a:avLst/>
+            </a:prstGeom>
+            <a:noFill/>
+          </p:spPr>
+          <p:txBody>
+            <a:bodyPr wrap="square" lIns="91440" tIns="45720" rIns="91440" bIns="45720">
+              <a:spAutoFit/>
+            </a:bodyPr>
+            <a:lstStyle/>
+            <a:p>
+              <a:pPr algn="ctr"/>
+              <a:r>
+                <a:rPr lang="en-US" altLang="ko-KR" sz="1000" dirty="0">
+                  <a:ln w="18415" cmpd="sng">
+                    <a:solidFill>
+                      <a:srgbClr val="FFFFFF"/>
+                    </a:solidFill>
+                    <a:prstDash val="solid"/>
+                  </a:ln>
+                  <a:solidFill>
+                    <a:srgbClr val="FFFFFF"/>
+                  </a:solidFill>
+                  <a:effectLst>
+                    <a:outerShdw blurRad="63500" dir="3600000" algn="tl" rotWithShape="0">
+                      <a:srgbClr val="000000">
+                        <a:alpha val="70000"/>
+                      </a:srgbClr>
+                    </a:outerShdw>
+                  </a:effectLst>
+                </a:rPr>
+                <a:t>CONTACT</a:t>
+              </a:r>
+              <a:endParaRPr lang="en-US" altLang="ko-KR" sz="1000" b="0" cap="none" spc="0" dirty="0">
+                <a:ln w="18415" cmpd="sng">
+                  <a:solidFill>
+                    <a:srgbClr val="FFFFFF"/>
+                  </a:solidFill>
+                  <a:prstDash val="solid"/>
+                </a:ln>
+                <a:solidFill>
+                  <a:srgbClr val="FFFFFF"/>
+                </a:solidFill>
+                <a:effectLst>
+                  <a:outerShdw blurRad="63500" dir="3600000" algn="tl" rotWithShape="0">
+                    <a:srgbClr val="000000">
+                      <a:alpha val="70000"/>
+                    </a:srgbClr>
+                  </a:outerShdw>
+                </a:effectLst>
+              </a:endParaRPr>
+            </a:p>
+          </p:txBody>
+        </p:sp>
+        <p:sp>
+          <p:nvSpPr>
+            <p:cNvPr id="25" name="직사각형 24"/>
+            <p:cNvSpPr/>
+            <p:nvPr/>
+          </p:nvSpPr>
+          <p:spPr>
+            <a:xfrm>
+              <a:off x="989410" y="2420888"/>
+              <a:ext cx="3240360" cy="3096344"/>
+            </a:xfrm>
+            <a:prstGeom prst="rect">
+              <a:avLst/>
+            </a:prstGeom>
+            <a:solidFill>
+              <a:schemeClr val="bg1">
+                <a:lumMod val="85000"/>
+              </a:schemeClr>
+            </a:solidFill>
+          </p:spPr>
+          <p:style>
+            <a:lnRef idx="2">
+              <a:schemeClr val="accent1">
+                <a:shade val="50000"/>
+              </a:schemeClr>
+            </a:lnRef>
+            <a:fillRef idx="1">
+              <a:schemeClr val="accent1"/>
+            </a:fillRef>
+            <a:effectRef idx="0">
+              <a:schemeClr val="accent1"/>
+            </a:effectRef>
+            <a:fontRef idx="minor">
+              <a:schemeClr val="lt1"/>
+            </a:fontRef>
+          </p:style>
+          <p:txBody>
+            <a:bodyPr rtlCol="0" anchor="ctr"/>
+            <a:lstStyle/>
+            <a:p>
+              <a:pPr algn="ctr"/>
+              <a:endParaRPr lang="ko-KR" altLang="en-US"/>
+            </a:p>
+          </p:txBody>
+        </p:sp>
+      </p:grpSp>
+      <p:sp>
+        <p:nvSpPr>
+          <p:cNvPr id="3" name="직사각형 2">
+            <a:extLst>
+              <a:ext uri="{FF2B5EF4-FFF2-40B4-BE49-F238E27FC236}">
+                <a16:creationId xmlns:a16="http://schemas.microsoft.com/office/drawing/2014/main" id="{663B2C2A-FF9B-4912-A2C1-08DBA6D43DA9}"/>
+              </a:ext>
+            </a:extLst>
+          </p:cNvPr>
+          <p:cNvSpPr/>
+          <p:nvPr/>
+        </p:nvSpPr>
+        <p:spPr>
+          <a:xfrm>
+            <a:off x="2923844" y="2357323"/>
+            <a:ext cx="3240360" cy="3095928"/>
+          </a:xfrm>
+          <a:prstGeom prst="rect">
+            <a:avLst/>
+          </a:prstGeom>
+        </p:spPr>
+        <p:style>
+          <a:lnRef idx="2">
+            <a:schemeClr val="accent1">
+              <a:shade val="50000"/>
+            </a:schemeClr>
+          </a:lnRef>
+          <a:fillRef idx="1">
+            <a:schemeClr val="accent1"/>
+          </a:fillRef>
+          <a:effectRef idx="0">
+            <a:schemeClr val="accent1"/>
+          </a:effectRef>
+          <a:fontRef idx="minor">
+            <a:schemeClr val="lt1"/>
+          </a:fontRef>
+        </p:style>
+        <p:txBody>
+          <a:bodyPr rtlCol="0" anchor="ctr"/>
+          <a:lstStyle/>
+          <a:p>
+            <a:pPr algn="ctr"/>
+            <a:endParaRPr lang="ko-KR" altLang="en-US"/>
+          </a:p>
+        </p:txBody>
+      </p:sp>
+    </p:spTree>
+    <p:extLst>
+      <p:ext uri="{BB962C8B-B14F-4D97-AF65-F5344CB8AC3E}">
+        <p14:creationId xmlns:p14="http://schemas.microsoft.com/office/powerpoint/2010/main" val="3162797934"/>
+      </p:ext>
+    </p:extLst>
+  </p:cSld>
+  <p:clrMapOvr>
+    <a:masterClrMapping/>
+  </p:clrMapOvr>
+</p:sld>
+</file>
+
+<file path=ppt/slides/slide6.xml><?xml version="1.0" encoding="utf-8"?>
+<p:sld xmlns:a="http://schemas.openxmlformats.org/drawingml/2006/main" xmlns:r="http://schemas.openxmlformats.org/officeDocument/2006/relationships" xmlns:p="http://schemas.openxmlformats.org/presentationml/2006/main">
+  <p:cSld>
+    <p:spTree>
+      <p:nvGrpSpPr>
+        <p:cNvPr id="1" name=""/>
+        <p:cNvGrpSpPr/>
+        <p:nvPr/>
+      </p:nvGrpSpPr>
+      <p:grpSpPr>
+        <a:xfrm>
+          <a:off x="0" y="0"/>
+          <a:ext cx="0" cy="0"/>
+          <a:chOff x="0" y="0"/>
+          <a:chExt cx="0" cy="0"/>
+        </a:xfrm>
+      </p:grpSpPr>
+      <p:sp>
+        <p:nvSpPr>
+          <p:cNvPr id="2" name="제목 1">
+            <a:extLst>
+              <a:ext uri="{FF2B5EF4-FFF2-40B4-BE49-F238E27FC236}">
+                <a16:creationId xmlns:a16="http://schemas.microsoft.com/office/drawing/2014/main" id="{47B339F2-6A20-4A30-9887-7BFB73CA1E8C}"/>
+              </a:ext>
+            </a:extLst>
+          </p:cNvPr>
+          <p:cNvSpPr>
+            <a:spLocks noGrp="1"/>
+          </p:cNvSpPr>
+          <p:nvPr>
+            <p:ph type="title"/>
+          </p:nvPr>
+        </p:nvSpPr>
+        <p:spPr/>
+        <p:txBody>
+          <a:bodyPr/>
+          <a:lstStyle/>
+          <a:p>
+            <a:r>
+              <a:rPr lang="ko-KR" altLang="en-US" b="1" i="0" dirty="0">
+                <a:solidFill>
+                  <a:srgbClr val="202124"/>
+                </a:solidFill>
+                <a:effectLst/>
+                <a:latin typeface="Google Sans"/>
+              </a:rPr>
+              <a:t>무드보드</a:t>
+            </a:r>
+            <a:endParaRPr lang="ko-KR" altLang="en-US" b="1" dirty="0"/>
+          </a:p>
+        </p:txBody>
+      </p:sp>
+      <p:sp>
+        <p:nvSpPr>
+          <p:cNvPr id="26" name="TextBox 25">
+            <a:extLst>
+              <a:ext uri="{FF2B5EF4-FFF2-40B4-BE49-F238E27FC236}">
+                <a16:creationId xmlns:a16="http://schemas.microsoft.com/office/drawing/2014/main" id="{C920BFD4-F974-4CAF-87D5-9E2AE912ACA4}"/>
+              </a:ext>
+            </a:extLst>
+          </p:cNvPr>
+          <p:cNvSpPr txBox="1"/>
+          <p:nvPr/>
+        </p:nvSpPr>
+        <p:spPr>
+          <a:xfrm>
+            <a:off x="3887540" y="2796167"/>
+            <a:ext cx="685800" cy="369332"/>
+          </a:xfrm>
+          <a:prstGeom prst="rect">
+            <a:avLst/>
+          </a:prstGeom>
+          <a:noFill/>
+        </p:spPr>
+        <p:txBody>
+          <a:bodyPr wrap="square" rtlCol="0">
+            <a:spAutoFit/>
+          </a:bodyPr>
+          <a:lstStyle/>
+          <a:p>
+            <a:endParaRPr lang="ko-KR" altLang="en-US" dirty="0"/>
+          </a:p>
+        </p:txBody>
+      </p:sp>
+      <p:grpSp>
+        <p:nvGrpSpPr>
+          <p:cNvPr id="18" name="그룹 17"/>
+          <p:cNvGrpSpPr/>
+          <p:nvPr/>
+        </p:nvGrpSpPr>
+        <p:grpSpPr>
+          <a:xfrm>
+            <a:off x="2635812" y="1404749"/>
+            <a:ext cx="3816424" cy="4752528"/>
+            <a:chOff x="701378" y="1468314"/>
+            <a:chExt cx="3816424" cy="4752528"/>
+          </a:xfrm>
+        </p:grpSpPr>
+        <p:pic>
+          <p:nvPicPr>
+            <p:cNvPr id="19" name="Picture 3" descr="C:\Users\12-19\Downloads\underwater-g4aaeef3ea_1280.jpg"/>
+            <p:cNvPicPr>
+              <a:picLocks noChangeAspect="1" noChangeArrowheads="1"/>
+            </p:cNvPicPr>
+            <p:nvPr/>
+          </p:nvPicPr>
+          <p:blipFill>
+            <a:blip r:embed="rId2">
+              <a:extLst>
+                <a:ext uri="{28A0092B-C50C-407E-A947-70E740481C1C}">
+                  <a14:useLocalDpi xmlns:a14="http://schemas.microsoft.com/office/drawing/2010/main" val="0"/>
+                </a:ext>
+              </a:extLst>
+            </a:blip>
+            <a:srcRect/>
+            <a:stretch>
+              <a:fillRect/>
+            </a:stretch>
+          </p:blipFill>
+          <p:spPr bwMode="auto">
+            <a:xfrm>
+              <a:off x="701378" y="1468314"/>
+              <a:ext cx="3816424" cy="4752528"/>
+            </a:xfrm>
+            <a:prstGeom prst="rect">
+              <a:avLst/>
+            </a:prstGeom>
+            <a:noFill/>
+            <a:extLst>
+              <a:ext uri="{909E8E84-426E-40DD-AFC4-6F175D3DCCD1}">
+                <a14:hiddenFill xmlns:a14="http://schemas.microsoft.com/office/drawing/2010/main">
+                  <a:solidFill>
+                    <a:srgbClr val="FFFFFF"/>
+                  </a:solidFill>
+                </a14:hiddenFill>
+              </a:ext>
+            </a:extLst>
+          </p:spPr>
+        </p:pic>
+        <p:sp>
+          <p:nvSpPr>
+            <p:cNvPr id="21" name="직사각형 20"/>
+            <p:cNvSpPr/>
+            <p:nvPr/>
+          </p:nvSpPr>
+          <p:spPr>
+            <a:xfrm>
+              <a:off x="1397991" y="1692365"/>
+              <a:ext cx="2463711" cy="400110"/>
+            </a:xfrm>
+            <a:prstGeom prst="rect">
+              <a:avLst/>
+            </a:prstGeom>
+            <a:noFill/>
+          </p:spPr>
+          <p:txBody>
+            <a:bodyPr wrap="square" lIns="91440" tIns="45720" rIns="91440" bIns="45720">
+              <a:spAutoFit/>
+            </a:bodyPr>
+            <a:lstStyle/>
+            <a:p>
+              <a:pPr algn="ctr"/>
+              <a:r>
+                <a:rPr lang="en-US" altLang="ko-KR" sz="2000" b="0" cap="none" spc="0" dirty="0">
+                  <a:ln w="18415" cmpd="sng">
+                    <a:solidFill>
+                      <a:srgbClr val="FFFFFF"/>
+                    </a:solidFill>
+                    <a:prstDash val="solid"/>
+                  </a:ln>
+                  <a:solidFill>
+                    <a:srgbClr val="FFFFFF"/>
+                  </a:solidFill>
+                  <a:effectLst>
+                    <a:outerShdw blurRad="63500" dir="3600000" algn="tl" rotWithShape="0">
+                      <a:srgbClr val="000000">
+                        <a:alpha val="70000"/>
+                      </a:srgbClr>
+                    </a:outerShdw>
+                  </a:effectLst>
+                </a:rPr>
+                <a:t>ABOUT</a:t>
+              </a:r>
+            </a:p>
+          </p:txBody>
+        </p:sp>
+        <p:sp>
+          <p:nvSpPr>
+            <p:cNvPr id="25" name="직사각형 24"/>
+            <p:cNvSpPr/>
+            <p:nvPr/>
+          </p:nvSpPr>
+          <p:spPr>
+            <a:xfrm>
+              <a:off x="989410" y="2420888"/>
+              <a:ext cx="3240360" cy="3096344"/>
+            </a:xfrm>
+            <a:prstGeom prst="rect">
+              <a:avLst/>
+            </a:prstGeom>
+            <a:solidFill>
+              <a:schemeClr val="bg1">
+                <a:lumMod val="85000"/>
+              </a:schemeClr>
+            </a:solidFill>
+          </p:spPr>
+          <p:style>
+            <a:lnRef idx="2">
+              <a:schemeClr val="accent1">
+                <a:shade val="50000"/>
+              </a:schemeClr>
+            </a:lnRef>
+            <a:fillRef idx="1">
+              <a:schemeClr val="accent1"/>
+            </a:fillRef>
+            <a:effectRef idx="0">
+              <a:schemeClr val="accent1"/>
+            </a:effectRef>
+            <a:fontRef idx="minor">
+              <a:schemeClr val="lt1"/>
+            </a:fontRef>
+          </p:style>
+          <p:txBody>
+            <a:bodyPr rtlCol="0" anchor="ctr"/>
+            <a:lstStyle/>
+            <a:p>
+              <a:pPr algn="ctr"/>
+              <a:endParaRPr lang="ko-KR" altLang="en-US"/>
+            </a:p>
+          </p:txBody>
+        </p:sp>
+      </p:grpSp>
+      <p:pic>
+        <p:nvPicPr>
+          <p:cNvPr id="4" name="그림 3">
+            <a:extLst>
+              <a:ext uri="{FF2B5EF4-FFF2-40B4-BE49-F238E27FC236}">
+                <a16:creationId xmlns:a16="http://schemas.microsoft.com/office/drawing/2014/main" id="{BCE5EAF8-63C9-4199-8BDC-FA46209E1713}"/>
+              </a:ext>
+            </a:extLst>
+          </p:cNvPr>
+          <p:cNvPicPr>
+            <a:picLocks noChangeAspect="1"/>
+          </p:cNvPicPr>
+          <p:nvPr/>
+        </p:nvPicPr>
+        <p:blipFill>
+          <a:blip r:embed="rId3" cstate="print">
+            <a:extLst>
+              <a:ext uri="{28A0092B-C50C-407E-A947-70E740481C1C}">
+                <a14:useLocalDpi xmlns:a14="http://schemas.microsoft.com/office/drawing/2010/main" val="0"/>
+              </a:ext>
+            </a:extLst>
+          </a:blip>
+          <a:stretch>
+            <a:fillRect/>
+          </a:stretch>
+        </p:blipFill>
+        <p:spPr>
+          <a:xfrm>
+            <a:off x="3058207" y="2547749"/>
+            <a:ext cx="1082601" cy="1443468"/>
+          </a:xfrm>
+          <a:prstGeom prst="rect">
+            <a:avLst/>
+          </a:prstGeom>
+        </p:spPr>
+      </p:pic>
+      <p:cxnSp>
+        <p:nvCxnSpPr>
+          <p:cNvPr id="6" name="직선 연결선 5">
+            <a:extLst>
+              <a:ext uri="{FF2B5EF4-FFF2-40B4-BE49-F238E27FC236}">
+                <a16:creationId xmlns:a16="http://schemas.microsoft.com/office/drawing/2014/main" id="{6A0749AA-0D3A-4411-AF59-634B7472B5D0}"/>
+              </a:ext>
+            </a:extLst>
+          </p:cNvPr>
+          <p:cNvCxnSpPr>
+            <a:cxnSpLocks/>
+          </p:cNvCxnSpPr>
+          <p:nvPr/>
+        </p:nvCxnSpPr>
+        <p:spPr>
+          <a:xfrm>
+            <a:off x="4427984" y="2968595"/>
+            <a:ext cx="1495286" cy="12238"/>
+          </a:xfrm>
+          <a:prstGeom prst="line">
+            <a:avLst/>
+          </a:prstGeom>
+        </p:spPr>
+        <p:style>
+          <a:lnRef idx="1">
+            <a:schemeClr val="accent1"/>
+          </a:lnRef>
+          <a:fillRef idx="0">
+            <a:schemeClr val="accent1"/>
+          </a:fillRef>
+          <a:effectRef idx="0">
+            <a:schemeClr val="accent1"/>
+          </a:effectRef>
+          <a:fontRef idx="minor">
+            <a:schemeClr val="tx1"/>
+          </a:fontRef>
+        </p:style>
+      </p:cxnSp>
+      <p:cxnSp>
+        <p:nvCxnSpPr>
+          <p:cNvPr id="22" name="직선 연결선 21">
+            <a:extLst>
+              <a:ext uri="{FF2B5EF4-FFF2-40B4-BE49-F238E27FC236}">
+                <a16:creationId xmlns:a16="http://schemas.microsoft.com/office/drawing/2014/main" id="{C6E6F988-535C-4B31-868A-988B1130B458}"/>
+              </a:ext>
+            </a:extLst>
+          </p:cNvPr>
+          <p:cNvCxnSpPr>
+            <a:cxnSpLocks/>
+          </p:cNvCxnSpPr>
+          <p:nvPr/>
+        </p:nvCxnSpPr>
+        <p:spPr>
+          <a:xfrm>
+            <a:off x="4427984" y="3272654"/>
+            <a:ext cx="1495286" cy="12238"/>
+          </a:xfrm>
+          <a:prstGeom prst="line">
+            <a:avLst/>
+          </a:prstGeom>
+        </p:spPr>
+        <p:style>
+          <a:lnRef idx="1">
+            <a:schemeClr val="accent1"/>
+          </a:lnRef>
+          <a:fillRef idx="0">
+            <a:schemeClr val="accent1"/>
+          </a:fillRef>
+          <a:effectRef idx="0">
+            <a:schemeClr val="accent1"/>
+          </a:effectRef>
+          <a:fontRef idx="minor">
+            <a:schemeClr val="tx1"/>
+          </a:fontRef>
+        </p:style>
+      </p:cxnSp>
+      <p:cxnSp>
+        <p:nvCxnSpPr>
+          <p:cNvPr id="23" name="직선 연결선 22">
+            <a:extLst>
+              <a:ext uri="{FF2B5EF4-FFF2-40B4-BE49-F238E27FC236}">
+                <a16:creationId xmlns:a16="http://schemas.microsoft.com/office/drawing/2014/main" id="{03E52E06-2BED-4772-B5C6-33733F638FAA}"/>
+              </a:ext>
+            </a:extLst>
+          </p:cNvPr>
+          <p:cNvCxnSpPr>
+            <a:cxnSpLocks/>
+          </p:cNvCxnSpPr>
+          <p:nvPr/>
+        </p:nvCxnSpPr>
+        <p:spPr>
+          <a:xfrm>
+            <a:off x="4427984" y="3601067"/>
+            <a:ext cx="1495286" cy="12238"/>
+          </a:xfrm>
+          <a:prstGeom prst="line">
+            <a:avLst/>
+          </a:prstGeom>
+        </p:spPr>
+        <p:style>
+          <a:lnRef idx="1">
+            <a:schemeClr val="accent1"/>
+          </a:lnRef>
+          <a:fillRef idx="0">
+            <a:schemeClr val="accent1"/>
+          </a:fillRef>
+          <a:effectRef idx="0">
+            <a:schemeClr val="accent1"/>
+          </a:effectRef>
+          <a:fontRef idx="minor">
+            <a:schemeClr val="tx1"/>
+          </a:fontRef>
+        </p:style>
+      </p:cxnSp>
+      <p:cxnSp>
+        <p:nvCxnSpPr>
+          <p:cNvPr id="24" name="직선 연결선 23">
+            <a:extLst>
+              <a:ext uri="{FF2B5EF4-FFF2-40B4-BE49-F238E27FC236}">
+                <a16:creationId xmlns:a16="http://schemas.microsoft.com/office/drawing/2014/main" id="{2E2FBBA0-A7E8-46E1-BF57-B8C184FAFF3A}"/>
+              </a:ext>
+            </a:extLst>
+          </p:cNvPr>
+          <p:cNvCxnSpPr>
+            <a:cxnSpLocks/>
+          </p:cNvCxnSpPr>
+          <p:nvPr/>
+        </p:nvCxnSpPr>
+        <p:spPr>
+          <a:xfrm>
+            <a:off x="4427984" y="3985098"/>
+            <a:ext cx="1495286" cy="12238"/>
+          </a:xfrm>
+          <a:prstGeom prst="line">
+            <a:avLst/>
+          </a:prstGeom>
+        </p:spPr>
+        <p:style>
+          <a:lnRef idx="1">
+            <a:schemeClr val="accent1"/>
+          </a:lnRef>
+          <a:fillRef idx="0">
+            <a:schemeClr val="accent1"/>
+          </a:fillRef>
+          <a:effectRef idx="0">
+            <a:schemeClr val="accent1"/>
+          </a:effectRef>
+          <a:fontRef idx="minor">
+            <a:schemeClr val="tx1"/>
+          </a:fontRef>
+        </p:style>
+      </p:cxnSp>
+    </p:spTree>
+    <p:extLst>
+      <p:ext uri="{BB962C8B-B14F-4D97-AF65-F5344CB8AC3E}">
+        <p14:creationId xmlns:p14="http://schemas.microsoft.com/office/powerpoint/2010/main" val="3428202170"/>
+      </p:ext>
+    </p:extLst>
+  </p:cSld>
+  <p:clrMapOvr>
+    <a:masterClrMapping/>
+  </p:clrMapOvr>
+</p:sld>
+</file>
+
+<file path=ppt/slides/slide7.xml><?xml version="1.0" encoding="utf-8"?>
+<p:sld xmlns:a="http://schemas.openxmlformats.org/drawingml/2006/main" xmlns:r="http://schemas.openxmlformats.org/officeDocument/2006/relationships" xmlns:p="http://schemas.openxmlformats.org/presentationml/2006/main">
+  <p:cSld>
+    <p:spTree>
+      <p:nvGrpSpPr>
+        <p:cNvPr id="1" name=""/>
+        <p:cNvGrpSpPr/>
+        <p:nvPr/>
+      </p:nvGrpSpPr>
+      <p:grpSpPr>
+        <a:xfrm>
+          <a:off x="0" y="0"/>
+          <a:ext cx="0" cy="0"/>
+          <a:chOff x="0" y="0"/>
+          <a:chExt cx="0" cy="0"/>
+        </a:xfrm>
+      </p:grpSpPr>
+      <p:sp>
+        <p:nvSpPr>
+          <p:cNvPr id="2" name="제목 1">
+            <a:extLst>
+              <a:ext uri="{FF2B5EF4-FFF2-40B4-BE49-F238E27FC236}">
+                <a16:creationId xmlns:a16="http://schemas.microsoft.com/office/drawing/2014/main" id="{47B339F2-6A20-4A30-9887-7BFB73CA1E8C}"/>
+              </a:ext>
+            </a:extLst>
+          </p:cNvPr>
+          <p:cNvSpPr>
+            <a:spLocks noGrp="1"/>
+          </p:cNvSpPr>
+          <p:nvPr>
+            <p:ph type="title"/>
+          </p:nvPr>
+        </p:nvSpPr>
+        <p:spPr/>
+        <p:txBody>
+          <a:bodyPr/>
+          <a:lstStyle/>
+          <a:p>
+            <a:r>
+              <a:rPr lang="ko-KR" altLang="en-US" b="1" i="0" dirty="0">
+                <a:solidFill>
+                  <a:srgbClr val="202124"/>
+                </a:solidFill>
+                <a:effectLst/>
+                <a:latin typeface="Google Sans"/>
+              </a:rPr>
+              <a:t>무드보드</a:t>
+            </a:r>
+            <a:endParaRPr lang="ko-KR" altLang="en-US" b="1" dirty="0"/>
+          </a:p>
+        </p:txBody>
+      </p:sp>
+      <p:sp>
+        <p:nvSpPr>
+          <p:cNvPr id="26" name="TextBox 25">
+            <a:extLst>
+              <a:ext uri="{FF2B5EF4-FFF2-40B4-BE49-F238E27FC236}">
+                <a16:creationId xmlns:a16="http://schemas.microsoft.com/office/drawing/2014/main" id="{C920BFD4-F974-4CAF-87D5-9E2AE912ACA4}"/>
+              </a:ext>
+            </a:extLst>
+          </p:cNvPr>
+          <p:cNvSpPr txBox="1"/>
+          <p:nvPr/>
+        </p:nvSpPr>
+        <p:spPr>
+          <a:xfrm>
+            <a:off x="3887540" y="2796167"/>
+            <a:ext cx="685800" cy="369332"/>
+          </a:xfrm>
+          <a:prstGeom prst="rect">
+            <a:avLst/>
+          </a:prstGeom>
+          <a:noFill/>
+        </p:spPr>
+        <p:txBody>
+          <a:bodyPr wrap="square" rtlCol="0">
+            <a:spAutoFit/>
+          </a:bodyPr>
+          <a:lstStyle/>
+          <a:p>
+            <a:endParaRPr lang="ko-KR" altLang="en-US" dirty="0"/>
+          </a:p>
+        </p:txBody>
+      </p:sp>
+      <p:grpSp>
+        <p:nvGrpSpPr>
+          <p:cNvPr id="18" name="그룹 17"/>
+          <p:cNvGrpSpPr/>
+          <p:nvPr/>
+        </p:nvGrpSpPr>
+        <p:grpSpPr>
+          <a:xfrm>
+            <a:off x="2635812" y="1404749"/>
+            <a:ext cx="3816424" cy="4752528"/>
+            <a:chOff x="701378" y="1468314"/>
+            <a:chExt cx="3816424" cy="4752528"/>
+          </a:xfrm>
+        </p:grpSpPr>
+        <p:pic>
+          <p:nvPicPr>
+            <p:cNvPr id="19" name="Picture 3" descr="C:\Users\12-19\Downloads\underwater-g4aaeef3ea_1280.jpg"/>
+            <p:cNvPicPr>
+              <a:picLocks noChangeAspect="1" noChangeArrowheads="1"/>
+            </p:cNvPicPr>
+            <p:nvPr/>
+          </p:nvPicPr>
+          <p:blipFill>
+            <a:blip r:embed="rId2">
+              <a:extLst>
+                <a:ext uri="{28A0092B-C50C-407E-A947-70E740481C1C}">
+                  <a14:useLocalDpi xmlns:a14="http://schemas.microsoft.com/office/drawing/2010/main" val="0"/>
+                </a:ext>
+              </a:extLst>
+            </a:blip>
+            <a:srcRect/>
+            <a:stretch>
+              <a:fillRect/>
+            </a:stretch>
+          </p:blipFill>
+          <p:spPr bwMode="auto">
+            <a:xfrm>
+              <a:off x="701378" y="1468314"/>
+              <a:ext cx="3816424" cy="4752528"/>
+            </a:xfrm>
+            <a:prstGeom prst="rect">
+              <a:avLst/>
+            </a:prstGeom>
+            <a:noFill/>
+            <a:extLst>
+              <a:ext uri="{909E8E84-426E-40DD-AFC4-6F175D3DCCD1}">
+                <a14:hiddenFill xmlns:a14="http://schemas.microsoft.com/office/drawing/2010/main">
+                  <a:solidFill>
+                    <a:srgbClr val="FFFFFF"/>
+                  </a:solidFill>
+                </a14:hiddenFill>
+              </a:ext>
+            </a:extLst>
+          </p:spPr>
+        </p:pic>
+        <p:sp>
+          <p:nvSpPr>
+            <p:cNvPr id="21" name="직사각형 20"/>
+            <p:cNvSpPr/>
+            <p:nvPr/>
+          </p:nvSpPr>
+          <p:spPr>
+            <a:xfrm>
+              <a:off x="1397991" y="1692365"/>
+              <a:ext cx="2463711" cy="400110"/>
+            </a:xfrm>
+            <a:prstGeom prst="rect">
+              <a:avLst/>
+            </a:prstGeom>
+            <a:noFill/>
+          </p:spPr>
+          <p:txBody>
+            <a:bodyPr wrap="square" lIns="91440" tIns="45720" rIns="91440" bIns="45720">
+              <a:spAutoFit/>
+            </a:bodyPr>
+            <a:lstStyle/>
+            <a:p>
+              <a:pPr algn="ctr"/>
+              <a:r>
+                <a:rPr lang="en-US" altLang="ko-KR" sz="2000" b="0" cap="none" spc="0" dirty="0">
+                  <a:ln w="18415" cmpd="sng">
+                    <a:solidFill>
+                      <a:srgbClr val="FFFFFF"/>
+                    </a:solidFill>
+                    <a:prstDash val="solid"/>
+                  </a:ln>
+                  <a:solidFill>
+                    <a:srgbClr val="FFFFFF"/>
+                  </a:solidFill>
+                  <a:effectLst>
+                    <a:outerShdw blurRad="63500" dir="3600000" algn="tl" rotWithShape="0">
+                      <a:srgbClr val="000000">
+                        <a:alpha val="70000"/>
+                      </a:srgbClr>
+                    </a:outerShdw>
+                  </a:effectLst>
+                </a:rPr>
+                <a:t>SKILL</a:t>
+              </a:r>
+            </a:p>
+          </p:txBody>
+        </p:sp>
+        <p:sp>
+          <p:nvSpPr>
+            <p:cNvPr id="25" name="직사각형 24"/>
+            <p:cNvSpPr/>
+            <p:nvPr/>
+          </p:nvSpPr>
+          <p:spPr>
+            <a:xfrm>
+              <a:off x="989410" y="2420888"/>
+              <a:ext cx="3240360" cy="3096344"/>
+            </a:xfrm>
+            <a:prstGeom prst="rect">
+              <a:avLst/>
+            </a:prstGeom>
+            <a:solidFill>
+              <a:schemeClr val="bg1">
+                <a:lumMod val="85000"/>
+              </a:schemeClr>
+            </a:solidFill>
+          </p:spPr>
+          <p:style>
+            <a:lnRef idx="2">
+              <a:schemeClr val="accent1">
+                <a:shade val="50000"/>
+              </a:schemeClr>
+            </a:lnRef>
+            <a:fillRef idx="1">
+              <a:schemeClr val="accent1"/>
+            </a:fillRef>
+            <a:effectRef idx="0">
+              <a:schemeClr val="accent1"/>
+            </a:effectRef>
+            <a:fontRef idx="minor">
+              <a:schemeClr val="lt1"/>
+            </a:fontRef>
+          </p:style>
+          <p:txBody>
+            <a:bodyPr rtlCol="0" anchor="ctr"/>
+            <a:lstStyle/>
+            <a:p>
+              <a:pPr algn="ctr"/>
+              <a:endParaRPr lang="ko-KR" altLang="en-US"/>
+            </a:p>
+          </p:txBody>
+        </p:sp>
+      </p:grpSp>
+      <p:pic>
+        <p:nvPicPr>
+          <p:cNvPr id="28" name="Picture 3" descr="C:\Users\12-19\Downloads\skills_illustrator.png"/>
+          <p:cNvPicPr>
+            <a:picLocks noChangeAspect="1" noChangeArrowheads="1"/>
+          </p:cNvPicPr>
+          <p:nvPr/>
+        </p:nvPicPr>
+        <p:blipFill>
+          <a:blip r:embed="rId3" cstate="print">
+            <a:extLst>
+              <a:ext uri="{28A0092B-C50C-407E-A947-70E740481C1C}">
+                <a14:useLocalDpi xmlns:a14="http://schemas.microsoft.com/office/drawing/2010/main" val="0"/>
+              </a:ext>
+            </a:extLst>
+          </a:blip>
+          <a:srcRect/>
+          <a:stretch>
+            <a:fillRect/>
+          </a:stretch>
+        </p:blipFill>
+        <p:spPr bwMode="auto">
+          <a:xfrm>
+            <a:off x="3347864" y="2704609"/>
+            <a:ext cx="577820" cy="577820"/>
+          </a:xfrm>
+          <a:prstGeom prst="rect">
+            <a:avLst/>
+          </a:prstGeom>
+          <a:noFill/>
+          <a:extLst>
+            <a:ext uri="{909E8E84-426E-40DD-AFC4-6F175D3DCCD1}">
+              <a14:hiddenFill xmlns:a14="http://schemas.microsoft.com/office/drawing/2010/main">
+                <a:solidFill>
+                  <a:srgbClr val="FFFFFF"/>
+                </a:solidFill>
+              </a14:hiddenFill>
+            </a:ext>
+          </a:extLst>
+        </p:spPr>
+      </p:pic>
+      <p:pic>
+        <p:nvPicPr>
+          <p:cNvPr id="29" name="Picture 4" descr="C:\Users\12-19\Downloads\skills_photoshop.png"/>
+          <p:cNvPicPr>
+            <a:picLocks noChangeAspect="1" noChangeArrowheads="1"/>
+          </p:cNvPicPr>
+          <p:nvPr/>
+        </p:nvPicPr>
+        <p:blipFill>
+          <a:blip r:embed="rId4" cstate="print">
+            <a:extLst>
+              <a:ext uri="{28A0092B-C50C-407E-A947-70E740481C1C}">
+                <a14:useLocalDpi xmlns:a14="http://schemas.microsoft.com/office/drawing/2010/main" val="0"/>
+              </a:ext>
+            </a:extLst>
+          </a:blip>
+          <a:srcRect/>
+          <a:stretch>
+            <a:fillRect/>
+          </a:stretch>
+        </p:blipFill>
+        <p:spPr bwMode="auto">
+          <a:xfrm>
+            <a:off x="3347864" y="3283926"/>
+            <a:ext cx="586757" cy="586758"/>
+          </a:xfrm>
+          <a:prstGeom prst="rect">
+            <a:avLst/>
+          </a:prstGeom>
+          <a:noFill/>
+          <a:extLst>
+            <a:ext uri="{909E8E84-426E-40DD-AFC4-6F175D3DCCD1}">
+              <a14:hiddenFill xmlns:a14="http://schemas.microsoft.com/office/drawing/2010/main">
+                <a:solidFill>
+                  <a:srgbClr val="FFFFFF"/>
+                </a:solidFill>
+              </a14:hiddenFill>
+            </a:ext>
+          </a:extLst>
+        </p:spPr>
+      </p:pic>
+      <p:pic>
+        <p:nvPicPr>
+          <p:cNvPr id="30" name="Picture 5" descr="C:\Users\12-19\Downloads\skills_jquery.png"/>
+          <p:cNvPicPr>
+            <a:picLocks noChangeAspect="1" noChangeArrowheads="1"/>
+          </p:cNvPicPr>
+          <p:nvPr/>
+        </p:nvPicPr>
+        <p:blipFill>
+          <a:blip r:embed="rId5" cstate="print">
+            <a:extLst>
+              <a:ext uri="{28A0092B-C50C-407E-A947-70E740481C1C}">
+                <a14:useLocalDpi xmlns:a14="http://schemas.microsoft.com/office/drawing/2010/main" val="0"/>
+              </a:ext>
+            </a:extLst>
+          </a:blip>
+          <a:srcRect/>
+          <a:stretch>
+            <a:fillRect/>
+          </a:stretch>
+        </p:blipFill>
+        <p:spPr bwMode="auto">
+          <a:xfrm>
+            <a:off x="4868531" y="2691465"/>
+            <a:ext cx="578736" cy="578736"/>
+          </a:xfrm>
+          <a:prstGeom prst="rect">
+            <a:avLst/>
+          </a:prstGeom>
+          <a:noFill/>
+          <a:extLst>
+            <a:ext uri="{909E8E84-426E-40DD-AFC4-6F175D3DCCD1}">
+              <a14:hiddenFill xmlns:a14="http://schemas.microsoft.com/office/drawing/2010/main">
+                <a:solidFill>
+                  <a:srgbClr val="FFFFFF"/>
+                </a:solidFill>
+              </a14:hiddenFill>
+            </a:ext>
+          </a:extLst>
+        </p:spPr>
+      </p:pic>
+      <p:pic>
+        <p:nvPicPr>
+          <p:cNvPr id="31" name="Picture 6" descr="C:\Users\12-19\Downloads\skills_js.png"/>
+          <p:cNvPicPr>
+            <a:picLocks noChangeAspect="1" noChangeArrowheads="1"/>
+          </p:cNvPicPr>
+          <p:nvPr/>
+        </p:nvPicPr>
+        <p:blipFill>
+          <a:blip r:embed="rId6" cstate="print">
+            <a:extLst>
+              <a:ext uri="{28A0092B-C50C-407E-A947-70E740481C1C}">
+                <a14:useLocalDpi xmlns:a14="http://schemas.microsoft.com/office/drawing/2010/main" val="0"/>
+              </a:ext>
+            </a:extLst>
+          </a:blip>
+          <a:srcRect/>
+          <a:stretch>
+            <a:fillRect/>
+          </a:stretch>
+        </p:blipFill>
+        <p:spPr bwMode="auto">
+          <a:xfrm>
+            <a:off x="4850481" y="3875240"/>
+            <a:ext cx="578736" cy="578736"/>
+          </a:xfrm>
+          <a:prstGeom prst="rect">
+            <a:avLst/>
+          </a:prstGeom>
+          <a:noFill/>
+          <a:extLst>
+            <a:ext uri="{909E8E84-426E-40DD-AFC4-6F175D3DCCD1}">
+              <a14:hiddenFill xmlns:a14="http://schemas.microsoft.com/office/drawing/2010/main">
+                <a:solidFill>
+                  <a:srgbClr val="FFFFFF"/>
+                </a:solidFill>
+              </a14:hiddenFill>
+            </a:ext>
+          </a:extLst>
+        </p:spPr>
+      </p:pic>
+      <p:pic>
+        <p:nvPicPr>
+          <p:cNvPr id="32" name="Picture 8" descr="C:\Users\12-19\Downloads\skills_css3.png"/>
+          <p:cNvPicPr>
+            <a:picLocks noChangeAspect="1" noChangeArrowheads="1"/>
+          </p:cNvPicPr>
+          <p:nvPr/>
+        </p:nvPicPr>
+        <p:blipFill>
+          <a:blip r:embed="rId7" cstate="print">
+            <a:extLst>
+              <a:ext uri="{28A0092B-C50C-407E-A947-70E740481C1C}">
+                <a14:useLocalDpi xmlns:a14="http://schemas.microsoft.com/office/drawing/2010/main" val="0"/>
+              </a:ext>
+            </a:extLst>
+          </a:blip>
+          <a:srcRect/>
+          <a:stretch>
+            <a:fillRect/>
+          </a:stretch>
+        </p:blipFill>
+        <p:spPr bwMode="auto">
+          <a:xfrm>
+            <a:off x="4843085" y="4449649"/>
+            <a:ext cx="589072" cy="589072"/>
+          </a:xfrm>
+          <a:prstGeom prst="rect">
+            <a:avLst/>
+          </a:prstGeom>
+          <a:noFill/>
+          <a:extLst>
+            <a:ext uri="{909E8E84-426E-40DD-AFC4-6F175D3DCCD1}">
+              <a14:hiddenFill xmlns:a14="http://schemas.microsoft.com/office/drawing/2010/main">
+                <a:solidFill>
+                  <a:srgbClr val="FFFFFF"/>
+                </a:solidFill>
+              </a14:hiddenFill>
+            </a:ext>
+          </a:extLst>
+        </p:spPr>
+      </p:pic>
+      <p:pic>
+        <p:nvPicPr>
+          <p:cNvPr id="33" name="Picture 9" descr="C:\Users\12-19\Downloads\skills_html5.png"/>
+          <p:cNvPicPr>
+            <a:picLocks noChangeAspect="1" noChangeArrowheads="1"/>
+          </p:cNvPicPr>
+          <p:nvPr/>
+        </p:nvPicPr>
+        <p:blipFill>
+          <a:blip r:embed="rId8" cstate="print">
+            <a:extLst>
+              <a:ext uri="{28A0092B-C50C-407E-A947-70E740481C1C}">
+                <a14:useLocalDpi xmlns:a14="http://schemas.microsoft.com/office/drawing/2010/main" val="0"/>
+              </a:ext>
+            </a:extLst>
+          </a:blip>
+          <a:srcRect/>
+          <a:stretch>
+            <a:fillRect/>
+          </a:stretch>
+        </p:blipFill>
+        <p:spPr bwMode="auto">
+          <a:xfrm>
+            <a:off x="4860510" y="3270201"/>
+            <a:ext cx="586757" cy="586758"/>
+          </a:xfrm>
+          <a:prstGeom prst="rect">
+            <a:avLst/>
+          </a:prstGeom>
+          <a:noFill/>
+          <a:extLst>
+            <a:ext uri="{909E8E84-426E-40DD-AFC4-6F175D3DCCD1}">
+              <a14:hiddenFill xmlns:a14="http://schemas.microsoft.com/office/drawing/2010/main">
+                <a:solidFill>
+                  <a:srgbClr val="FFFFFF"/>
+                </a:solidFill>
+              </a14:hiddenFill>
+            </a:ext>
+          </a:extLst>
+        </p:spPr>
+      </p:pic>
+      <p:pic>
+        <p:nvPicPr>
+          <p:cNvPr id="34" name="Picture 10" descr="C:\Users\12-19\Downloads\다운로드.png"/>
+          <p:cNvPicPr>
+            <a:picLocks noChangeAspect="1" noChangeArrowheads="1"/>
+          </p:cNvPicPr>
+          <p:nvPr/>
+        </p:nvPicPr>
+        <p:blipFill>
+          <a:blip r:embed="rId9" cstate="print">
+            <a:extLst>
+              <a:ext uri="{28A0092B-C50C-407E-A947-70E740481C1C}">
+                <a14:useLocalDpi xmlns:a14="http://schemas.microsoft.com/office/drawing/2010/main" val="0"/>
+              </a:ext>
+            </a:extLst>
+          </a:blip>
+          <a:srcRect/>
+          <a:stretch>
+            <a:fillRect/>
+          </a:stretch>
+        </p:blipFill>
+        <p:spPr bwMode="auto">
+          <a:xfrm>
+            <a:off x="3347864" y="3879567"/>
+            <a:ext cx="582921" cy="570082"/>
+          </a:xfrm>
+          <a:prstGeom prst="rect">
+            <a:avLst/>
+          </a:prstGeom>
+          <a:noFill/>
+          <a:extLst>
+            <a:ext uri="{909E8E84-426E-40DD-AFC4-6F175D3DCCD1}">
+              <a14:hiddenFill xmlns:a14="http://schemas.microsoft.com/office/drawing/2010/main">
+                <a:solidFill>
+                  <a:srgbClr val="FFFFFF"/>
+                </a:solidFill>
+              </a14:hiddenFill>
+            </a:ext>
+          </a:extLst>
+        </p:spPr>
+      </p:pic>
+      <p:pic>
+        <p:nvPicPr>
+          <p:cNvPr id="35" name="Picture 11" descr="C:\Users\12-19\Downloads\다운로드 (2).png"/>
+          <p:cNvPicPr>
+            <a:picLocks noChangeAspect="1" noChangeArrowheads="1"/>
+          </p:cNvPicPr>
+          <p:nvPr/>
+        </p:nvPicPr>
+        <p:blipFill>
+          <a:blip r:embed="rId10" cstate="print">
+            <a:extLst>
+              <a:ext uri="{28A0092B-C50C-407E-A947-70E740481C1C}">
+                <a14:useLocalDpi xmlns:a14="http://schemas.microsoft.com/office/drawing/2010/main" val="0"/>
+              </a:ext>
+            </a:extLst>
+          </a:blip>
+          <a:srcRect/>
+          <a:stretch>
+            <a:fillRect/>
+          </a:stretch>
+        </p:blipFill>
+        <p:spPr bwMode="auto">
+          <a:xfrm>
+            <a:off x="3347864" y="4474533"/>
+            <a:ext cx="577820" cy="577820"/>
+          </a:xfrm>
+          <a:prstGeom prst="rect">
+            <a:avLst/>
+          </a:prstGeom>
+          <a:noFill/>
+          <a:extLst>
+            <a:ext uri="{909E8E84-426E-40DD-AFC4-6F175D3DCCD1}">
+              <a14:hiddenFill xmlns:a14="http://schemas.microsoft.com/office/drawing/2010/main">
+                <a:solidFill>
+                  <a:srgbClr val="FFFFFF"/>
+                </a:solidFill>
+              </a14:hiddenFill>
+            </a:ext>
+          </a:extLst>
+        </p:spPr>
+      </p:pic>
+      <p:cxnSp>
+        <p:nvCxnSpPr>
+          <p:cNvPr id="4" name="직선 연결선 3">
+            <a:extLst>
+              <a:ext uri="{FF2B5EF4-FFF2-40B4-BE49-F238E27FC236}">
+                <a16:creationId xmlns:a16="http://schemas.microsoft.com/office/drawing/2014/main" id="{0DED9543-F900-4993-B799-1CE60F33E937}"/>
+              </a:ext>
+            </a:extLst>
+          </p:cNvPr>
+          <p:cNvCxnSpPr/>
+          <p:nvPr/>
+        </p:nvCxnSpPr>
+        <p:spPr>
+          <a:xfrm>
+            <a:off x="3923928" y="2996952"/>
+            <a:ext cx="576064" cy="0"/>
+          </a:xfrm>
+          <a:prstGeom prst="line">
+            <a:avLst/>
+          </a:prstGeom>
+        </p:spPr>
+        <p:style>
+          <a:lnRef idx="1">
+            <a:schemeClr val="accent1"/>
+          </a:lnRef>
+          <a:fillRef idx="0">
+            <a:schemeClr val="accent1"/>
+          </a:fillRef>
+          <a:effectRef idx="0">
+            <a:schemeClr val="accent1"/>
+          </a:effectRef>
+          <a:fontRef idx="minor">
+            <a:schemeClr val="tx1"/>
+          </a:fontRef>
+        </p:style>
+      </p:cxnSp>
+      <p:cxnSp>
+        <p:nvCxnSpPr>
+          <p:cNvPr id="20" name="직선 연결선 19">
+            <a:extLst>
+              <a:ext uri="{FF2B5EF4-FFF2-40B4-BE49-F238E27FC236}">
+                <a16:creationId xmlns:a16="http://schemas.microsoft.com/office/drawing/2014/main" id="{DCCC10F3-082E-4CA0-8D76-F75A3E1A9DD3}"/>
+              </a:ext>
+            </a:extLst>
+          </p:cNvPr>
+          <p:cNvCxnSpPr/>
+          <p:nvPr/>
+        </p:nvCxnSpPr>
+        <p:spPr>
+          <a:xfrm>
+            <a:off x="3923928" y="3573016"/>
+            <a:ext cx="576064" cy="0"/>
+          </a:xfrm>
+          <a:prstGeom prst="line">
+            <a:avLst/>
+          </a:prstGeom>
+        </p:spPr>
+        <p:style>
+          <a:lnRef idx="1">
+            <a:schemeClr val="accent1"/>
+          </a:lnRef>
+          <a:fillRef idx="0">
+            <a:schemeClr val="accent1"/>
+          </a:fillRef>
+          <a:effectRef idx="0">
+            <a:schemeClr val="accent1"/>
+          </a:effectRef>
+          <a:fontRef idx="minor">
+            <a:schemeClr val="tx1"/>
+          </a:fontRef>
+        </p:style>
+      </p:cxnSp>
+      <p:cxnSp>
+        <p:nvCxnSpPr>
+          <p:cNvPr id="22" name="직선 연결선 21">
+            <a:extLst>
+              <a:ext uri="{FF2B5EF4-FFF2-40B4-BE49-F238E27FC236}">
+                <a16:creationId xmlns:a16="http://schemas.microsoft.com/office/drawing/2014/main" id="{67858F03-524E-4EF5-8290-66EB5AF07572}"/>
+              </a:ext>
+            </a:extLst>
+          </p:cNvPr>
+          <p:cNvCxnSpPr/>
+          <p:nvPr/>
+        </p:nvCxnSpPr>
+        <p:spPr>
+          <a:xfrm>
+            <a:off x="3923928" y="4149080"/>
+            <a:ext cx="576064" cy="0"/>
+          </a:xfrm>
+          <a:prstGeom prst="line">
+            <a:avLst/>
+          </a:prstGeom>
+        </p:spPr>
+        <p:style>
+          <a:lnRef idx="1">
+            <a:schemeClr val="accent1"/>
+          </a:lnRef>
+          <a:fillRef idx="0">
+            <a:schemeClr val="accent1"/>
+          </a:fillRef>
+          <a:effectRef idx="0">
+            <a:schemeClr val="accent1"/>
+          </a:effectRef>
+          <a:fontRef idx="minor">
+            <a:schemeClr val="tx1"/>
+          </a:fontRef>
+        </p:style>
+      </p:cxnSp>
+      <p:cxnSp>
+        <p:nvCxnSpPr>
+          <p:cNvPr id="23" name="직선 연결선 22">
+            <a:extLst>
+              <a:ext uri="{FF2B5EF4-FFF2-40B4-BE49-F238E27FC236}">
+                <a16:creationId xmlns:a16="http://schemas.microsoft.com/office/drawing/2014/main" id="{A260F354-CBA6-4FA9-B405-F15C2A6BC49F}"/>
+              </a:ext>
+            </a:extLst>
+          </p:cNvPr>
+          <p:cNvCxnSpPr/>
+          <p:nvPr/>
+        </p:nvCxnSpPr>
+        <p:spPr>
+          <a:xfrm>
+            <a:off x="3923928" y="4725144"/>
+            <a:ext cx="576064" cy="0"/>
+          </a:xfrm>
+          <a:prstGeom prst="line">
+            <a:avLst/>
+          </a:prstGeom>
+        </p:spPr>
+        <p:style>
+          <a:lnRef idx="1">
+            <a:schemeClr val="accent1"/>
+          </a:lnRef>
+          <a:fillRef idx="0">
+            <a:schemeClr val="accent1"/>
+          </a:fillRef>
+          <a:effectRef idx="0">
+            <a:schemeClr val="accent1"/>
+          </a:effectRef>
+          <a:fontRef idx="minor">
+            <a:schemeClr val="tx1"/>
+          </a:fontRef>
+        </p:style>
+      </p:cxnSp>
+      <p:cxnSp>
+        <p:nvCxnSpPr>
+          <p:cNvPr id="24" name="직선 연결선 23">
+            <a:extLst>
+              <a:ext uri="{FF2B5EF4-FFF2-40B4-BE49-F238E27FC236}">
+                <a16:creationId xmlns:a16="http://schemas.microsoft.com/office/drawing/2014/main" id="{B3927A7F-E846-4EAD-A1EA-8F9ECF25C4A4}"/>
+              </a:ext>
+            </a:extLst>
+          </p:cNvPr>
+          <p:cNvCxnSpPr/>
+          <p:nvPr/>
+        </p:nvCxnSpPr>
+        <p:spPr>
+          <a:xfrm>
+            <a:off x="5447267" y="4725144"/>
+            <a:ext cx="576064" cy="0"/>
+          </a:xfrm>
+          <a:prstGeom prst="line">
+            <a:avLst/>
+          </a:prstGeom>
+        </p:spPr>
+        <p:style>
+          <a:lnRef idx="1">
+            <a:schemeClr val="accent1"/>
+          </a:lnRef>
+          <a:fillRef idx="0">
+            <a:schemeClr val="accent1"/>
+          </a:fillRef>
+          <a:effectRef idx="0">
+            <a:schemeClr val="accent1"/>
+          </a:effectRef>
+          <a:fontRef idx="minor">
+            <a:schemeClr val="tx1"/>
+          </a:fontRef>
+        </p:style>
+      </p:cxnSp>
+      <p:cxnSp>
+        <p:nvCxnSpPr>
+          <p:cNvPr id="27" name="직선 연결선 26">
+            <a:extLst>
+              <a:ext uri="{FF2B5EF4-FFF2-40B4-BE49-F238E27FC236}">
+                <a16:creationId xmlns:a16="http://schemas.microsoft.com/office/drawing/2014/main" id="{66BDB12C-BB44-41BA-AFE8-0446266E55AE}"/>
+              </a:ext>
+            </a:extLst>
+          </p:cNvPr>
+          <p:cNvCxnSpPr/>
+          <p:nvPr/>
+        </p:nvCxnSpPr>
+        <p:spPr>
+          <a:xfrm>
+            <a:off x="5447267" y="4161547"/>
+            <a:ext cx="576064" cy="0"/>
+          </a:xfrm>
+          <a:prstGeom prst="line">
+            <a:avLst/>
+          </a:prstGeom>
+        </p:spPr>
+        <p:style>
+          <a:lnRef idx="1">
+            <a:schemeClr val="accent1"/>
+          </a:lnRef>
+          <a:fillRef idx="0">
+            <a:schemeClr val="accent1"/>
+          </a:fillRef>
+          <a:effectRef idx="0">
+            <a:schemeClr val="accent1"/>
+          </a:effectRef>
+          <a:fontRef idx="minor">
+            <a:schemeClr val="tx1"/>
+          </a:fontRef>
+        </p:style>
+      </p:cxnSp>
+      <p:cxnSp>
+        <p:nvCxnSpPr>
+          <p:cNvPr id="36" name="직선 연결선 35">
+            <a:extLst>
+              <a:ext uri="{FF2B5EF4-FFF2-40B4-BE49-F238E27FC236}">
+                <a16:creationId xmlns:a16="http://schemas.microsoft.com/office/drawing/2014/main" id="{07AF264B-3D27-4C62-82E7-D704F1AC0824}"/>
+              </a:ext>
+            </a:extLst>
+          </p:cNvPr>
+          <p:cNvCxnSpPr/>
+          <p:nvPr/>
+        </p:nvCxnSpPr>
+        <p:spPr>
+          <a:xfrm>
+            <a:off x="5447267" y="3561148"/>
+            <a:ext cx="576064" cy="0"/>
+          </a:xfrm>
+          <a:prstGeom prst="line">
+            <a:avLst/>
+          </a:prstGeom>
+        </p:spPr>
+        <p:style>
+          <a:lnRef idx="1">
+            <a:schemeClr val="accent1"/>
+          </a:lnRef>
+          <a:fillRef idx="0">
+            <a:schemeClr val="accent1"/>
+          </a:fillRef>
+          <a:effectRef idx="0">
+            <a:schemeClr val="accent1"/>
+          </a:effectRef>
+          <a:fontRef idx="minor">
+            <a:schemeClr val="tx1"/>
+          </a:fontRef>
+        </p:style>
+      </p:cxnSp>
+      <p:cxnSp>
+        <p:nvCxnSpPr>
+          <p:cNvPr id="37" name="직선 연결선 36">
+            <a:extLst>
+              <a:ext uri="{FF2B5EF4-FFF2-40B4-BE49-F238E27FC236}">
+                <a16:creationId xmlns:a16="http://schemas.microsoft.com/office/drawing/2014/main" id="{B32E48CD-AC09-49A5-8614-B5F9EC9309A1}"/>
+              </a:ext>
+            </a:extLst>
+          </p:cNvPr>
+          <p:cNvCxnSpPr/>
+          <p:nvPr/>
+        </p:nvCxnSpPr>
+        <p:spPr>
+          <a:xfrm>
+            <a:off x="5429217" y="3052900"/>
+            <a:ext cx="576064" cy="0"/>
+          </a:xfrm>
+          <a:prstGeom prst="line">
+            <a:avLst/>
+          </a:prstGeom>
+        </p:spPr>
+        <p:style>
+          <a:lnRef idx="1">
+            <a:schemeClr val="accent1"/>
+          </a:lnRef>
+          <a:fillRef idx="0">
+            <a:schemeClr val="accent1"/>
+          </a:fillRef>
+          <a:effectRef idx="0">
+            <a:schemeClr val="accent1"/>
+          </a:effectRef>
+          <a:fontRef idx="minor">
+            <a:schemeClr val="tx1"/>
+          </a:fontRef>
+        </p:style>
+      </p:cxnSp>
+    </p:spTree>
+    <p:extLst>
+      <p:ext uri="{BB962C8B-B14F-4D97-AF65-F5344CB8AC3E}">
+        <p14:creationId xmlns:p14="http://schemas.microsoft.com/office/powerpoint/2010/main" val="1430281898"/>
+      </p:ext>
+    </p:extLst>
+  </p:cSld>
+  <p:clrMapOvr>
+    <a:masterClrMapping/>
+  </p:clrMapOvr>
+</p:sld>
+</file>
+
+<file path=ppt/slides/slide8.xml><?xml version="1.0" encoding="utf-8"?>
+<p:sld xmlns:a="http://schemas.openxmlformats.org/drawingml/2006/main" xmlns:r="http://schemas.openxmlformats.org/officeDocument/2006/relationships" xmlns:p="http://schemas.openxmlformats.org/presentationml/2006/main">
+  <p:cSld>
+    <p:spTree>
+      <p:nvGrpSpPr>
+        <p:cNvPr id="1" name=""/>
+        <p:cNvGrpSpPr/>
+        <p:nvPr/>
+      </p:nvGrpSpPr>
+      <p:grpSpPr>
+        <a:xfrm>
+          <a:off x="0" y="0"/>
+          <a:ext cx="0" cy="0"/>
+          <a:chOff x="0" y="0"/>
+          <a:chExt cx="0" cy="0"/>
+        </a:xfrm>
+      </p:grpSpPr>
+      <p:sp>
+        <p:nvSpPr>
+          <p:cNvPr id="2" name="제목 1">
+            <a:extLst>
+              <a:ext uri="{FF2B5EF4-FFF2-40B4-BE49-F238E27FC236}">
+                <a16:creationId xmlns:a16="http://schemas.microsoft.com/office/drawing/2014/main" id="{47B339F2-6A20-4A30-9887-7BFB73CA1E8C}"/>
+              </a:ext>
+            </a:extLst>
+          </p:cNvPr>
+          <p:cNvSpPr>
+            <a:spLocks noGrp="1"/>
+          </p:cNvSpPr>
+          <p:nvPr>
+            <p:ph type="title"/>
+          </p:nvPr>
+        </p:nvSpPr>
+        <p:spPr/>
+        <p:txBody>
+          <a:bodyPr/>
+          <a:lstStyle/>
+          <a:p>
+            <a:r>
+              <a:rPr lang="ko-KR" altLang="en-US" b="1" i="0" dirty="0">
+                <a:solidFill>
+                  <a:srgbClr val="202124"/>
+                </a:solidFill>
+                <a:effectLst/>
+                <a:latin typeface="Google Sans"/>
+              </a:rPr>
+              <a:t>무드보드</a:t>
+            </a:r>
+            <a:endParaRPr lang="ko-KR" altLang="en-US" b="1" dirty="0"/>
+          </a:p>
+        </p:txBody>
+      </p:sp>
+      <p:sp>
+        <p:nvSpPr>
+          <p:cNvPr id="26" name="TextBox 25">
+            <a:extLst>
+              <a:ext uri="{FF2B5EF4-FFF2-40B4-BE49-F238E27FC236}">
+                <a16:creationId xmlns:a16="http://schemas.microsoft.com/office/drawing/2014/main" id="{C920BFD4-F974-4CAF-87D5-9E2AE912ACA4}"/>
+              </a:ext>
+            </a:extLst>
+          </p:cNvPr>
+          <p:cNvSpPr txBox="1"/>
+          <p:nvPr/>
+        </p:nvSpPr>
+        <p:spPr>
+          <a:xfrm>
+            <a:off x="3887540" y="2796167"/>
+            <a:ext cx="685800" cy="369332"/>
+          </a:xfrm>
+          <a:prstGeom prst="rect">
+            <a:avLst/>
+          </a:prstGeom>
+          <a:noFill/>
+        </p:spPr>
+        <p:txBody>
+          <a:bodyPr wrap="square" rtlCol="0">
+            <a:spAutoFit/>
+          </a:bodyPr>
+          <a:lstStyle/>
+          <a:p>
+            <a:endParaRPr lang="ko-KR" altLang="en-US" dirty="0"/>
+          </a:p>
+        </p:txBody>
+      </p:sp>
+      <p:grpSp>
+        <p:nvGrpSpPr>
+          <p:cNvPr id="18" name="그룹 17"/>
+          <p:cNvGrpSpPr/>
+          <p:nvPr/>
+        </p:nvGrpSpPr>
+        <p:grpSpPr>
+          <a:xfrm>
+            <a:off x="2635812" y="1404749"/>
+            <a:ext cx="3816424" cy="4752528"/>
+            <a:chOff x="701378" y="1468314"/>
+            <a:chExt cx="3816424" cy="4752528"/>
+          </a:xfrm>
+        </p:grpSpPr>
+        <p:pic>
+          <p:nvPicPr>
+            <p:cNvPr id="19" name="Picture 3" descr="C:\Users\12-19\Downloads\underwater-g4aaeef3ea_1280.jpg"/>
+            <p:cNvPicPr>
+              <a:picLocks noChangeAspect="1" noChangeArrowheads="1"/>
+            </p:cNvPicPr>
+            <p:nvPr/>
+          </p:nvPicPr>
+          <p:blipFill>
+            <a:blip r:embed="rId2">
+              <a:extLst>
+                <a:ext uri="{28A0092B-C50C-407E-A947-70E740481C1C}">
+                  <a14:useLocalDpi xmlns:a14="http://schemas.microsoft.com/office/drawing/2010/main" val="0"/>
+                </a:ext>
+              </a:extLst>
+            </a:blip>
+            <a:srcRect/>
+            <a:stretch>
+              <a:fillRect/>
+            </a:stretch>
+          </p:blipFill>
+          <p:spPr bwMode="auto">
+            <a:xfrm>
+              <a:off x="701378" y="1468314"/>
+              <a:ext cx="3816424" cy="4752528"/>
+            </a:xfrm>
+            <a:prstGeom prst="rect">
+              <a:avLst/>
+            </a:prstGeom>
+            <a:noFill/>
+            <a:extLst>
+              <a:ext uri="{909E8E84-426E-40DD-AFC4-6F175D3DCCD1}">
+                <a14:hiddenFill xmlns:a14="http://schemas.microsoft.com/office/drawing/2010/main">
+                  <a:solidFill>
+                    <a:srgbClr val="FFFFFF"/>
+                  </a:solidFill>
+                </a14:hiddenFill>
+              </a:ext>
+            </a:extLst>
+          </p:spPr>
+        </p:pic>
+        <p:sp>
+          <p:nvSpPr>
+            <p:cNvPr id="21" name="직사각형 20"/>
+            <p:cNvSpPr/>
+            <p:nvPr/>
+          </p:nvSpPr>
+          <p:spPr>
+            <a:xfrm>
+              <a:off x="1397991" y="1692365"/>
+              <a:ext cx="2463711" cy="400110"/>
+            </a:xfrm>
+            <a:prstGeom prst="rect">
+              <a:avLst/>
+            </a:prstGeom>
+            <a:noFill/>
+          </p:spPr>
+          <p:txBody>
+            <a:bodyPr wrap="square" lIns="91440" tIns="45720" rIns="91440" bIns="45720">
+              <a:spAutoFit/>
+            </a:bodyPr>
+            <a:lstStyle/>
+            <a:p>
+              <a:pPr algn="ctr"/>
+              <a:r>
+                <a:rPr lang="en-US" altLang="ko-KR" sz="2000" b="0" cap="none" spc="0" dirty="0">
+                  <a:ln w="18415" cmpd="sng">
+                    <a:solidFill>
+                      <a:srgbClr val="FFFFFF"/>
+                    </a:solidFill>
+                    <a:prstDash val="solid"/>
+                  </a:ln>
+                  <a:solidFill>
+                    <a:srgbClr val="FFFFFF"/>
+                  </a:solidFill>
+                  <a:effectLst>
+                    <a:outerShdw blurRad="63500" dir="3600000" algn="tl" rotWithShape="0">
+                      <a:srgbClr val="000000">
+                        <a:alpha val="70000"/>
+                      </a:srgbClr>
+                    </a:outerShdw>
+                  </a:effectLst>
+                </a:rPr>
+                <a:t>PORTFOLIO</a:t>
+              </a:r>
+            </a:p>
+          </p:txBody>
+        </p:sp>
+        <p:sp>
+          <p:nvSpPr>
+            <p:cNvPr id="25" name="직사각형 24"/>
+            <p:cNvSpPr/>
+            <p:nvPr/>
+          </p:nvSpPr>
+          <p:spPr>
+            <a:xfrm>
+              <a:off x="989410" y="2420888"/>
+              <a:ext cx="3240360" cy="3096344"/>
+            </a:xfrm>
+            <a:prstGeom prst="rect">
+              <a:avLst/>
+            </a:prstGeom>
+            <a:solidFill>
+              <a:schemeClr val="bg1">
+                <a:lumMod val="85000"/>
+              </a:schemeClr>
+            </a:solidFill>
+          </p:spPr>
+          <p:style>
+            <a:lnRef idx="2">
+              <a:schemeClr val="accent1">
+                <a:shade val="50000"/>
+              </a:schemeClr>
+            </a:lnRef>
+            <a:fillRef idx="1">
+              <a:schemeClr val="accent1"/>
+            </a:fillRef>
+            <a:effectRef idx="0">
+              <a:schemeClr val="accent1"/>
+            </a:effectRef>
+            <a:fontRef idx="minor">
+              <a:schemeClr val="lt1"/>
+            </a:fontRef>
+          </p:style>
+          <p:txBody>
+            <a:bodyPr rtlCol="0" anchor="ctr"/>
+            <a:lstStyle/>
+            <a:p>
+              <a:pPr algn="ctr"/>
+              <a:endParaRPr lang="ko-KR" altLang="en-US"/>
+            </a:p>
+          </p:txBody>
+        </p:sp>
+      </p:grpSp>
+      <p:sp>
+        <p:nvSpPr>
+          <p:cNvPr id="3" name="직사각형 2">
+            <a:extLst>
+              <a:ext uri="{FF2B5EF4-FFF2-40B4-BE49-F238E27FC236}">
+                <a16:creationId xmlns:a16="http://schemas.microsoft.com/office/drawing/2014/main" id="{F8FB3C8A-2209-4C74-97B1-D812E9D73E65}"/>
+              </a:ext>
+            </a:extLst>
+          </p:cNvPr>
+          <p:cNvSpPr/>
+          <p:nvPr/>
+        </p:nvSpPr>
+        <p:spPr>
+          <a:xfrm>
+            <a:off x="3059832" y="2492896"/>
+            <a:ext cx="1440160" cy="1199606"/>
+          </a:xfrm>
+          <a:prstGeom prst="rect">
+            <a:avLst/>
+          </a:prstGeom>
+        </p:spPr>
+        <p:style>
+          <a:lnRef idx="2">
+            <a:schemeClr val="accent1">
+              <a:shade val="50000"/>
+            </a:schemeClr>
+          </a:lnRef>
+          <a:fillRef idx="1">
+            <a:schemeClr val="accent1"/>
+          </a:fillRef>
+          <a:effectRef idx="0">
+            <a:schemeClr val="accent1"/>
+          </a:effectRef>
+          <a:fontRef idx="minor">
+            <a:schemeClr val="lt1"/>
+          </a:fontRef>
+        </p:style>
+        <p:txBody>
+          <a:bodyPr rtlCol="0" anchor="ctr"/>
+          <a:lstStyle/>
+          <a:p>
+            <a:pPr algn="ctr"/>
+            <a:endParaRPr lang="ko-KR" altLang="en-US"/>
+          </a:p>
+        </p:txBody>
+      </p:sp>
+      <p:sp>
+        <p:nvSpPr>
+          <p:cNvPr id="17" name="직사각형 16">
+            <a:extLst>
+              <a:ext uri="{FF2B5EF4-FFF2-40B4-BE49-F238E27FC236}">
+                <a16:creationId xmlns:a16="http://schemas.microsoft.com/office/drawing/2014/main" id="{1ABFB20C-35AA-4A41-8CBF-EFA8C702CB6A}"/>
+              </a:ext>
+            </a:extLst>
+          </p:cNvPr>
+          <p:cNvSpPr/>
+          <p:nvPr/>
+        </p:nvSpPr>
+        <p:spPr>
+          <a:xfrm>
+            <a:off x="4607620" y="2492896"/>
+            <a:ext cx="1440160" cy="1199606"/>
+          </a:xfrm>
+          <a:prstGeom prst="rect">
+            <a:avLst/>
+          </a:prstGeom>
+        </p:spPr>
+        <p:style>
+          <a:lnRef idx="2">
+            <a:schemeClr val="accent1">
+              <a:shade val="50000"/>
+            </a:schemeClr>
+          </a:lnRef>
+          <a:fillRef idx="1">
+            <a:schemeClr val="accent1"/>
+          </a:fillRef>
+          <a:effectRef idx="0">
+            <a:schemeClr val="accent1"/>
+          </a:effectRef>
+          <a:fontRef idx="minor">
+            <a:schemeClr val="lt1"/>
+          </a:fontRef>
+        </p:style>
+        <p:txBody>
+          <a:bodyPr rtlCol="0" anchor="ctr"/>
+          <a:lstStyle/>
+          <a:p>
+            <a:pPr algn="ctr"/>
+            <a:endParaRPr lang="ko-KR" altLang="en-US"/>
+          </a:p>
+        </p:txBody>
+      </p:sp>
+      <p:sp>
+        <p:nvSpPr>
+          <p:cNvPr id="20" name="직사각형 19">
+            <a:extLst>
+              <a:ext uri="{FF2B5EF4-FFF2-40B4-BE49-F238E27FC236}">
+                <a16:creationId xmlns:a16="http://schemas.microsoft.com/office/drawing/2014/main" id="{6CF102E9-59C1-49C1-8FE2-D50E48E98C62}"/>
+              </a:ext>
+            </a:extLst>
+          </p:cNvPr>
+          <p:cNvSpPr/>
+          <p:nvPr/>
+        </p:nvSpPr>
+        <p:spPr>
+          <a:xfrm>
+            <a:off x="3055310" y="3973281"/>
+            <a:ext cx="1440160" cy="1199606"/>
+          </a:xfrm>
+          <a:prstGeom prst="rect">
+            <a:avLst/>
+          </a:prstGeom>
+        </p:spPr>
+        <p:style>
+          <a:lnRef idx="2">
+            <a:schemeClr val="accent1">
+              <a:shade val="50000"/>
+            </a:schemeClr>
+          </a:lnRef>
+          <a:fillRef idx="1">
+            <a:schemeClr val="accent1"/>
+          </a:fillRef>
+          <a:effectRef idx="0">
+            <a:schemeClr val="accent1"/>
+          </a:effectRef>
+          <a:fontRef idx="minor">
+            <a:schemeClr val="lt1"/>
+          </a:fontRef>
+        </p:style>
+        <p:txBody>
+          <a:bodyPr rtlCol="0" anchor="ctr"/>
+          <a:lstStyle/>
+          <a:p>
+            <a:pPr algn="ctr"/>
+            <a:endParaRPr lang="ko-KR" altLang="en-US"/>
+          </a:p>
+        </p:txBody>
+      </p:sp>
+      <p:sp>
+        <p:nvSpPr>
+          <p:cNvPr id="22" name="직사각형 21">
+            <a:extLst>
+              <a:ext uri="{FF2B5EF4-FFF2-40B4-BE49-F238E27FC236}">
+                <a16:creationId xmlns:a16="http://schemas.microsoft.com/office/drawing/2014/main" id="{AFFE3BBF-14AB-4CA1-98D7-306A34DE13E6}"/>
+              </a:ext>
+            </a:extLst>
+          </p:cNvPr>
+          <p:cNvSpPr/>
+          <p:nvPr/>
+        </p:nvSpPr>
+        <p:spPr>
+          <a:xfrm>
+            <a:off x="4603098" y="3973281"/>
+            <a:ext cx="1440160" cy="1199606"/>
+          </a:xfrm>
+          <a:prstGeom prst="rect">
+            <a:avLst/>
+          </a:prstGeom>
+        </p:spPr>
+        <p:style>
+          <a:lnRef idx="2">
+            <a:schemeClr val="accent1">
+              <a:shade val="50000"/>
+            </a:schemeClr>
+          </a:lnRef>
+          <a:fillRef idx="1">
+            <a:schemeClr val="accent1"/>
+          </a:fillRef>
+          <a:effectRef idx="0">
+            <a:schemeClr val="accent1"/>
+          </a:effectRef>
+          <a:fontRef idx="minor">
+            <a:schemeClr val="lt1"/>
+          </a:fontRef>
+        </p:style>
+        <p:txBody>
+          <a:bodyPr rtlCol="0" anchor="ctr"/>
+          <a:lstStyle/>
+          <a:p>
+            <a:pPr algn="ctr"/>
+            <a:endParaRPr lang="ko-KR" altLang="en-US"/>
+          </a:p>
+        </p:txBody>
+      </p:sp>
+    </p:spTree>
+    <p:extLst>
+      <p:ext uri="{BB962C8B-B14F-4D97-AF65-F5344CB8AC3E}">
+        <p14:creationId xmlns:p14="http://schemas.microsoft.com/office/powerpoint/2010/main" val="2319939803"/>
+      </p:ext>
+    </p:extLst>
+  </p:cSld>
+  <p:clrMapOvr>
+    <a:masterClrMapping/>
+  </p:clrMapOvr>
+</p:sld>
+</file>
+
+<file path=ppt/slides/slide9.xml><?xml version="1.0" encoding="utf-8"?>
+<p:sld xmlns:a="http://schemas.openxmlformats.org/drawingml/2006/main" xmlns:r="http://schemas.openxmlformats.org/officeDocument/2006/relationships" xmlns:p="http://schemas.openxmlformats.org/presentationml/2006/main">
+  <p:cSld>
+    <p:spTree>
+      <p:nvGrpSpPr>
+        <p:cNvPr id="1" name=""/>
+        <p:cNvGrpSpPr/>
+        <p:nvPr/>
+      </p:nvGrpSpPr>
+      <p:grpSpPr>
+        <a:xfrm>
+          <a:off x="0" y="0"/>
+          <a:ext cx="0" cy="0"/>
+          <a:chOff x="0" y="0"/>
+          <a:chExt cx="0" cy="0"/>
+        </a:xfrm>
+      </p:grpSpPr>
+      <p:sp>
+        <p:nvSpPr>
+          <p:cNvPr id="2" name="제목 1">
+            <a:extLst>
+              <a:ext uri="{FF2B5EF4-FFF2-40B4-BE49-F238E27FC236}">
+                <a16:creationId xmlns:a16="http://schemas.microsoft.com/office/drawing/2014/main" id="{47B339F2-6A20-4A30-9887-7BFB73CA1E8C}"/>
+              </a:ext>
+            </a:extLst>
+          </p:cNvPr>
+          <p:cNvSpPr>
+            <a:spLocks noGrp="1"/>
+          </p:cNvSpPr>
+          <p:nvPr>
+            <p:ph type="title"/>
+          </p:nvPr>
+        </p:nvSpPr>
+        <p:spPr/>
+        <p:txBody>
+          <a:bodyPr/>
+          <a:lstStyle/>
+          <a:p>
+            <a:r>
+              <a:rPr lang="ko-KR" altLang="en-US" b="1" i="0" dirty="0">
+                <a:solidFill>
+                  <a:srgbClr val="202124"/>
+                </a:solidFill>
+                <a:effectLst/>
+                <a:latin typeface="Google Sans"/>
+              </a:rPr>
+              <a:t>무드보드</a:t>
+            </a:r>
+            <a:endParaRPr lang="ko-KR" altLang="en-US" b="1" dirty="0"/>
+          </a:p>
+        </p:txBody>
+      </p:sp>
+      <p:sp>
+        <p:nvSpPr>
+          <p:cNvPr id="26" name="TextBox 25">
+            <a:extLst>
+              <a:ext uri="{FF2B5EF4-FFF2-40B4-BE49-F238E27FC236}">
+                <a16:creationId xmlns:a16="http://schemas.microsoft.com/office/drawing/2014/main" id="{C920BFD4-F974-4CAF-87D5-9E2AE912ACA4}"/>
+              </a:ext>
+            </a:extLst>
+          </p:cNvPr>
+          <p:cNvSpPr txBox="1"/>
+          <p:nvPr/>
+        </p:nvSpPr>
+        <p:spPr>
+          <a:xfrm>
+            <a:off x="3887540" y="2796167"/>
+            <a:ext cx="685800" cy="369332"/>
+          </a:xfrm>
+          <a:prstGeom prst="rect">
+            <a:avLst/>
+          </a:prstGeom>
+          <a:noFill/>
+        </p:spPr>
+        <p:txBody>
+          <a:bodyPr wrap="square" rtlCol="0">
+            <a:spAutoFit/>
+          </a:bodyPr>
+          <a:lstStyle/>
+          <a:p>
+            <a:endParaRPr lang="ko-KR" altLang="en-US" dirty="0"/>
+          </a:p>
+        </p:txBody>
+      </p:sp>
+      <p:grpSp>
+        <p:nvGrpSpPr>
+          <p:cNvPr id="18" name="그룹 17"/>
+          <p:cNvGrpSpPr/>
+          <p:nvPr/>
+        </p:nvGrpSpPr>
+        <p:grpSpPr>
+          <a:xfrm>
+            <a:off x="2635812" y="1404749"/>
+            <a:ext cx="3816424" cy="4752528"/>
+            <a:chOff x="701378" y="1468314"/>
+            <a:chExt cx="3816424" cy="4752528"/>
+          </a:xfrm>
+        </p:grpSpPr>
+        <p:pic>
+          <p:nvPicPr>
+            <p:cNvPr id="19" name="Picture 3" descr="C:\Users\12-19\Downloads\underwater-g4aaeef3ea_1280.jpg"/>
+            <p:cNvPicPr>
+              <a:picLocks noChangeAspect="1" noChangeArrowheads="1"/>
+            </p:cNvPicPr>
+            <p:nvPr/>
+          </p:nvPicPr>
+          <p:blipFill>
+            <a:blip r:embed="rId2">
+              <a:extLst>
+                <a:ext uri="{28A0092B-C50C-407E-A947-70E740481C1C}">
+                  <a14:useLocalDpi xmlns:a14="http://schemas.microsoft.com/office/drawing/2010/main" val="0"/>
+                </a:ext>
+              </a:extLst>
+            </a:blip>
+            <a:srcRect/>
+            <a:stretch>
+              <a:fillRect/>
+            </a:stretch>
+          </p:blipFill>
+          <p:spPr bwMode="auto">
+            <a:xfrm>
+              <a:off x="701378" y="1468314"/>
+              <a:ext cx="3816424" cy="4752528"/>
+            </a:xfrm>
+            <a:prstGeom prst="rect">
+              <a:avLst/>
+            </a:prstGeom>
+            <a:noFill/>
+            <a:extLst>
+              <a:ext uri="{909E8E84-426E-40DD-AFC4-6F175D3DCCD1}">
+                <a14:hiddenFill xmlns:a14="http://schemas.microsoft.com/office/drawing/2010/main">
+                  <a:solidFill>
+                    <a:srgbClr val="FFFFFF"/>
+                  </a:solidFill>
+                </a14:hiddenFill>
+              </a:ext>
+            </a:extLst>
+          </p:spPr>
+        </p:pic>
+        <p:sp>
+          <p:nvSpPr>
+            <p:cNvPr id="21" name="직사각형 20"/>
+            <p:cNvSpPr/>
+            <p:nvPr/>
+          </p:nvSpPr>
+          <p:spPr>
+            <a:xfrm>
+              <a:off x="1397991" y="1692365"/>
+              <a:ext cx="2463711" cy="400110"/>
+            </a:xfrm>
+            <a:prstGeom prst="rect">
+              <a:avLst/>
+            </a:prstGeom>
+            <a:noFill/>
+          </p:spPr>
+          <p:txBody>
+            <a:bodyPr wrap="square" lIns="91440" tIns="45720" rIns="91440" bIns="45720">
+              <a:spAutoFit/>
+            </a:bodyPr>
+            <a:lstStyle/>
+            <a:p>
+              <a:pPr algn="ctr"/>
+              <a:r>
+                <a:rPr lang="en-US" altLang="ko-KR" sz="2000" b="0" cap="none" spc="0" dirty="0">
+                  <a:ln w="18415" cmpd="sng">
+                    <a:solidFill>
+                      <a:srgbClr val="FFFFFF"/>
+                    </a:solidFill>
+                    <a:prstDash val="solid"/>
+                  </a:ln>
+                  <a:solidFill>
+                    <a:srgbClr val="FFFFFF"/>
+                  </a:solidFill>
+                  <a:effectLst>
+                    <a:outerShdw blurRad="63500" dir="3600000" algn="tl" rotWithShape="0">
+                      <a:srgbClr val="000000">
+                        <a:alpha val="70000"/>
+                      </a:srgbClr>
+                    </a:outerShdw>
+                  </a:effectLst>
+                </a:rPr>
+                <a:t>CONTACT</a:t>
+              </a:r>
+            </a:p>
+          </p:txBody>
+        </p:sp>
+        <p:sp>
+          <p:nvSpPr>
+            <p:cNvPr id="25" name="직사각형 24"/>
+            <p:cNvSpPr/>
+            <p:nvPr/>
+          </p:nvSpPr>
+          <p:spPr>
+            <a:xfrm>
+              <a:off x="989410" y="2420888"/>
+              <a:ext cx="3240360" cy="3096344"/>
+            </a:xfrm>
+            <a:prstGeom prst="rect">
+              <a:avLst/>
+            </a:prstGeom>
+            <a:solidFill>
+              <a:schemeClr val="bg1">
+                <a:lumMod val="85000"/>
+              </a:schemeClr>
+            </a:solidFill>
+          </p:spPr>
+          <p:style>
+            <a:lnRef idx="2">
+              <a:schemeClr val="accent1">
+                <a:shade val="50000"/>
+              </a:schemeClr>
+            </a:lnRef>
+            <a:fillRef idx="1">
+              <a:schemeClr val="accent1"/>
+            </a:fillRef>
+            <a:effectRef idx="0">
+              <a:schemeClr val="accent1"/>
+            </a:effectRef>
+            <a:fontRef idx="minor">
+              <a:schemeClr val="lt1"/>
+            </a:fontRef>
+          </p:style>
+          <p:txBody>
+            <a:bodyPr rtlCol="0" anchor="ctr"/>
+            <a:lstStyle/>
+            <a:p>
+              <a:pPr algn="ctr"/>
+              <a:endParaRPr lang="ko-KR" altLang="en-US"/>
+            </a:p>
+          </p:txBody>
+        </p:sp>
+      </p:grpSp>
+      <p:cxnSp>
+        <p:nvCxnSpPr>
+          <p:cNvPr id="4" name="직선 연결선 3">
+            <a:extLst>
+              <a:ext uri="{FF2B5EF4-FFF2-40B4-BE49-F238E27FC236}">
+                <a16:creationId xmlns:a16="http://schemas.microsoft.com/office/drawing/2014/main" id="{DFD3AB9A-F5F2-4643-A0CC-7543DE6E67D8}"/>
+              </a:ext>
+            </a:extLst>
+          </p:cNvPr>
+          <p:cNvCxnSpPr/>
+          <p:nvPr/>
+        </p:nvCxnSpPr>
+        <p:spPr>
+          <a:xfrm>
+            <a:off x="3332425" y="3165499"/>
+            <a:ext cx="1959655" cy="0"/>
+          </a:xfrm>
+          <a:prstGeom prst="line">
+            <a:avLst/>
+          </a:prstGeom>
+        </p:spPr>
+        <p:style>
+          <a:lnRef idx="1">
+            <a:schemeClr val="accent1"/>
+          </a:lnRef>
+          <a:fillRef idx="0">
+            <a:schemeClr val="accent1"/>
+          </a:fillRef>
+          <a:effectRef idx="0">
+            <a:schemeClr val="accent1"/>
+          </a:effectRef>
+          <a:fontRef idx="minor">
+            <a:schemeClr val="tx1"/>
+          </a:fontRef>
+        </p:style>
+      </p:cxnSp>
+      <p:cxnSp>
+        <p:nvCxnSpPr>
+          <p:cNvPr id="20" name="직선 연결선 19">
+            <a:extLst>
+              <a:ext uri="{FF2B5EF4-FFF2-40B4-BE49-F238E27FC236}">
+                <a16:creationId xmlns:a16="http://schemas.microsoft.com/office/drawing/2014/main" id="{A7C372AD-765D-47CB-9CFD-E228E1C16A40}"/>
+              </a:ext>
+            </a:extLst>
+          </p:cNvPr>
+          <p:cNvCxnSpPr/>
+          <p:nvPr/>
+        </p:nvCxnSpPr>
+        <p:spPr>
+          <a:xfrm>
+            <a:off x="3332425" y="3717032"/>
+            <a:ext cx="1959655" cy="0"/>
+          </a:xfrm>
+          <a:prstGeom prst="line">
+            <a:avLst/>
+          </a:prstGeom>
+        </p:spPr>
+        <p:style>
+          <a:lnRef idx="1">
+            <a:schemeClr val="accent1"/>
+          </a:lnRef>
+          <a:fillRef idx="0">
+            <a:schemeClr val="accent1"/>
+          </a:fillRef>
+          <a:effectRef idx="0">
+            <a:schemeClr val="accent1"/>
+          </a:effectRef>
+          <a:fontRef idx="minor">
+            <a:schemeClr val="tx1"/>
+          </a:fontRef>
+        </p:style>
+      </p:cxnSp>
+      <p:cxnSp>
+        <p:nvCxnSpPr>
+          <p:cNvPr id="22" name="직선 연결선 21">
+            <a:extLst>
+              <a:ext uri="{FF2B5EF4-FFF2-40B4-BE49-F238E27FC236}">
+                <a16:creationId xmlns:a16="http://schemas.microsoft.com/office/drawing/2014/main" id="{66843392-0566-4F38-8D54-8E3776651A3A}"/>
+              </a:ext>
+            </a:extLst>
+          </p:cNvPr>
+          <p:cNvCxnSpPr/>
+          <p:nvPr/>
+        </p:nvCxnSpPr>
+        <p:spPr>
+          <a:xfrm>
+            <a:off x="3332425" y="4221088"/>
+            <a:ext cx="1959655" cy="0"/>
+          </a:xfrm>
+          <a:prstGeom prst="line">
+            <a:avLst/>
+          </a:prstGeom>
+        </p:spPr>
+        <p:style>
+          <a:lnRef idx="1">
+            <a:schemeClr val="accent1"/>
+          </a:lnRef>
+          <a:fillRef idx="0">
+            <a:schemeClr val="accent1"/>
+          </a:fillRef>
+          <a:effectRef idx="0">
+            <a:schemeClr val="accent1"/>
+          </a:effectRef>
+          <a:fontRef idx="minor">
+            <a:schemeClr val="tx1"/>
+          </a:fontRef>
+        </p:style>
+      </p:cxnSp>
+    </p:spTree>
+    <p:extLst>
+      <p:ext uri="{BB962C8B-B14F-4D97-AF65-F5344CB8AC3E}">
+        <p14:creationId xmlns:p14="http://schemas.microsoft.com/office/powerpoint/2010/main" val="1500480618"/>
       </p:ext>
     </p:extLst>
   </p:cSld>
